--- a/Slides/120720.pptx
+++ b/Slides/120720.pptx
@@ -738,10 +738,10 @@
           </a:ln>
           <a:extLst>
             <a:ext uri="{FAA26D3D-D897-4be2-8F04-BA451C77F1D7}">
-              <ma14:placeholderFlag xmlns:ma14="http://schemas.microsoft.com/office/mac/drawingml/2011/main" xmlns="" val="1"/>
+              <ma14:placeholderFlag xmlns="" xmlns:ma14="http://schemas.microsoft.com/office/mac/drawingml/2011/main" val="1"/>
             </a:ext>
             <a:ext uri="{909E8E84-426E-40dd-AFC4-6F175D3DCCD1}">
-              <a14:hiddenFill xmlns:a14="http://schemas.microsoft.com/office/drawing/2010/main" xmlns="">
+              <a14:hiddenFill xmlns="" xmlns:a14="http://schemas.microsoft.com/office/drawing/2010/main">
                 <a:solidFill>
                   <a:srgbClr val="FFFFFF"/>
                 </a:solidFill>
@@ -916,14 +916,14 @@
           <a:ln/>
           <a:extLst>
             <a:ext uri="{909E8E84-426E-40dd-AFC4-6F175D3DCCD1}">
-              <a14:hiddenFill xmlns:a14="http://schemas.microsoft.com/office/drawing/2010/main" xmlns="">
+              <a14:hiddenFill xmlns="" xmlns:a14="http://schemas.microsoft.com/office/drawing/2010/main">
                 <a:solidFill>
                   <a:srgbClr val="FFFFFF"/>
                 </a:solidFill>
               </a14:hiddenFill>
             </a:ext>
             <a:ext uri="{91240B29-F687-4f45-9708-019B960494DF}">
-              <a14:hiddenLine xmlns:a14="http://schemas.microsoft.com/office/drawing/2010/main" xmlns="" w="9525">
+              <a14:hiddenLine xmlns="" xmlns:a14="http://schemas.microsoft.com/office/drawing/2010/main" w="9525">
                 <a:solidFill>
                   <a:srgbClr val="000000"/>
                 </a:solidFill>
@@ -1091,17 +1091,17 @@
           <a:ln/>
           <a:extLst>
             <a:ext uri="{FAA26D3D-D897-4be2-8F04-BA451C77F1D7}">
-              <ma14:placeholderFlag xmlns:ma14="http://schemas.microsoft.com/office/mac/drawingml/2011/main" xmlns="" val="1"/>
+              <ma14:placeholderFlag xmlns="" xmlns:ma14="http://schemas.microsoft.com/office/mac/drawingml/2011/main" val="1"/>
             </a:ext>
             <a:ext uri="{909E8E84-426E-40dd-AFC4-6F175D3DCCD1}">
-              <a14:hiddenFill xmlns:a14="http://schemas.microsoft.com/office/drawing/2010/main" xmlns="">
+              <a14:hiddenFill xmlns="" xmlns:a14="http://schemas.microsoft.com/office/drawing/2010/main">
                 <a:solidFill>
                   <a:srgbClr val="FFFFFF"/>
                 </a:solidFill>
               </a14:hiddenFill>
             </a:ext>
             <a:ext uri="{91240B29-F687-4f45-9708-019B960494DF}">
-              <a14:hiddenLine xmlns:a14="http://schemas.microsoft.com/office/drawing/2010/main" xmlns="" w="9525">
+              <a14:hiddenLine xmlns="" xmlns:a14="http://schemas.microsoft.com/office/drawing/2010/main" w="9525">
                 <a:solidFill>
                   <a:srgbClr val="000000"/>
                 </a:solidFill>
@@ -1156,6 +1156,255 @@
       <p:sp>
         <p:nvSpPr>
           <p:cNvPr id="59394" name="Rectangle 7"/>
+          <p:cNvSpPr>
+            <a:spLocks noGrp="1" noChangeArrowheads="1"/>
+          </p:cNvSpPr>
+          <p:nvPr>
+            <p:ph type="sldNum" sz="quarter" idx="5"/>
+          </p:nvPr>
+        </p:nvSpPr>
+        <p:spPr>
+          <a:noFill/>
+          <a:ln/>
+          <a:extLst>
+            <a:ext uri="{909E8E84-426E-40dd-AFC4-6F175D3DCCD1}">
+              <a14:hiddenFill xmlns="" xmlns:a14="http://schemas.microsoft.com/office/drawing/2010/main">
+                <a:solidFill>
+                  <a:srgbClr val="FFFFFF"/>
+                </a:solidFill>
+              </a14:hiddenFill>
+            </a:ext>
+            <a:ext uri="{91240B29-F687-4f45-9708-019B960494DF}">
+              <a14:hiddenLine xmlns="" xmlns:a14="http://schemas.microsoft.com/office/drawing/2010/main" w="9525">
+                <a:solidFill>
+                  <a:srgbClr val="000000"/>
+                </a:solidFill>
+                <a:miter lim="800000"/>
+                <a:headEnd/>
+                <a:tailEnd/>
+              </a14:hiddenLine>
+            </a:ext>
+          </a:extLst>
+        </p:spPr>
+        <p:txBody>
+          <a:bodyPr/>
+          <a:lstStyle>
+            <a:lvl1pPr defTabSz="905475" eaLnBrk="0" hangingPunct="0">
+              <a:defRPr sz="1900" b="1">
+                <a:solidFill>
+                  <a:schemeClr val="tx1"/>
+                </a:solidFill>
+                <a:latin typeface="Courier New" charset="0"/>
+                <a:ea typeface="ＭＳ Ｐゴシック" charset="0"/>
+                <a:cs typeface="Arial" charset="0"/>
+              </a:defRPr>
+            </a:lvl1pPr>
+            <a:lvl2pPr marL="35879619" indent="-35447153" defTabSz="905475" eaLnBrk="0" hangingPunct="0">
+              <a:defRPr sz="1900" b="1">
+                <a:solidFill>
+                  <a:schemeClr val="tx1"/>
+                </a:solidFill>
+                <a:latin typeface="Courier New" charset="0"/>
+                <a:ea typeface="Arial" charset="0"/>
+                <a:cs typeface="Arial" charset="0"/>
+              </a:defRPr>
+            </a:lvl2pPr>
+            <a:lvl3pPr eaLnBrk="0" hangingPunct="0">
+              <a:defRPr sz="1900" b="1">
+                <a:solidFill>
+                  <a:schemeClr val="tx1"/>
+                </a:solidFill>
+                <a:latin typeface="Courier New" charset="0"/>
+                <a:ea typeface="Arial" charset="0"/>
+                <a:cs typeface="Arial" charset="0"/>
+              </a:defRPr>
+            </a:lvl3pPr>
+            <a:lvl4pPr eaLnBrk="0" hangingPunct="0">
+              <a:defRPr sz="1900" b="1">
+                <a:solidFill>
+                  <a:schemeClr val="tx1"/>
+                </a:solidFill>
+                <a:latin typeface="Courier New" charset="0"/>
+                <a:ea typeface="Arial" charset="0"/>
+                <a:cs typeface="Arial" charset="0"/>
+              </a:defRPr>
+            </a:lvl4pPr>
+            <a:lvl5pPr eaLnBrk="0" hangingPunct="0">
+              <a:defRPr sz="1900" b="1">
+                <a:solidFill>
+                  <a:schemeClr val="tx1"/>
+                </a:solidFill>
+                <a:latin typeface="Courier New" charset="0"/>
+                <a:ea typeface="Arial" charset="0"/>
+                <a:cs typeface="Arial" charset="0"/>
+              </a:defRPr>
+            </a:lvl5pPr>
+            <a:lvl6pPr marL="432465" eaLnBrk="0" fontAlgn="base" hangingPunct="0">
+              <a:spcBef>
+                <a:spcPct val="0"/>
+              </a:spcBef>
+              <a:spcAft>
+                <a:spcPct val="0"/>
+              </a:spcAft>
+              <a:defRPr sz="1900" b="1">
+                <a:solidFill>
+                  <a:schemeClr val="tx1"/>
+                </a:solidFill>
+                <a:latin typeface="Courier New" charset="0"/>
+                <a:ea typeface="Arial" charset="0"/>
+                <a:cs typeface="Arial" charset="0"/>
+              </a:defRPr>
+            </a:lvl6pPr>
+            <a:lvl7pPr marL="864931" eaLnBrk="0" fontAlgn="base" hangingPunct="0">
+              <a:spcBef>
+                <a:spcPct val="0"/>
+              </a:spcBef>
+              <a:spcAft>
+                <a:spcPct val="0"/>
+              </a:spcAft>
+              <a:defRPr sz="1900" b="1">
+                <a:solidFill>
+                  <a:schemeClr val="tx1"/>
+                </a:solidFill>
+                <a:latin typeface="Courier New" charset="0"/>
+                <a:ea typeface="Arial" charset="0"/>
+                <a:cs typeface="Arial" charset="0"/>
+              </a:defRPr>
+            </a:lvl7pPr>
+            <a:lvl8pPr marL="1297396" eaLnBrk="0" fontAlgn="base" hangingPunct="0">
+              <a:spcBef>
+                <a:spcPct val="0"/>
+              </a:spcBef>
+              <a:spcAft>
+                <a:spcPct val="0"/>
+              </a:spcAft>
+              <a:defRPr sz="1900" b="1">
+                <a:solidFill>
+                  <a:schemeClr val="tx1"/>
+                </a:solidFill>
+                <a:latin typeface="Courier New" charset="0"/>
+                <a:ea typeface="Arial" charset="0"/>
+                <a:cs typeface="Arial" charset="0"/>
+              </a:defRPr>
+            </a:lvl8pPr>
+            <a:lvl9pPr marL="1729862" eaLnBrk="0" fontAlgn="base" hangingPunct="0">
+              <a:spcBef>
+                <a:spcPct val="0"/>
+              </a:spcBef>
+              <a:spcAft>
+                <a:spcPct val="0"/>
+              </a:spcAft>
+              <a:defRPr sz="1900" b="1">
+                <a:solidFill>
+                  <a:schemeClr val="tx1"/>
+                </a:solidFill>
+                <a:latin typeface="Courier New" charset="0"/>
+                <a:ea typeface="Arial" charset="0"/>
+                <a:cs typeface="Arial" charset="0"/>
+              </a:defRPr>
+            </a:lvl9pPr>
+          </a:lstStyle>
+          <a:p>
+            <a:pPr eaLnBrk="1" hangingPunct="1"/>
+            <a:fld id="{BB73EF23-A48E-FF4B-A9BC-8B81AB75B1F3}" type="slidenum">
+              <a:rPr lang="en-US" sz="1200" b="0">
+                <a:latin typeface="Times New Roman" charset="0"/>
+              </a:rPr>
+              <a:pPr eaLnBrk="1" hangingPunct="1"/>
+              <a:t>18</a:t>
+            </a:fld>
+            <a:endParaRPr lang="en-US" sz="1200" b="0">
+              <a:latin typeface="Times New Roman" charset="0"/>
+            </a:endParaRPr>
+          </a:p>
+        </p:txBody>
+      </p:sp>
+      <p:sp>
+        <p:nvSpPr>
+          <p:cNvPr id="59395" name="Rectangle 2"/>
+          <p:cNvSpPr>
+            <a:spLocks noGrp="1" noRot="1" noChangeAspect="1" noChangeArrowheads="1"/>
+          </p:cNvSpPr>
+          <p:nvPr>
+            <p:ph type="sldImg"/>
+          </p:nvPr>
+        </p:nvSpPr>
+        <p:spPr>
+          <a:solidFill>
+            <a:srgbClr val="FFFFFF"/>
+          </a:solidFill>
+          <a:ln/>
+        </p:spPr>
+      </p:sp>
+      <p:sp>
+        <p:nvSpPr>
+          <p:cNvPr id="59396" name="Rectangle 3"/>
+          <p:cNvSpPr>
+            <a:spLocks noGrp="1" noChangeArrowheads="1"/>
+          </p:cNvSpPr>
+          <p:nvPr>
+            <p:ph type="body" idx="1"/>
+          </p:nvPr>
+        </p:nvSpPr>
+        <p:spPr>
+          <a:solidFill>
+            <a:srgbClr val="FFFFFF"/>
+          </a:solidFill>
+          <a:ln>
+            <a:solidFill>
+              <a:srgbClr val="000000"/>
+            </a:solidFill>
+          </a:ln>
+          <a:extLst>
+            <a:ext uri="{FAA26D3D-D897-4be2-8F04-BA451C77F1D7}">
+              <ma14:placeholderFlag xmlns="" xmlns:ma14="http://schemas.microsoft.com/office/mac/drawingml/2011/main" val="1"/>
+            </a:ext>
+          </a:extLst>
+        </p:spPr>
+        <p:txBody>
+          <a:bodyPr/>
+          <a:lstStyle/>
+          <a:p>
+            <a:endParaRPr lang="en-US">
+              <a:ea typeface="ＭＳ Ｐゴシック" charset="0"/>
+              <a:cs typeface="ＭＳ Ｐゴシック" charset="0"/>
+            </a:endParaRPr>
+          </a:p>
+        </p:txBody>
+      </p:sp>
+    </p:spTree>
+    <p:extLst>
+      <p:ext uri="{BB962C8B-B14F-4D97-AF65-F5344CB8AC3E}">
+        <p14:creationId xmlns:p14="http://schemas.microsoft.com/office/powerpoint/2010/main" val="276913756"/>
+      </p:ext>
+    </p:extLst>
+  </p:cSld>
+  <p:clrMapOvr>
+    <a:masterClrMapping/>
+  </p:clrMapOvr>
+</p:notes>
+</file>
+
+<file path=ppt/notesSlides/notesSlide11.xml><?xml version="1.0" encoding="utf-8"?>
+<p:notes xmlns:a="http://schemas.openxmlformats.org/drawingml/2006/main" xmlns:r="http://schemas.openxmlformats.org/officeDocument/2006/relationships" xmlns:p="http://schemas.openxmlformats.org/presentationml/2006/main">
+  <p:cSld>
+    <p:spTree>
+      <p:nvGrpSpPr>
+        <p:cNvPr id="1" name=""/>
+        <p:cNvGrpSpPr/>
+        <p:nvPr/>
+      </p:nvGrpSpPr>
+      <p:grpSpPr>
+        <a:xfrm>
+          <a:off x="0" y="0"/>
+          <a:ext cx="0" cy="0"/>
+          <a:chOff x="0" y="0"/>
+          <a:chExt cx="0" cy="0"/>
+        </a:xfrm>
+      </p:grpSpPr>
+      <p:sp>
+        <p:nvSpPr>
+          <p:cNvPr id="67586" name="Rectangle 7"/>
           <p:cNvSpPr>
             <a:spLocks noGrp="1" noChangeArrowheads="1"/>
           </p:cNvSpPr>
@@ -1306,255 +1555,6 @@
           </a:lstStyle>
           <a:p>
             <a:pPr eaLnBrk="1" hangingPunct="1"/>
-            <a:fld id="{BB73EF23-A48E-FF4B-A9BC-8B81AB75B1F3}" type="slidenum">
-              <a:rPr lang="en-US" sz="1200" b="0">
-                <a:latin typeface="Times New Roman" charset="0"/>
-              </a:rPr>
-              <a:pPr eaLnBrk="1" hangingPunct="1"/>
-              <a:t>18</a:t>
-            </a:fld>
-            <a:endParaRPr lang="en-US" sz="1200" b="0">
-              <a:latin typeface="Times New Roman" charset="0"/>
-            </a:endParaRPr>
-          </a:p>
-        </p:txBody>
-      </p:sp>
-      <p:sp>
-        <p:nvSpPr>
-          <p:cNvPr id="59395" name="Rectangle 2"/>
-          <p:cNvSpPr>
-            <a:spLocks noGrp="1" noRot="1" noChangeAspect="1" noChangeArrowheads="1"/>
-          </p:cNvSpPr>
-          <p:nvPr>
-            <p:ph type="sldImg"/>
-          </p:nvPr>
-        </p:nvSpPr>
-        <p:spPr>
-          <a:solidFill>
-            <a:srgbClr val="FFFFFF"/>
-          </a:solidFill>
-          <a:ln/>
-        </p:spPr>
-      </p:sp>
-      <p:sp>
-        <p:nvSpPr>
-          <p:cNvPr id="59396" name="Rectangle 3"/>
-          <p:cNvSpPr>
-            <a:spLocks noGrp="1" noChangeArrowheads="1"/>
-          </p:cNvSpPr>
-          <p:nvPr>
-            <p:ph type="body" idx="1"/>
-          </p:nvPr>
-        </p:nvSpPr>
-        <p:spPr>
-          <a:solidFill>
-            <a:srgbClr val="FFFFFF"/>
-          </a:solidFill>
-          <a:ln>
-            <a:solidFill>
-              <a:srgbClr val="000000"/>
-            </a:solidFill>
-          </a:ln>
-          <a:extLst>
-            <a:ext uri="{FAA26D3D-D897-4be2-8F04-BA451C77F1D7}">
-              <ma14:placeholderFlag xmlns:ma14="http://schemas.microsoft.com/office/mac/drawingml/2011/main" xmlns="" val="1"/>
-            </a:ext>
-          </a:extLst>
-        </p:spPr>
-        <p:txBody>
-          <a:bodyPr/>
-          <a:lstStyle/>
-          <a:p>
-            <a:endParaRPr lang="en-US">
-              <a:ea typeface="ＭＳ Ｐゴシック" charset="0"/>
-              <a:cs typeface="ＭＳ Ｐゴシック" charset="0"/>
-            </a:endParaRPr>
-          </a:p>
-        </p:txBody>
-      </p:sp>
-    </p:spTree>
-    <p:extLst>
-      <p:ext uri="{BB962C8B-B14F-4D97-AF65-F5344CB8AC3E}">
-        <p14:creationId xmlns:p14="http://schemas.microsoft.com/office/powerpoint/2010/main" val="276913756"/>
-      </p:ext>
-    </p:extLst>
-  </p:cSld>
-  <p:clrMapOvr>
-    <a:masterClrMapping/>
-  </p:clrMapOvr>
-</p:notes>
-</file>
-
-<file path=ppt/notesSlides/notesSlide11.xml><?xml version="1.0" encoding="utf-8"?>
-<p:notes xmlns:a="http://schemas.openxmlformats.org/drawingml/2006/main" xmlns:r="http://schemas.openxmlformats.org/officeDocument/2006/relationships" xmlns:p="http://schemas.openxmlformats.org/presentationml/2006/main">
-  <p:cSld>
-    <p:spTree>
-      <p:nvGrpSpPr>
-        <p:cNvPr id="1" name=""/>
-        <p:cNvGrpSpPr/>
-        <p:nvPr/>
-      </p:nvGrpSpPr>
-      <p:grpSpPr>
-        <a:xfrm>
-          <a:off x="0" y="0"/>
-          <a:ext cx="0" cy="0"/>
-          <a:chOff x="0" y="0"/>
-          <a:chExt cx="0" cy="0"/>
-        </a:xfrm>
-      </p:grpSpPr>
-      <p:sp>
-        <p:nvSpPr>
-          <p:cNvPr id="67586" name="Rectangle 7"/>
-          <p:cNvSpPr>
-            <a:spLocks noGrp="1" noChangeArrowheads="1"/>
-          </p:cNvSpPr>
-          <p:nvPr>
-            <p:ph type="sldNum" sz="quarter" idx="5"/>
-          </p:nvPr>
-        </p:nvSpPr>
-        <p:spPr>
-          <a:noFill/>
-          <a:ln/>
-          <a:extLst>
-            <a:ext uri="{909E8E84-426E-40dd-AFC4-6F175D3DCCD1}">
-              <a14:hiddenFill xmlns="" xmlns:a14="http://schemas.microsoft.com/office/drawing/2010/main">
-                <a:solidFill>
-                  <a:srgbClr val="FFFFFF"/>
-                </a:solidFill>
-              </a14:hiddenFill>
-            </a:ext>
-            <a:ext uri="{91240B29-F687-4f45-9708-019B960494DF}">
-              <a14:hiddenLine xmlns="" xmlns:a14="http://schemas.microsoft.com/office/drawing/2010/main" w="9525">
-                <a:solidFill>
-                  <a:srgbClr val="000000"/>
-                </a:solidFill>
-                <a:miter lim="800000"/>
-                <a:headEnd/>
-                <a:tailEnd/>
-              </a14:hiddenLine>
-            </a:ext>
-          </a:extLst>
-        </p:spPr>
-        <p:txBody>
-          <a:bodyPr/>
-          <a:lstStyle>
-            <a:lvl1pPr defTabSz="905475" eaLnBrk="0" hangingPunct="0">
-              <a:defRPr sz="1900" b="1">
-                <a:solidFill>
-                  <a:schemeClr val="tx1"/>
-                </a:solidFill>
-                <a:latin typeface="Courier New" charset="0"/>
-                <a:ea typeface="ＭＳ Ｐゴシック" charset="0"/>
-                <a:cs typeface="Arial" charset="0"/>
-              </a:defRPr>
-            </a:lvl1pPr>
-            <a:lvl2pPr marL="35879619" indent="-35447153" defTabSz="905475" eaLnBrk="0" hangingPunct="0">
-              <a:defRPr sz="1900" b="1">
-                <a:solidFill>
-                  <a:schemeClr val="tx1"/>
-                </a:solidFill>
-                <a:latin typeface="Courier New" charset="0"/>
-                <a:ea typeface="Arial" charset="0"/>
-                <a:cs typeface="Arial" charset="0"/>
-              </a:defRPr>
-            </a:lvl2pPr>
-            <a:lvl3pPr eaLnBrk="0" hangingPunct="0">
-              <a:defRPr sz="1900" b="1">
-                <a:solidFill>
-                  <a:schemeClr val="tx1"/>
-                </a:solidFill>
-                <a:latin typeface="Courier New" charset="0"/>
-                <a:ea typeface="Arial" charset="0"/>
-                <a:cs typeface="Arial" charset="0"/>
-              </a:defRPr>
-            </a:lvl3pPr>
-            <a:lvl4pPr eaLnBrk="0" hangingPunct="0">
-              <a:defRPr sz="1900" b="1">
-                <a:solidFill>
-                  <a:schemeClr val="tx1"/>
-                </a:solidFill>
-                <a:latin typeface="Courier New" charset="0"/>
-                <a:ea typeface="Arial" charset="0"/>
-                <a:cs typeface="Arial" charset="0"/>
-              </a:defRPr>
-            </a:lvl4pPr>
-            <a:lvl5pPr eaLnBrk="0" hangingPunct="0">
-              <a:defRPr sz="1900" b="1">
-                <a:solidFill>
-                  <a:schemeClr val="tx1"/>
-                </a:solidFill>
-                <a:latin typeface="Courier New" charset="0"/>
-                <a:ea typeface="Arial" charset="0"/>
-                <a:cs typeface="Arial" charset="0"/>
-              </a:defRPr>
-            </a:lvl5pPr>
-            <a:lvl6pPr marL="432465" eaLnBrk="0" fontAlgn="base" hangingPunct="0">
-              <a:spcBef>
-                <a:spcPct val="0"/>
-              </a:spcBef>
-              <a:spcAft>
-                <a:spcPct val="0"/>
-              </a:spcAft>
-              <a:defRPr sz="1900" b="1">
-                <a:solidFill>
-                  <a:schemeClr val="tx1"/>
-                </a:solidFill>
-                <a:latin typeface="Courier New" charset="0"/>
-                <a:ea typeface="Arial" charset="0"/>
-                <a:cs typeface="Arial" charset="0"/>
-              </a:defRPr>
-            </a:lvl6pPr>
-            <a:lvl7pPr marL="864931" eaLnBrk="0" fontAlgn="base" hangingPunct="0">
-              <a:spcBef>
-                <a:spcPct val="0"/>
-              </a:spcBef>
-              <a:spcAft>
-                <a:spcPct val="0"/>
-              </a:spcAft>
-              <a:defRPr sz="1900" b="1">
-                <a:solidFill>
-                  <a:schemeClr val="tx1"/>
-                </a:solidFill>
-                <a:latin typeface="Courier New" charset="0"/>
-                <a:ea typeface="Arial" charset="0"/>
-                <a:cs typeface="Arial" charset="0"/>
-              </a:defRPr>
-            </a:lvl7pPr>
-            <a:lvl8pPr marL="1297396" eaLnBrk="0" fontAlgn="base" hangingPunct="0">
-              <a:spcBef>
-                <a:spcPct val="0"/>
-              </a:spcBef>
-              <a:spcAft>
-                <a:spcPct val="0"/>
-              </a:spcAft>
-              <a:defRPr sz="1900" b="1">
-                <a:solidFill>
-                  <a:schemeClr val="tx1"/>
-                </a:solidFill>
-                <a:latin typeface="Courier New" charset="0"/>
-                <a:ea typeface="Arial" charset="0"/>
-                <a:cs typeface="Arial" charset="0"/>
-              </a:defRPr>
-            </a:lvl8pPr>
-            <a:lvl9pPr marL="1729862" eaLnBrk="0" fontAlgn="base" hangingPunct="0">
-              <a:spcBef>
-                <a:spcPct val="0"/>
-              </a:spcBef>
-              <a:spcAft>
-                <a:spcPct val="0"/>
-              </a:spcAft>
-              <a:defRPr sz="1900" b="1">
-                <a:solidFill>
-                  <a:schemeClr val="tx1"/>
-                </a:solidFill>
-                <a:latin typeface="Courier New" charset="0"/>
-                <a:ea typeface="Arial" charset="0"/>
-                <a:cs typeface="Arial" charset="0"/>
-              </a:defRPr>
-            </a:lvl9pPr>
-          </a:lstStyle>
-          <a:p>
-            <a:pPr eaLnBrk="1" hangingPunct="1"/>
             <a:fld id="{BB32342D-A5EE-634E-BBD6-118AB66A94E6}" type="slidenum">
               <a:rPr lang="en-US" sz="1200" b="0">
                 <a:latin typeface="Times New Roman" charset="0"/>
@@ -1606,7 +1606,7 @@
           </a:ln>
           <a:extLst>
             <a:ext uri="{FAA26D3D-D897-4be2-8F04-BA451C77F1D7}">
-              <ma14:placeholderFlag xmlns:ma14="http://schemas.microsoft.com/office/mac/drawingml/2011/main" xmlns="" val="1"/>
+              <ma14:placeholderFlag xmlns="" xmlns:ma14="http://schemas.microsoft.com/office/mac/drawingml/2011/main" val="1"/>
             </a:ext>
           </a:extLst>
         </p:spPr>
@@ -1666,14 +1666,14 @@
           <a:ln/>
           <a:extLst>
             <a:ext uri="{909E8E84-426E-40dd-AFC4-6F175D3DCCD1}">
-              <a14:hiddenFill xmlns="" xmlns:a14="http://schemas.microsoft.com/office/drawing/2010/main">
+              <a14:hiddenFill xmlns:a14="http://schemas.microsoft.com/office/drawing/2010/main" xmlns="">
                 <a:solidFill>
                   <a:srgbClr val="FFFFFF"/>
                 </a:solidFill>
               </a14:hiddenFill>
             </a:ext>
             <a:ext uri="{91240B29-F687-4f45-9708-019B960494DF}">
-              <a14:hiddenLine xmlns="" xmlns:a14="http://schemas.microsoft.com/office/drawing/2010/main" w="9525">
+              <a14:hiddenLine xmlns:a14="http://schemas.microsoft.com/office/drawing/2010/main" xmlns="" w="9525">
                 <a:solidFill>
                   <a:srgbClr val="000000"/>
                 </a:solidFill>
@@ -1855,7 +1855,7 @@
           </a:ln>
           <a:extLst>
             <a:ext uri="{FAA26D3D-D897-4be2-8F04-BA451C77F1D7}">
-              <ma14:placeholderFlag xmlns="" xmlns:ma14="http://schemas.microsoft.com/office/mac/drawingml/2011/main" val="1"/>
+              <ma14:placeholderFlag xmlns:ma14="http://schemas.microsoft.com/office/mac/drawingml/2011/main" xmlns="" val="1"/>
             </a:ext>
           </a:extLst>
         </p:spPr>
@@ -2000,14 +2000,14 @@
           <a:ln/>
           <a:extLst>
             <a:ext uri="{909E8E84-426E-40dd-AFC4-6F175D3DCCD1}">
-              <a14:hiddenFill xmlns="" xmlns:a14="http://schemas.microsoft.com/office/drawing/2010/main">
+              <a14:hiddenFill xmlns:a14="http://schemas.microsoft.com/office/drawing/2010/main" xmlns="">
                 <a:solidFill>
                   <a:srgbClr val="FFFFFF"/>
                 </a:solidFill>
               </a14:hiddenFill>
             </a:ext>
             <a:ext uri="{91240B29-F687-4f45-9708-019B960494DF}">
-              <a14:hiddenLine xmlns="" xmlns:a14="http://schemas.microsoft.com/office/drawing/2010/main" w="9525">
+              <a14:hiddenLine xmlns:a14="http://schemas.microsoft.com/office/drawing/2010/main" xmlns="" w="9525">
                 <a:solidFill>
                   <a:srgbClr val="000000"/>
                 </a:solidFill>
@@ -2189,7 +2189,7 @@
           </a:ln>
           <a:extLst>
             <a:ext uri="{FAA26D3D-D897-4be2-8F04-BA451C77F1D7}">
-              <ma14:placeholderFlag xmlns:ma14="http://schemas.microsoft.com/office/mac/drawingml/2011/main" xmlns="" val="1"/>
+              <ma14:placeholderFlag xmlns="" xmlns:ma14="http://schemas.microsoft.com/office/mac/drawingml/2011/main" val="1"/>
             </a:ext>
           </a:extLst>
         </p:spPr>
@@ -2249,14 +2249,14 @@
           <a:ln/>
           <a:extLst>
             <a:ext uri="{909E8E84-426E-40dd-AFC4-6F175D3DCCD1}">
-              <a14:hiddenFill xmlns="" xmlns:a14="http://schemas.microsoft.com/office/drawing/2010/main">
+              <a14:hiddenFill xmlns:a14="http://schemas.microsoft.com/office/drawing/2010/main" xmlns="">
                 <a:solidFill>
                   <a:srgbClr val="FFFFFF"/>
                 </a:solidFill>
               </a14:hiddenFill>
             </a:ext>
             <a:ext uri="{91240B29-F687-4f45-9708-019B960494DF}">
-              <a14:hiddenLine xmlns="" xmlns:a14="http://schemas.microsoft.com/office/drawing/2010/main" w="9525">
+              <a14:hiddenLine xmlns:a14="http://schemas.microsoft.com/office/drawing/2010/main" xmlns="" w="9525">
                 <a:solidFill>
                   <a:srgbClr val="000000"/>
                 </a:solidFill>
@@ -2438,7 +2438,7 @@
           </a:ln>
           <a:extLst>
             <a:ext uri="{FAA26D3D-D897-4be2-8F04-BA451C77F1D7}">
-              <ma14:placeholderFlag xmlns:ma14="http://schemas.microsoft.com/office/mac/drawingml/2011/main" xmlns="" val="1"/>
+              <ma14:placeholderFlag xmlns="" xmlns:ma14="http://schemas.microsoft.com/office/mac/drawingml/2011/main" val="1"/>
             </a:ext>
           </a:extLst>
         </p:spPr>
@@ -2498,14 +2498,14 @@
           <a:ln/>
           <a:extLst>
             <a:ext uri="{909E8E84-426E-40dd-AFC4-6F175D3DCCD1}">
-              <a14:hiddenFill xmlns="" xmlns:a14="http://schemas.microsoft.com/office/drawing/2010/main">
+              <a14:hiddenFill xmlns:a14="http://schemas.microsoft.com/office/drawing/2010/main" xmlns="">
                 <a:solidFill>
                   <a:srgbClr val="FFFFFF"/>
                 </a:solidFill>
               </a14:hiddenFill>
             </a:ext>
             <a:ext uri="{91240B29-F687-4f45-9708-019B960494DF}">
-              <a14:hiddenLine xmlns="" xmlns:a14="http://schemas.microsoft.com/office/drawing/2010/main" w="9525">
+              <a14:hiddenLine xmlns:a14="http://schemas.microsoft.com/office/drawing/2010/main" xmlns="" w="9525">
                 <a:solidFill>
                   <a:srgbClr val="000000"/>
                 </a:solidFill>
@@ -2687,7 +2687,7 @@
           </a:ln>
           <a:extLst>
             <a:ext uri="{FAA26D3D-D897-4be2-8F04-BA451C77F1D7}">
-              <ma14:placeholderFlag xmlns:ma14="http://schemas.microsoft.com/office/mac/drawingml/2011/main" xmlns="" val="1"/>
+              <ma14:placeholderFlag xmlns="" xmlns:ma14="http://schemas.microsoft.com/office/mac/drawingml/2011/main" val="1"/>
             </a:ext>
           </a:extLst>
         </p:spPr>
@@ -2745,7 +2745,7 @@
         <p:spPr>
           <a:extLst>
             <a:ext uri="{AF507438-7753-43e0-B8FC-AC1667EBCBE1}">
-              <a14:hiddenEffects xmlns="" xmlns:a14="http://schemas.microsoft.com/office/drawing/2010/main">
+              <a14:hiddenEffects xmlns:a14="http://schemas.microsoft.com/office/drawing/2010/main" xmlns="">
                 <a:effectLst>
                   <a:outerShdw blurRad="63500" dist="38099" dir="2700000" algn="ctr" rotWithShape="0">
                     <a:schemeClr val="bg2">
@@ -2912,10 +2912,10 @@
         <p:spPr>
           <a:extLst>
             <a:ext uri="{FAA26D3D-D897-4be2-8F04-BA451C77F1D7}">
-              <ma14:placeholderFlag xmlns:ma14="http://schemas.microsoft.com/office/mac/drawingml/2011/main" xmlns="" val="1"/>
+              <ma14:placeholderFlag xmlns="" xmlns:ma14="http://schemas.microsoft.com/office/mac/drawingml/2011/main" val="1"/>
             </a:ext>
             <a:ext uri="{AF507438-7753-43e0-B8FC-AC1667EBCBE1}">
-              <a14:hiddenEffects xmlns="" xmlns:a14="http://schemas.microsoft.com/office/drawing/2010/main">
+              <a14:hiddenEffects xmlns:a14="http://schemas.microsoft.com/office/drawing/2010/main" xmlns="">
                 <a:effectLst>
                   <a:outerShdw blurRad="63500" dist="38099" dir="2700000" algn="ctr" rotWithShape="0">
                     <a:schemeClr val="bg2">
@@ -2984,7 +2984,7 @@
         <p:spPr>
           <a:extLst>
             <a:ext uri="{AF507438-7753-43e0-B8FC-AC1667EBCBE1}">
-              <a14:hiddenEffects xmlns="" xmlns:a14="http://schemas.microsoft.com/office/drawing/2010/main">
+              <a14:hiddenEffects xmlns:a14="http://schemas.microsoft.com/office/drawing/2010/main" xmlns="">
                 <a:effectLst>
                   <a:outerShdw blurRad="63500" dist="38099" dir="2700000" algn="ctr" rotWithShape="0">
                     <a:schemeClr val="bg2">
@@ -3151,10 +3151,10 @@
         <p:spPr>
           <a:extLst>
             <a:ext uri="{FAA26D3D-D897-4be2-8F04-BA451C77F1D7}">
-              <ma14:placeholderFlag xmlns:ma14="http://schemas.microsoft.com/office/mac/drawingml/2011/main" xmlns="" val="1"/>
+              <ma14:placeholderFlag xmlns="" xmlns:ma14="http://schemas.microsoft.com/office/mac/drawingml/2011/main" val="1"/>
             </a:ext>
             <a:ext uri="{AF507438-7753-43e0-B8FC-AC1667EBCBE1}">
-              <a14:hiddenEffects xmlns="" xmlns:a14="http://schemas.microsoft.com/office/drawing/2010/main">
+              <a14:hiddenEffects xmlns:a14="http://schemas.microsoft.com/office/drawing/2010/main" xmlns="">
                 <a:effectLst>
                   <a:outerShdw blurRad="63500" dist="38099" dir="2700000" algn="ctr" rotWithShape="0">
                     <a:schemeClr val="bg2">
@@ -3711,7 +3711,7 @@
         <p:spPr>
           <a:extLst>
             <a:ext uri="{AF507438-7753-43e0-B8FC-AC1667EBCBE1}">
-              <a14:hiddenEffects xmlns="" xmlns:a14="http://schemas.microsoft.com/office/drawing/2010/main">
+              <a14:hiddenEffects xmlns:a14="http://schemas.microsoft.com/office/drawing/2010/main" xmlns="">
                 <a:effectLst>
                   <a:outerShdw blurRad="63500" dist="38099" dir="2700000" algn="ctr" rotWithShape="0">
                     <a:schemeClr val="bg2">
@@ -3878,10 +3878,10 @@
         <p:spPr>
           <a:extLst>
             <a:ext uri="{FAA26D3D-D897-4be2-8F04-BA451C77F1D7}">
-              <ma14:placeholderFlag xmlns:ma14="http://schemas.microsoft.com/office/mac/drawingml/2011/main" xmlns="" val="1"/>
+              <ma14:placeholderFlag xmlns="" xmlns:ma14="http://schemas.microsoft.com/office/mac/drawingml/2011/main" val="1"/>
             </a:ext>
             <a:ext uri="{AF507438-7753-43e0-B8FC-AC1667EBCBE1}">
-              <a14:hiddenEffects xmlns="" xmlns:a14="http://schemas.microsoft.com/office/drawing/2010/main">
+              <a14:hiddenEffects xmlns:a14="http://schemas.microsoft.com/office/drawing/2010/main" xmlns="">
                 <a:effectLst>
                   <a:outerShdw blurRad="63500" dist="38099" dir="2700000" algn="ctr" rotWithShape="0">
                     <a:schemeClr val="bg2">
@@ -4037,14 +4037,14 @@
           <a:ln/>
           <a:extLst>
             <a:ext uri="{909E8E84-426E-40dd-AFC4-6F175D3DCCD1}">
-              <a14:hiddenFill xmlns="" xmlns:a14="http://schemas.microsoft.com/office/drawing/2010/main">
+              <a14:hiddenFill xmlns:a14="http://schemas.microsoft.com/office/drawing/2010/main" xmlns="">
                 <a:solidFill>
                   <a:srgbClr val="FFFFFF"/>
                 </a:solidFill>
               </a14:hiddenFill>
             </a:ext>
             <a:ext uri="{91240B29-F687-4f45-9708-019B960494DF}">
-              <a14:hiddenLine xmlns="" xmlns:a14="http://schemas.microsoft.com/office/drawing/2010/main" w="9525">
+              <a14:hiddenLine xmlns:a14="http://schemas.microsoft.com/office/drawing/2010/main" xmlns="" w="9525">
                 <a:solidFill>
                   <a:srgbClr val="000000"/>
                 </a:solidFill>
@@ -4270,6 +4270,1030 @@
       <p:sp>
         <p:nvSpPr>
           <p:cNvPr id="57346" name="Rectangle 7"/>
+          <p:cNvSpPr>
+            <a:spLocks noGrp="1" noChangeArrowheads="1"/>
+          </p:cNvSpPr>
+          <p:nvPr>
+            <p:ph type="sldNum" sz="quarter" idx="5"/>
+          </p:nvPr>
+        </p:nvSpPr>
+        <p:spPr>
+          <a:noFill/>
+          <a:ln/>
+          <a:extLst>
+            <a:ext uri="{909E8E84-426E-40dd-AFC4-6F175D3DCCD1}">
+              <a14:hiddenFill xmlns:a14="http://schemas.microsoft.com/office/drawing/2010/main" xmlns="">
+                <a:solidFill>
+                  <a:srgbClr val="FFFFFF"/>
+                </a:solidFill>
+              </a14:hiddenFill>
+            </a:ext>
+            <a:ext uri="{91240B29-F687-4f45-9708-019B960494DF}">
+              <a14:hiddenLine xmlns:a14="http://schemas.microsoft.com/office/drawing/2010/main" xmlns="" w="9525">
+                <a:solidFill>
+                  <a:srgbClr val="000000"/>
+                </a:solidFill>
+                <a:miter lim="800000"/>
+                <a:headEnd/>
+                <a:tailEnd/>
+              </a14:hiddenLine>
+            </a:ext>
+          </a:extLst>
+        </p:spPr>
+        <p:txBody>
+          <a:bodyPr/>
+          <a:lstStyle>
+            <a:lvl1pPr defTabSz="957178" eaLnBrk="0" hangingPunct="0">
+              <a:defRPr sz="2000" b="1">
+                <a:solidFill>
+                  <a:schemeClr val="tx1"/>
+                </a:solidFill>
+                <a:latin typeface="Courier New" charset="0"/>
+                <a:ea typeface="ＭＳ Ｐゴシック" charset="0"/>
+                <a:cs typeface="Arial" charset="0"/>
+              </a:defRPr>
+            </a:lvl1pPr>
+            <a:lvl2pPr marL="37928345" indent="-37471185" defTabSz="957178" eaLnBrk="0" hangingPunct="0">
+              <a:defRPr sz="2000" b="1">
+                <a:solidFill>
+                  <a:schemeClr val="tx1"/>
+                </a:solidFill>
+                <a:latin typeface="Courier New" charset="0"/>
+                <a:ea typeface="Arial" charset="0"/>
+                <a:cs typeface="Arial" charset="0"/>
+              </a:defRPr>
+            </a:lvl2pPr>
+            <a:lvl3pPr eaLnBrk="0" hangingPunct="0">
+              <a:defRPr sz="2000" b="1">
+                <a:solidFill>
+                  <a:schemeClr val="tx1"/>
+                </a:solidFill>
+                <a:latin typeface="Courier New" charset="0"/>
+                <a:ea typeface="Arial" charset="0"/>
+                <a:cs typeface="Arial" charset="0"/>
+              </a:defRPr>
+            </a:lvl3pPr>
+            <a:lvl4pPr eaLnBrk="0" hangingPunct="0">
+              <a:defRPr sz="2000" b="1">
+                <a:solidFill>
+                  <a:schemeClr val="tx1"/>
+                </a:solidFill>
+                <a:latin typeface="Courier New" charset="0"/>
+                <a:ea typeface="Arial" charset="0"/>
+                <a:cs typeface="Arial" charset="0"/>
+              </a:defRPr>
+            </a:lvl4pPr>
+            <a:lvl5pPr eaLnBrk="0" hangingPunct="0">
+              <a:defRPr sz="2000" b="1">
+                <a:solidFill>
+                  <a:schemeClr val="tx1"/>
+                </a:solidFill>
+                <a:latin typeface="Courier New" charset="0"/>
+                <a:ea typeface="Arial" charset="0"/>
+                <a:cs typeface="Arial" charset="0"/>
+              </a:defRPr>
+            </a:lvl5pPr>
+            <a:lvl6pPr marL="457159" eaLnBrk="0" fontAlgn="base" hangingPunct="0">
+              <a:spcBef>
+                <a:spcPct val="0"/>
+              </a:spcBef>
+              <a:spcAft>
+                <a:spcPct val="0"/>
+              </a:spcAft>
+              <a:defRPr sz="2000" b="1">
+                <a:solidFill>
+                  <a:schemeClr val="tx1"/>
+                </a:solidFill>
+                <a:latin typeface="Courier New" charset="0"/>
+                <a:ea typeface="Arial" charset="0"/>
+                <a:cs typeface="Arial" charset="0"/>
+              </a:defRPr>
+            </a:lvl6pPr>
+            <a:lvl7pPr marL="914319" eaLnBrk="0" fontAlgn="base" hangingPunct="0">
+              <a:spcBef>
+                <a:spcPct val="0"/>
+              </a:spcBef>
+              <a:spcAft>
+                <a:spcPct val="0"/>
+              </a:spcAft>
+              <a:defRPr sz="2000" b="1">
+                <a:solidFill>
+                  <a:schemeClr val="tx1"/>
+                </a:solidFill>
+                <a:latin typeface="Courier New" charset="0"/>
+                <a:ea typeface="Arial" charset="0"/>
+                <a:cs typeface="Arial" charset="0"/>
+              </a:defRPr>
+            </a:lvl7pPr>
+            <a:lvl8pPr marL="1371477" eaLnBrk="0" fontAlgn="base" hangingPunct="0">
+              <a:spcBef>
+                <a:spcPct val="0"/>
+              </a:spcBef>
+              <a:spcAft>
+                <a:spcPct val="0"/>
+              </a:spcAft>
+              <a:defRPr sz="2000" b="1">
+                <a:solidFill>
+                  <a:schemeClr val="tx1"/>
+                </a:solidFill>
+                <a:latin typeface="Courier New" charset="0"/>
+                <a:ea typeface="Arial" charset="0"/>
+                <a:cs typeface="Arial" charset="0"/>
+              </a:defRPr>
+            </a:lvl8pPr>
+            <a:lvl9pPr marL="1828637" eaLnBrk="0" fontAlgn="base" hangingPunct="0">
+              <a:spcBef>
+                <a:spcPct val="0"/>
+              </a:spcBef>
+              <a:spcAft>
+                <a:spcPct val="0"/>
+              </a:spcAft>
+              <a:defRPr sz="2000" b="1">
+                <a:solidFill>
+                  <a:schemeClr val="tx1"/>
+                </a:solidFill>
+                <a:latin typeface="Courier New" charset="0"/>
+                <a:ea typeface="Arial" charset="0"/>
+                <a:cs typeface="Arial" charset="0"/>
+              </a:defRPr>
+            </a:lvl9pPr>
+          </a:lstStyle>
+          <a:p>
+            <a:pPr eaLnBrk="1" hangingPunct="1"/>
+            <a:fld id="{B8E2CB00-C86A-A747-9BDC-DD3376311CB6}" type="slidenum">
+              <a:rPr lang="en-US" sz="1300" b="0">
+                <a:latin typeface="Times New Roman" charset="0"/>
+              </a:rPr>
+              <a:pPr eaLnBrk="1" hangingPunct="1"/>
+              <a:t>10</a:t>
+            </a:fld>
+            <a:endParaRPr lang="en-US" sz="1300" b="0">
+              <a:latin typeface="Times New Roman" charset="0"/>
+            </a:endParaRPr>
+          </a:p>
+        </p:txBody>
+      </p:sp>
+      <p:sp>
+        <p:nvSpPr>
+          <p:cNvPr id="57347" name="Rectangle 2"/>
+          <p:cNvSpPr>
+            <a:spLocks noGrp="1" noRot="1" noChangeAspect="1" noChangeArrowheads="1"/>
+          </p:cNvSpPr>
+          <p:nvPr>
+            <p:ph type="sldImg"/>
+          </p:nvPr>
+        </p:nvSpPr>
+        <p:spPr>
+          <a:solidFill>
+            <a:srgbClr val="FFFFFF"/>
+          </a:solidFill>
+          <a:ln/>
+        </p:spPr>
+      </p:sp>
+      <p:sp>
+        <p:nvSpPr>
+          <p:cNvPr id="57348" name="Rectangle 3"/>
+          <p:cNvSpPr>
+            <a:spLocks noGrp="1" noChangeArrowheads="1"/>
+          </p:cNvSpPr>
+          <p:nvPr>
+            <p:ph type="body" idx="1"/>
+          </p:nvPr>
+        </p:nvSpPr>
+        <p:spPr>
+          <a:solidFill>
+            <a:srgbClr val="FFFFFF"/>
+          </a:solidFill>
+          <a:ln>
+            <a:solidFill>
+              <a:srgbClr val="000000"/>
+            </a:solidFill>
+          </a:ln>
+          <a:extLst>
+            <a:ext uri="{FAA26D3D-D897-4be2-8F04-BA451C77F1D7}">
+              <ma14:placeholderFlag xmlns="" xmlns:ma14="http://schemas.microsoft.com/office/mac/drawingml/2011/main" val="1"/>
+            </a:ext>
+          </a:extLst>
+        </p:spPr>
+        <p:txBody>
+          <a:bodyPr/>
+          <a:lstStyle/>
+          <a:p>
+            <a:endParaRPr lang="en-US">
+              <a:ea typeface="ＭＳ Ｐゴシック" charset="0"/>
+              <a:cs typeface="ＭＳ Ｐゴシック" charset="0"/>
+            </a:endParaRPr>
+          </a:p>
+        </p:txBody>
+      </p:sp>
+    </p:spTree>
+    <p:extLst>
+      <p:ext uri="{BB962C8B-B14F-4D97-AF65-F5344CB8AC3E}">
+        <p14:creationId xmlns:p14="http://schemas.microsoft.com/office/powerpoint/2010/main" val="1033557708"/>
+      </p:ext>
+    </p:extLst>
+  </p:cSld>
+  <p:clrMapOvr>
+    <a:masterClrMapping/>
+  </p:clrMapOvr>
+</p:notes>
+</file>
+
+<file path=ppt/notesSlides/notesSlide5.xml><?xml version="1.0" encoding="utf-8"?>
+<p:notes xmlns:a="http://schemas.openxmlformats.org/drawingml/2006/main" xmlns:r="http://schemas.openxmlformats.org/officeDocument/2006/relationships" xmlns:p="http://schemas.openxmlformats.org/presentationml/2006/main">
+  <p:cSld>
+    <p:spTree>
+      <p:nvGrpSpPr>
+        <p:cNvPr id="1" name=""/>
+        <p:cNvGrpSpPr/>
+        <p:nvPr/>
+      </p:nvGrpSpPr>
+      <p:grpSpPr>
+        <a:xfrm>
+          <a:off x="0" y="0"/>
+          <a:ext cx="0" cy="0"/>
+          <a:chOff x="0" y="0"/>
+          <a:chExt cx="0" cy="0"/>
+        </a:xfrm>
+      </p:grpSpPr>
+      <p:sp>
+        <p:nvSpPr>
+          <p:cNvPr id="72706" name="Rectangle 7"/>
+          <p:cNvSpPr>
+            <a:spLocks noGrp="1" noChangeArrowheads="1"/>
+          </p:cNvSpPr>
+          <p:nvPr>
+            <p:ph type="sldNum" sz="quarter" idx="5"/>
+          </p:nvPr>
+        </p:nvSpPr>
+        <p:spPr>
+          <a:noFill/>
+          <a:ln/>
+          <a:extLst>
+            <a:ext uri="{909E8E84-426E-40dd-AFC4-6F175D3DCCD1}">
+              <a14:hiddenFill xmlns:a14="http://schemas.microsoft.com/office/drawing/2010/main" xmlns="">
+                <a:solidFill>
+                  <a:srgbClr val="FFFFFF"/>
+                </a:solidFill>
+              </a14:hiddenFill>
+            </a:ext>
+            <a:ext uri="{91240B29-F687-4f45-9708-019B960494DF}">
+              <a14:hiddenLine xmlns:a14="http://schemas.microsoft.com/office/drawing/2010/main" xmlns="" w="9525">
+                <a:solidFill>
+                  <a:srgbClr val="000000"/>
+                </a:solidFill>
+                <a:miter lim="800000"/>
+                <a:headEnd/>
+                <a:tailEnd/>
+              </a14:hiddenLine>
+            </a:ext>
+          </a:extLst>
+        </p:spPr>
+        <p:txBody>
+          <a:bodyPr/>
+          <a:lstStyle>
+            <a:lvl1pPr defTabSz="957178" eaLnBrk="0" hangingPunct="0">
+              <a:defRPr sz="2000" b="1">
+                <a:solidFill>
+                  <a:schemeClr val="tx1"/>
+                </a:solidFill>
+                <a:latin typeface="Courier New" charset="0"/>
+                <a:ea typeface="ＭＳ Ｐゴシック" charset="0"/>
+                <a:cs typeface="Arial" charset="0"/>
+              </a:defRPr>
+            </a:lvl1pPr>
+            <a:lvl2pPr marL="37928345" indent="-37471185" defTabSz="957178" eaLnBrk="0" hangingPunct="0">
+              <a:defRPr sz="2000" b="1">
+                <a:solidFill>
+                  <a:schemeClr val="tx1"/>
+                </a:solidFill>
+                <a:latin typeface="Courier New" charset="0"/>
+                <a:ea typeface="Arial" charset="0"/>
+                <a:cs typeface="Arial" charset="0"/>
+              </a:defRPr>
+            </a:lvl2pPr>
+            <a:lvl3pPr eaLnBrk="0" hangingPunct="0">
+              <a:defRPr sz="2000" b="1">
+                <a:solidFill>
+                  <a:schemeClr val="tx1"/>
+                </a:solidFill>
+                <a:latin typeface="Courier New" charset="0"/>
+                <a:ea typeface="Arial" charset="0"/>
+                <a:cs typeface="Arial" charset="0"/>
+              </a:defRPr>
+            </a:lvl3pPr>
+            <a:lvl4pPr eaLnBrk="0" hangingPunct="0">
+              <a:defRPr sz="2000" b="1">
+                <a:solidFill>
+                  <a:schemeClr val="tx1"/>
+                </a:solidFill>
+                <a:latin typeface="Courier New" charset="0"/>
+                <a:ea typeface="Arial" charset="0"/>
+                <a:cs typeface="Arial" charset="0"/>
+              </a:defRPr>
+            </a:lvl4pPr>
+            <a:lvl5pPr eaLnBrk="0" hangingPunct="0">
+              <a:defRPr sz="2000" b="1">
+                <a:solidFill>
+                  <a:schemeClr val="tx1"/>
+                </a:solidFill>
+                <a:latin typeface="Courier New" charset="0"/>
+                <a:ea typeface="Arial" charset="0"/>
+                <a:cs typeface="Arial" charset="0"/>
+              </a:defRPr>
+            </a:lvl5pPr>
+            <a:lvl6pPr marL="457159" eaLnBrk="0" fontAlgn="base" hangingPunct="0">
+              <a:spcBef>
+                <a:spcPct val="0"/>
+              </a:spcBef>
+              <a:spcAft>
+                <a:spcPct val="0"/>
+              </a:spcAft>
+              <a:defRPr sz="2000" b="1">
+                <a:solidFill>
+                  <a:schemeClr val="tx1"/>
+                </a:solidFill>
+                <a:latin typeface="Courier New" charset="0"/>
+                <a:ea typeface="Arial" charset="0"/>
+                <a:cs typeface="Arial" charset="0"/>
+              </a:defRPr>
+            </a:lvl6pPr>
+            <a:lvl7pPr marL="914319" eaLnBrk="0" fontAlgn="base" hangingPunct="0">
+              <a:spcBef>
+                <a:spcPct val="0"/>
+              </a:spcBef>
+              <a:spcAft>
+                <a:spcPct val="0"/>
+              </a:spcAft>
+              <a:defRPr sz="2000" b="1">
+                <a:solidFill>
+                  <a:schemeClr val="tx1"/>
+                </a:solidFill>
+                <a:latin typeface="Courier New" charset="0"/>
+                <a:ea typeface="Arial" charset="0"/>
+                <a:cs typeface="Arial" charset="0"/>
+              </a:defRPr>
+            </a:lvl7pPr>
+            <a:lvl8pPr marL="1371477" eaLnBrk="0" fontAlgn="base" hangingPunct="0">
+              <a:spcBef>
+                <a:spcPct val="0"/>
+              </a:spcBef>
+              <a:spcAft>
+                <a:spcPct val="0"/>
+              </a:spcAft>
+              <a:defRPr sz="2000" b="1">
+                <a:solidFill>
+                  <a:schemeClr val="tx1"/>
+                </a:solidFill>
+                <a:latin typeface="Courier New" charset="0"/>
+                <a:ea typeface="Arial" charset="0"/>
+                <a:cs typeface="Arial" charset="0"/>
+              </a:defRPr>
+            </a:lvl8pPr>
+            <a:lvl9pPr marL="1828637" eaLnBrk="0" fontAlgn="base" hangingPunct="0">
+              <a:spcBef>
+                <a:spcPct val="0"/>
+              </a:spcBef>
+              <a:spcAft>
+                <a:spcPct val="0"/>
+              </a:spcAft>
+              <a:defRPr sz="2000" b="1">
+                <a:solidFill>
+                  <a:schemeClr val="tx1"/>
+                </a:solidFill>
+                <a:latin typeface="Courier New" charset="0"/>
+                <a:ea typeface="Arial" charset="0"/>
+                <a:cs typeface="Arial" charset="0"/>
+              </a:defRPr>
+            </a:lvl9pPr>
+          </a:lstStyle>
+          <a:p>
+            <a:pPr eaLnBrk="1" hangingPunct="1"/>
+            <a:fld id="{114CD15E-08C5-BE42-912D-322759A8C347}" type="slidenum">
+              <a:rPr lang="en-US" sz="1300" b="0">
+                <a:latin typeface="Times New Roman" charset="0"/>
+              </a:rPr>
+              <a:pPr eaLnBrk="1" hangingPunct="1"/>
+              <a:t>11</a:t>
+            </a:fld>
+            <a:endParaRPr lang="en-US" sz="1300" b="0">
+              <a:latin typeface="Times New Roman" charset="0"/>
+            </a:endParaRPr>
+          </a:p>
+        </p:txBody>
+      </p:sp>
+      <p:sp>
+        <p:nvSpPr>
+          <p:cNvPr id="72707" name="Rectangle 2"/>
+          <p:cNvSpPr>
+            <a:spLocks noGrp="1" noRot="1" noChangeAspect="1" noChangeArrowheads="1"/>
+          </p:cNvSpPr>
+          <p:nvPr>
+            <p:ph type="sldImg"/>
+          </p:nvPr>
+        </p:nvSpPr>
+        <p:spPr>
+          <a:solidFill>
+            <a:srgbClr val="FFFFFF"/>
+          </a:solidFill>
+          <a:ln/>
+        </p:spPr>
+      </p:sp>
+      <p:sp>
+        <p:nvSpPr>
+          <p:cNvPr id="72708" name="Rectangle 3"/>
+          <p:cNvSpPr>
+            <a:spLocks noGrp="1" noChangeArrowheads="1"/>
+          </p:cNvSpPr>
+          <p:nvPr>
+            <p:ph type="body" idx="1"/>
+          </p:nvPr>
+        </p:nvSpPr>
+        <p:spPr>
+          <a:solidFill>
+            <a:srgbClr val="FFFFFF"/>
+          </a:solidFill>
+          <a:ln>
+            <a:solidFill>
+              <a:srgbClr val="000000"/>
+            </a:solidFill>
+          </a:ln>
+          <a:extLst>
+            <a:ext uri="{FAA26D3D-D897-4be2-8F04-BA451C77F1D7}">
+              <ma14:placeholderFlag xmlns="" xmlns:ma14="http://schemas.microsoft.com/office/mac/drawingml/2011/main" val="1"/>
+            </a:ext>
+          </a:extLst>
+        </p:spPr>
+        <p:txBody>
+          <a:bodyPr/>
+          <a:lstStyle/>
+          <a:p>
+            <a:endParaRPr lang="en-US">
+              <a:ea typeface="ＭＳ Ｐゴシック" charset="0"/>
+              <a:cs typeface="ＭＳ Ｐゴシック" charset="0"/>
+            </a:endParaRPr>
+          </a:p>
+        </p:txBody>
+      </p:sp>
+    </p:spTree>
+    <p:extLst>
+      <p:ext uri="{BB962C8B-B14F-4D97-AF65-F5344CB8AC3E}">
+        <p14:creationId xmlns:p14="http://schemas.microsoft.com/office/powerpoint/2010/main" val="546550229"/>
+      </p:ext>
+    </p:extLst>
+  </p:cSld>
+  <p:clrMapOvr>
+    <a:masterClrMapping/>
+  </p:clrMapOvr>
+</p:notes>
+</file>
+
+<file path=ppt/notesSlides/notesSlide6.xml><?xml version="1.0" encoding="utf-8"?>
+<p:notes xmlns:a="http://schemas.openxmlformats.org/drawingml/2006/main" xmlns:r="http://schemas.openxmlformats.org/officeDocument/2006/relationships" xmlns:p="http://schemas.openxmlformats.org/presentationml/2006/main">
+  <p:cSld>
+    <p:spTree>
+      <p:nvGrpSpPr>
+        <p:cNvPr id="1" name=""/>
+        <p:cNvGrpSpPr/>
+        <p:nvPr/>
+      </p:nvGrpSpPr>
+      <p:grpSpPr>
+        <a:xfrm>
+          <a:off x="0" y="0"/>
+          <a:ext cx="0" cy="0"/>
+          <a:chOff x="0" y="0"/>
+          <a:chExt cx="0" cy="0"/>
+        </a:xfrm>
+      </p:grpSpPr>
+      <p:sp>
+        <p:nvSpPr>
+          <p:cNvPr id="89090" name="Rectangle 7"/>
+          <p:cNvSpPr>
+            <a:spLocks noGrp="1" noChangeArrowheads="1"/>
+          </p:cNvSpPr>
+          <p:nvPr>
+            <p:ph type="sldNum" sz="quarter" idx="5"/>
+          </p:nvPr>
+        </p:nvSpPr>
+        <p:spPr>
+          <a:noFill/>
+          <a:ln/>
+          <a:extLst>
+            <a:ext uri="{909E8E84-426E-40dd-AFC4-6F175D3DCCD1}">
+              <a14:hiddenFill xmlns:a14="http://schemas.microsoft.com/office/drawing/2010/main" xmlns="">
+                <a:solidFill>
+                  <a:srgbClr val="FFFFFF"/>
+                </a:solidFill>
+              </a14:hiddenFill>
+            </a:ext>
+            <a:ext uri="{91240B29-F687-4f45-9708-019B960494DF}">
+              <a14:hiddenLine xmlns:a14="http://schemas.microsoft.com/office/drawing/2010/main" xmlns="" w="9525">
+                <a:solidFill>
+                  <a:srgbClr val="000000"/>
+                </a:solidFill>
+                <a:miter lim="800000"/>
+                <a:headEnd/>
+                <a:tailEnd/>
+              </a14:hiddenLine>
+            </a:ext>
+          </a:extLst>
+        </p:spPr>
+        <p:txBody>
+          <a:bodyPr/>
+          <a:lstStyle>
+            <a:lvl1pPr defTabSz="957178" eaLnBrk="0" hangingPunct="0">
+              <a:defRPr sz="2000" b="1">
+                <a:solidFill>
+                  <a:schemeClr val="tx1"/>
+                </a:solidFill>
+                <a:latin typeface="Courier New" charset="0"/>
+                <a:ea typeface="ＭＳ Ｐゴシック" charset="0"/>
+                <a:cs typeface="Arial" charset="0"/>
+              </a:defRPr>
+            </a:lvl1pPr>
+            <a:lvl2pPr marL="37928345" indent="-37471185" defTabSz="957178" eaLnBrk="0" hangingPunct="0">
+              <a:defRPr sz="2000" b="1">
+                <a:solidFill>
+                  <a:schemeClr val="tx1"/>
+                </a:solidFill>
+                <a:latin typeface="Courier New" charset="0"/>
+                <a:ea typeface="Arial" charset="0"/>
+                <a:cs typeface="Arial" charset="0"/>
+              </a:defRPr>
+            </a:lvl2pPr>
+            <a:lvl3pPr eaLnBrk="0" hangingPunct="0">
+              <a:defRPr sz="2000" b="1">
+                <a:solidFill>
+                  <a:schemeClr val="tx1"/>
+                </a:solidFill>
+                <a:latin typeface="Courier New" charset="0"/>
+                <a:ea typeface="Arial" charset="0"/>
+                <a:cs typeface="Arial" charset="0"/>
+              </a:defRPr>
+            </a:lvl3pPr>
+            <a:lvl4pPr eaLnBrk="0" hangingPunct="0">
+              <a:defRPr sz="2000" b="1">
+                <a:solidFill>
+                  <a:schemeClr val="tx1"/>
+                </a:solidFill>
+                <a:latin typeface="Courier New" charset="0"/>
+                <a:ea typeface="Arial" charset="0"/>
+                <a:cs typeface="Arial" charset="0"/>
+              </a:defRPr>
+            </a:lvl4pPr>
+            <a:lvl5pPr eaLnBrk="0" hangingPunct="0">
+              <a:defRPr sz="2000" b="1">
+                <a:solidFill>
+                  <a:schemeClr val="tx1"/>
+                </a:solidFill>
+                <a:latin typeface="Courier New" charset="0"/>
+                <a:ea typeface="Arial" charset="0"/>
+                <a:cs typeface="Arial" charset="0"/>
+              </a:defRPr>
+            </a:lvl5pPr>
+            <a:lvl6pPr marL="457159" eaLnBrk="0" fontAlgn="base" hangingPunct="0">
+              <a:spcBef>
+                <a:spcPct val="0"/>
+              </a:spcBef>
+              <a:spcAft>
+                <a:spcPct val="0"/>
+              </a:spcAft>
+              <a:defRPr sz="2000" b="1">
+                <a:solidFill>
+                  <a:schemeClr val="tx1"/>
+                </a:solidFill>
+                <a:latin typeface="Courier New" charset="0"/>
+                <a:ea typeface="Arial" charset="0"/>
+                <a:cs typeface="Arial" charset="0"/>
+              </a:defRPr>
+            </a:lvl6pPr>
+            <a:lvl7pPr marL="914319" eaLnBrk="0" fontAlgn="base" hangingPunct="0">
+              <a:spcBef>
+                <a:spcPct val="0"/>
+              </a:spcBef>
+              <a:spcAft>
+                <a:spcPct val="0"/>
+              </a:spcAft>
+              <a:defRPr sz="2000" b="1">
+                <a:solidFill>
+                  <a:schemeClr val="tx1"/>
+                </a:solidFill>
+                <a:latin typeface="Courier New" charset="0"/>
+                <a:ea typeface="Arial" charset="0"/>
+                <a:cs typeface="Arial" charset="0"/>
+              </a:defRPr>
+            </a:lvl7pPr>
+            <a:lvl8pPr marL="1371477" eaLnBrk="0" fontAlgn="base" hangingPunct="0">
+              <a:spcBef>
+                <a:spcPct val="0"/>
+              </a:spcBef>
+              <a:spcAft>
+                <a:spcPct val="0"/>
+              </a:spcAft>
+              <a:defRPr sz="2000" b="1">
+                <a:solidFill>
+                  <a:schemeClr val="tx1"/>
+                </a:solidFill>
+                <a:latin typeface="Courier New" charset="0"/>
+                <a:ea typeface="Arial" charset="0"/>
+                <a:cs typeface="Arial" charset="0"/>
+              </a:defRPr>
+            </a:lvl8pPr>
+            <a:lvl9pPr marL="1828637" eaLnBrk="0" fontAlgn="base" hangingPunct="0">
+              <a:spcBef>
+                <a:spcPct val="0"/>
+              </a:spcBef>
+              <a:spcAft>
+                <a:spcPct val="0"/>
+              </a:spcAft>
+              <a:defRPr sz="2000" b="1">
+                <a:solidFill>
+                  <a:schemeClr val="tx1"/>
+                </a:solidFill>
+                <a:latin typeface="Courier New" charset="0"/>
+                <a:ea typeface="Arial" charset="0"/>
+                <a:cs typeface="Arial" charset="0"/>
+              </a:defRPr>
+            </a:lvl9pPr>
+          </a:lstStyle>
+          <a:p>
+            <a:pPr eaLnBrk="1" hangingPunct="1"/>
+            <a:fld id="{281ECA61-3AE7-2C4E-AD4F-E208908BE981}" type="slidenum">
+              <a:rPr lang="en-US" sz="1300" b="0">
+                <a:latin typeface="Times New Roman" charset="0"/>
+              </a:rPr>
+              <a:pPr eaLnBrk="1" hangingPunct="1"/>
+              <a:t>12</a:t>
+            </a:fld>
+            <a:endParaRPr lang="en-US" sz="1300" b="0">
+              <a:latin typeface="Times New Roman" charset="0"/>
+            </a:endParaRPr>
+          </a:p>
+        </p:txBody>
+      </p:sp>
+      <p:sp>
+        <p:nvSpPr>
+          <p:cNvPr id="89091" name="Rectangle 2"/>
+          <p:cNvSpPr>
+            <a:spLocks noGrp="1" noRot="1" noChangeAspect="1" noChangeArrowheads="1"/>
+          </p:cNvSpPr>
+          <p:nvPr>
+            <p:ph type="sldImg"/>
+          </p:nvPr>
+        </p:nvSpPr>
+        <p:spPr>
+          <a:solidFill>
+            <a:srgbClr val="FFFFFF"/>
+          </a:solidFill>
+          <a:ln/>
+        </p:spPr>
+      </p:sp>
+      <p:sp>
+        <p:nvSpPr>
+          <p:cNvPr id="89092" name="Rectangle 3"/>
+          <p:cNvSpPr>
+            <a:spLocks noGrp="1" noChangeArrowheads="1"/>
+          </p:cNvSpPr>
+          <p:nvPr>
+            <p:ph type="body" idx="1"/>
+          </p:nvPr>
+        </p:nvSpPr>
+        <p:spPr>
+          <a:solidFill>
+            <a:srgbClr val="FFFFFF"/>
+          </a:solidFill>
+          <a:ln>
+            <a:solidFill>
+              <a:srgbClr val="000000"/>
+            </a:solidFill>
+          </a:ln>
+          <a:extLst>
+            <a:ext uri="{FAA26D3D-D897-4be2-8F04-BA451C77F1D7}">
+              <ma14:placeholderFlag xmlns="" xmlns:ma14="http://schemas.microsoft.com/office/mac/drawingml/2011/main" val="1"/>
+            </a:ext>
+          </a:extLst>
+        </p:spPr>
+        <p:txBody>
+          <a:bodyPr/>
+          <a:lstStyle/>
+          <a:p>
+            <a:endParaRPr lang="en-US">
+              <a:ea typeface="ＭＳ Ｐゴシック" charset="0"/>
+              <a:cs typeface="ＭＳ Ｐゴシック" charset="0"/>
+            </a:endParaRPr>
+          </a:p>
+        </p:txBody>
+      </p:sp>
+    </p:spTree>
+    <p:extLst>
+      <p:ext uri="{BB962C8B-B14F-4D97-AF65-F5344CB8AC3E}">
+        <p14:creationId xmlns:p14="http://schemas.microsoft.com/office/powerpoint/2010/main" val="997291160"/>
+      </p:ext>
+    </p:extLst>
+  </p:cSld>
+  <p:clrMapOvr>
+    <a:masterClrMapping/>
+  </p:clrMapOvr>
+</p:notes>
+</file>
+
+<file path=ppt/notesSlides/notesSlide7.xml><?xml version="1.0" encoding="utf-8"?>
+<p:notes xmlns:a="http://schemas.openxmlformats.org/drawingml/2006/main" xmlns:r="http://schemas.openxmlformats.org/officeDocument/2006/relationships" xmlns:p="http://schemas.openxmlformats.org/presentationml/2006/main">
+  <p:cSld>
+    <p:spTree>
+      <p:nvGrpSpPr>
+        <p:cNvPr id="1" name=""/>
+        <p:cNvGrpSpPr/>
+        <p:nvPr/>
+      </p:nvGrpSpPr>
+      <p:grpSpPr>
+        <a:xfrm>
+          <a:off x="0" y="0"/>
+          <a:ext cx="0" cy="0"/>
+          <a:chOff x="0" y="0"/>
+          <a:chExt cx="0" cy="0"/>
+        </a:xfrm>
+      </p:grpSpPr>
+      <p:sp>
+        <p:nvSpPr>
+          <p:cNvPr id="93186" name="Rectangle 7"/>
+          <p:cNvSpPr>
+            <a:spLocks noGrp="1" noChangeArrowheads="1"/>
+          </p:cNvSpPr>
+          <p:nvPr>
+            <p:ph type="sldNum" sz="quarter" idx="5"/>
+          </p:nvPr>
+        </p:nvSpPr>
+        <p:spPr>
+          <a:noFill/>
+          <a:ln/>
+          <a:extLst>
+            <a:ext uri="{909E8E84-426E-40dd-AFC4-6F175D3DCCD1}">
+              <a14:hiddenFill xmlns:a14="http://schemas.microsoft.com/office/drawing/2010/main" xmlns="">
+                <a:solidFill>
+                  <a:srgbClr val="FFFFFF"/>
+                </a:solidFill>
+              </a14:hiddenFill>
+            </a:ext>
+            <a:ext uri="{91240B29-F687-4f45-9708-019B960494DF}">
+              <a14:hiddenLine xmlns:a14="http://schemas.microsoft.com/office/drawing/2010/main" xmlns="" w="9525">
+                <a:solidFill>
+                  <a:srgbClr val="000000"/>
+                </a:solidFill>
+                <a:miter lim="800000"/>
+                <a:headEnd/>
+                <a:tailEnd/>
+              </a14:hiddenLine>
+            </a:ext>
+          </a:extLst>
+        </p:spPr>
+        <p:txBody>
+          <a:bodyPr/>
+          <a:lstStyle>
+            <a:lvl1pPr defTabSz="957178" eaLnBrk="0" hangingPunct="0">
+              <a:defRPr sz="2000" b="1">
+                <a:solidFill>
+                  <a:schemeClr val="tx1"/>
+                </a:solidFill>
+                <a:latin typeface="Courier New" charset="0"/>
+                <a:ea typeface="ＭＳ Ｐゴシック" charset="0"/>
+                <a:cs typeface="Arial" charset="0"/>
+              </a:defRPr>
+            </a:lvl1pPr>
+            <a:lvl2pPr marL="37928345" indent="-37471185" defTabSz="957178" eaLnBrk="0" hangingPunct="0">
+              <a:defRPr sz="2000" b="1">
+                <a:solidFill>
+                  <a:schemeClr val="tx1"/>
+                </a:solidFill>
+                <a:latin typeface="Courier New" charset="0"/>
+                <a:ea typeface="Arial" charset="0"/>
+                <a:cs typeface="Arial" charset="0"/>
+              </a:defRPr>
+            </a:lvl2pPr>
+            <a:lvl3pPr eaLnBrk="0" hangingPunct="0">
+              <a:defRPr sz="2000" b="1">
+                <a:solidFill>
+                  <a:schemeClr val="tx1"/>
+                </a:solidFill>
+                <a:latin typeface="Courier New" charset="0"/>
+                <a:ea typeface="Arial" charset="0"/>
+                <a:cs typeface="Arial" charset="0"/>
+              </a:defRPr>
+            </a:lvl3pPr>
+            <a:lvl4pPr eaLnBrk="0" hangingPunct="0">
+              <a:defRPr sz="2000" b="1">
+                <a:solidFill>
+                  <a:schemeClr val="tx1"/>
+                </a:solidFill>
+                <a:latin typeface="Courier New" charset="0"/>
+                <a:ea typeface="Arial" charset="0"/>
+                <a:cs typeface="Arial" charset="0"/>
+              </a:defRPr>
+            </a:lvl4pPr>
+            <a:lvl5pPr eaLnBrk="0" hangingPunct="0">
+              <a:defRPr sz="2000" b="1">
+                <a:solidFill>
+                  <a:schemeClr val="tx1"/>
+                </a:solidFill>
+                <a:latin typeface="Courier New" charset="0"/>
+                <a:ea typeface="Arial" charset="0"/>
+                <a:cs typeface="Arial" charset="0"/>
+              </a:defRPr>
+            </a:lvl5pPr>
+            <a:lvl6pPr marL="457159" eaLnBrk="0" fontAlgn="base" hangingPunct="0">
+              <a:spcBef>
+                <a:spcPct val="0"/>
+              </a:spcBef>
+              <a:spcAft>
+                <a:spcPct val="0"/>
+              </a:spcAft>
+              <a:defRPr sz="2000" b="1">
+                <a:solidFill>
+                  <a:schemeClr val="tx1"/>
+                </a:solidFill>
+                <a:latin typeface="Courier New" charset="0"/>
+                <a:ea typeface="Arial" charset="0"/>
+                <a:cs typeface="Arial" charset="0"/>
+              </a:defRPr>
+            </a:lvl6pPr>
+            <a:lvl7pPr marL="914319" eaLnBrk="0" fontAlgn="base" hangingPunct="0">
+              <a:spcBef>
+                <a:spcPct val="0"/>
+              </a:spcBef>
+              <a:spcAft>
+                <a:spcPct val="0"/>
+              </a:spcAft>
+              <a:defRPr sz="2000" b="1">
+                <a:solidFill>
+                  <a:schemeClr val="tx1"/>
+                </a:solidFill>
+                <a:latin typeface="Courier New" charset="0"/>
+                <a:ea typeface="Arial" charset="0"/>
+                <a:cs typeface="Arial" charset="0"/>
+              </a:defRPr>
+            </a:lvl7pPr>
+            <a:lvl8pPr marL="1371477" eaLnBrk="0" fontAlgn="base" hangingPunct="0">
+              <a:spcBef>
+                <a:spcPct val="0"/>
+              </a:spcBef>
+              <a:spcAft>
+                <a:spcPct val="0"/>
+              </a:spcAft>
+              <a:defRPr sz="2000" b="1">
+                <a:solidFill>
+                  <a:schemeClr val="tx1"/>
+                </a:solidFill>
+                <a:latin typeface="Courier New" charset="0"/>
+                <a:ea typeface="Arial" charset="0"/>
+                <a:cs typeface="Arial" charset="0"/>
+              </a:defRPr>
+            </a:lvl8pPr>
+            <a:lvl9pPr marL="1828637" eaLnBrk="0" fontAlgn="base" hangingPunct="0">
+              <a:spcBef>
+                <a:spcPct val="0"/>
+              </a:spcBef>
+              <a:spcAft>
+                <a:spcPct val="0"/>
+              </a:spcAft>
+              <a:defRPr sz="2000" b="1">
+                <a:solidFill>
+                  <a:schemeClr val="tx1"/>
+                </a:solidFill>
+                <a:latin typeface="Courier New" charset="0"/>
+                <a:ea typeface="Arial" charset="0"/>
+                <a:cs typeface="Arial" charset="0"/>
+              </a:defRPr>
+            </a:lvl9pPr>
+          </a:lstStyle>
+          <a:p>
+            <a:pPr eaLnBrk="1" hangingPunct="1"/>
+            <a:fld id="{EA2B8162-AD91-4E41-87FA-46E55C0794C5}" type="slidenum">
+              <a:rPr lang="en-US" sz="1300" b="0">
+                <a:latin typeface="Times New Roman" charset="0"/>
+              </a:rPr>
+              <a:pPr eaLnBrk="1" hangingPunct="1"/>
+              <a:t>13</a:t>
+            </a:fld>
+            <a:endParaRPr lang="en-US" sz="1300" b="0">
+              <a:latin typeface="Times New Roman" charset="0"/>
+            </a:endParaRPr>
+          </a:p>
+        </p:txBody>
+      </p:sp>
+      <p:sp>
+        <p:nvSpPr>
+          <p:cNvPr id="93187" name="Rectangle 2"/>
+          <p:cNvSpPr>
+            <a:spLocks noGrp="1" noRot="1" noChangeAspect="1" noChangeArrowheads="1"/>
+          </p:cNvSpPr>
+          <p:nvPr>
+            <p:ph type="sldImg"/>
+          </p:nvPr>
+        </p:nvSpPr>
+        <p:spPr>
+          <a:solidFill>
+            <a:srgbClr val="FFFFFF"/>
+          </a:solidFill>
+          <a:ln/>
+        </p:spPr>
+      </p:sp>
+      <p:sp>
+        <p:nvSpPr>
+          <p:cNvPr id="93188" name="Rectangle 3"/>
+          <p:cNvSpPr>
+            <a:spLocks noGrp="1" noChangeArrowheads="1"/>
+          </p:cNvSpPr>
+          <p:nvPr>
+            <p:ph type="body" idx="1"/>
+          </p:nvPr>
+        </p:nvSpPr>
+        <p:spPr>
+          <a:solidFill>
+            <a:srgbClr val="FFFFFF"/>
+          </a:solidFill>
+          <a:ln>
+            <a:solidFill>
+              <a:srgbClr val="000000"/>
+            </a:solidFill>
+          </a:ln>
+          <a:extLst>
+            <a:ext uri="{FAA26D3D-D897-4be2-8F04-BA451C77F1D7}">
+              <ma14:placeholderFlag xmlns="" xmlns:ma14="http://schemas.microsoft.com/office/mac/drawingml/2011/main" val="1"/>
+            </a:ext>
+          </a:extLst>
+        </p:spPr>
+        <p:txBody>
+          <a:bodyPr/>
+          <a:lstStyle/>
+          <a:p>
+            <a:r>
+              <a:rPr lang="en-US" dirty="0">
+                <a:ea typeface="ＭＳ Ｐゴシック" charset="0"/>
+                <a:cs typeface="ＭＳ Ｐゴシック" charset="0"/>
+              </a:rPr>
+              <a:t>wireless: because reception while</a:t>
+            </a:r>
+            <a:r>
+              <a:rPr lang="en-US" baseline="0" dirty="0">
+                <a:ea typeface="ＭＳ Ｐゴシック" charset="0"/>
+                <a:cs typeface="ＭＳ Ｐゴシック" charset="0"/>
+              </a:rPr>
+              <a:t> </a:t>
+            </a:r>
+            <a:r>
+              <a:rPr lang="en-US" baseline="0" dirty="0" err="1">
+                <a:ea typeface="ＭＳ Ｐゴシック" charset="0"/>
+                <a:cs typeface="ＭＳ Ｐゴシック" charset="0"/>
+              </a:rPr>
+              <a:t>tx</a:t>
+            </a:r>
+            <a:r>
+              <a:rPr lang="en-US" baseline="0" dirty="0">
+                <a:ea typeface="ＭＳ Ｐゴシック" charset="0"/>
+                <a:cs typeface="ＭＳ Ｐゴシック" charset="0"/>
+              </a:rPr>
+              <a:t> is difficult . broadcast isn’t perfect so collisions local</a:t>
+            </a:r>
+            <a:endParaRPr lang="en-US" dirty="0">
+              <a:ea typeface="ＭＳ Ｐゴシック" charset="0"/>
+              <a:cs typeface="ＭＳ Ｐゴシック" charset="0"/>
+            </a:endParaRPr>
+          </a:p>
+        </p:txBody>
+      </p:sp>
+    </p:spTree>
+    <p:extLst>
+      <p:ext uri="{BB962C8B-B14F-4D97-AF65-F5344CB8AC3E}">
+        <p14:creationId xmlns:p14="http://schemas.microsoft.com/office/powerpoint/2010/main" val="478120068"/>
+      </p:ext>
+    </p:extLst>
+  </p:cSld>
+  <p:clrMapOvr>
+    <a:masterClrMapping/>
+  </p:clrMapOvr>
+</p:notes>
+</file>
+
+<file path=ppt/notesSlides/notesSlide8.xml><?xml version="1.0" encoding="utf-8"?>
+<p:notes xmlns:a="http://schemas.openxmlformats.org/drawingml/2006/main" xmlns:r="http://schemas.openxmlformats.org/officeDocument/2006/relationships" xmlns:p="http://schemas.openxmlformats.org/presentationml/2006/main">
+  <p:cSld>
+    <p:spTree>
+      <p:nvGrpSpPr>
+        <p:cNvPr id="1" name=""/>
+        <p:cNvGrpSpPr/>
+        <p:nvPr/>
+      </p:nvGrpSpPr>
+      <p:grpSpPr>
+        <a:xfrm>
+          <a:off x="0" y="0"/>
+          <a:ext cx="0" cy="0"/>
+          <a:chOff x="0" y="0"/>
+          <a:chExt cx="0" cy="0"/>
+        </a:xfrm>
+      </p:grpSpPr>
+      <p:sp>
+        <p:nvSpPr>
+          <p:cNvPr id="97282" name="Rectangle 7"/>
           <p:cNvSpPr>
             <a:spLocks noGrp="1" noChangeArrowheads="1"/>
           </p:cNvSpPr>
@@ -4420,12 +5444,12 @@
           </a:lstStyle>
           <a:p>
             <a:pPr eaLnBrk="1" hangingPunct="1"/>
-            <a:fld id="{B8E2CB00-C86A-A747-9BDC-DD3376311CB6}" type="slidenum">
+            <a:fld id="{EC130659-87AF-CE4D-B5EA-54D55326E82A}" type="slidenum">
               <a:rPr lang="en-US" sz="1300" b="0">
                 <a:latin typeface="Times New Roman" charset="0"/>
               </a:rPr>
               <a:pPr eaLnBrk="1" hangingPunct="1"/>
-              <a:t>10</a:t>
+              <a:t>14</a:t>
             </a:fld>
             <a:endParaRPr lang="en-US" sz="1300" b="0">
               <a:latin typeface="Times New Roman" charset="0"/>
@@ -4435,7 +5459,7 @@
       </p:sp>
       <p:sp>
         <p:nvSpPr>
-          <p:cNvPr id="57347" name="Rectangle 2"/>
+          <p:cNvPr id="97283" name="Rectangle 2"/>
           <p:cNvSpPr>
             <a:spLocks noGrp="1" noRot="1" noChangeAspect="1" noChangeArrowheads="1"/>
           </p:cNvSpPr>
@@ -4452,7 +5476,7 @@
       </p:sp>
       <p:sp>
         <p:nvSpPr>
-          <p:cNvPr id="57348" name="Rectangle 3"/>
+          <p:cNvPr id="97284" name="Rectangle 3"/>
           <p:cNvSpPr>
             <a:spLocks noGrp="1" noChangeArrowheads="1"/>
           </p:cNvSpPr>
@@ -4489,7 +5513,7 @@
     </p:spTree>
     <p:extLst>
       <p:ext uri="{BB962C8B-B14F-4D97-AF65-F5344CB8AC3E}">
-        <p14:creationId xmlns:p14="http://schemas.microsoft.com/office/powerpoint/2010/main" val="1033557708"/>
+        <p14:creationId xmlns:p14="http://schemas.microsoft.com/office/powerpoint/2010/main" val="3962836112"/>
       </p:ext>
     </p:extLst>
   </p:cSld>
@@ -4499,7 +5523,7 @@
 </p:notes>
 </file>
 
-<file path=ppt/notesSlides/notesSlide5.xml><?xml version="1.0" encoding="utf-8"?>
+<file path=ppt/notesSlides/notesSlide9.xml><?xml version="1.0" encoding="utf-8"?>
 <p:notes xmlns:a="http://schemas.openxmlformats.org/drawingml/2006/main" xmlns:r="http://schemas.openxmlformats.org/officeDocument/2006/relationships" xmlns:p="http://schemas.openxmlformats.org/presentationml/2006/main">
   <p:cSld>
     <p:spTree>
@@ -4518,7 +5542,7 @@
       </p:grpSpPr>
       <p:sp>
         <p:nvSpPr>
-          <p:cNvPr id="72706" name="Rectangle 7"/>
+          <p:cNvPr id="99330" name="Rectangle 7"/>
           <p:cNvSpPr>
             <a:spLocks noGrp="1" noChangeArrowheads="1"/>
           </p:cNvSpPr>
@@ -4669,1030 +5693,6 @@
           </a:lstStyle>
           <a:p>
             <a:pPr eaLnBrk="1" hangingPunct="1"/>
-            <a:fld id="{114CD15E-08C5-BE42-912D-322759A8C347}" type="slidenum">
-              <a:rPr lang="en-US" sz="1300" b="0">
-                <a:latin typeface="Times New Roman" charset="0"/>
-              </a:rPr>
-              <a:pPr eaLnBrk="1" hangingPunct="1"/>
-              <a:t>11</a:t>
-            </a:fld>
-            <a:endParaRPr lang="en-US" sz="1300" b="0">
-              <a:latin typeface="Times New Roman" charset="0"/>
-            </a:endParaRPr>
-          </a:p>
-        </p:txBody>
-      </p:sp>
-      <p:sp>
-        <p:nvSpPr>
-          <p:cNvPr id="72707" name="Rectangle 2"/>
-          <p:cNvSpPr>
-            <a:spLocks noGrp="1" noRot="1" noChangeAspect="1" noChangeArrowheads="1"/>
-          </p:cNvSpPr>
-          <p:nvPr>
-            <p:ph type="sldImg"/>
-          </p:nvPr>
-        </p:nvSpPr>
-        <p:spPr>
-          <a:solidFill>
-            <a:srgbClr val="FFFFFF"/>
-          </a:solidFill>
-          <a:ln/>
-        </p:spPr>
-      </p:sp>
-      <p:sp>
-        <p:nvSpPr>
-          <p:cNvPr id="72708" name="Rectangle 3"/>
-          <p:cNvSpPr>
-            <a:spLocks noGrp="1" noChangeArrowheads="1"/>
-          </p:cNvSpPr>
-          <p:nvPr>
-            <p:ph type="body" idx="1"/>
-          </p:nvPr>
-        </p:nvSpPr>
-        <p:spPr>
-          <a:solidFill>
-            <a:srgbClr val="FFFFFF"/>
-          </a:solidFill>
-          <a:ln>
-            <a:solidFill>
-              <a:srgbClr val="000000"/>
-            </a:solidFill>
-          </a:ln>
-          <a:extLst>
-            <a:ext uri="{FAA26D3D-D897-4be2-8F04-BA451C77F1D7}">
-              <ma14:placeholderFlag xmlns:ma14="http://schemas.microsoft.com/office/mac/drawingml/2011/main" xmlns="" val="1"/>
-            </a:ext>
-          </a:extLst>
-        </p:spPr>
-        <p:txBody>
-          <a:bodyPr/>
-          <a:lstStyle/>
-          <a:p>
-            <a:endParaRPr lang="en-US">
-              <a:ea typeface="ＭＳ Ｐゴシック" charset="0"/>
-              <a:cs typeface="ＭＳ Ｐゴシック" charset="0"/>
-            </a:endParaRPr>
-          </a:p>
-        </p:txBody>
-      </p:sp>
-    </p:spTree>
-    <p:extLst>
-      <p:ext uri="{BB962C8B-B14F-4D97-AF65-F5344CB8AC3E}">
-        <p14:creationId xmlns:p14="http://schemas.microsoft.com/office/powerpoint/2010/main" val="546550229"/>
-      </p:ext>
-    </p:extLst>
-  </p:cSld>
-  <p:clrMapOvr>
-    <a:masterClrMapping/>
-  </p:clrMapOvr>
-</p:notes>
-</file>
-
-<file path=ppt/notesSlides/notesSlide6.xml><?xml version="1.0" encoding="utf-8"?>
-<p:notes xmlns:a="http://schemas.openxmlformats.org/drawingml/2006/main" xmlns:r="http://schemas.openxmlformats.org/officeDocument/2006/relationships" xmlns:p="http://schemas.openxmlformats.org/presentationml/2006/main">
-  <p:cSld>
-    <p:spTree>
-      <p:nvGrpSpPr>
-        <p:cNvPr id="1" name=""/>
-        <p:cNvGrpSpPr/>
-        <p:nvPr/>
-      </p:nvGrpSpPr>
-      <p:grpSpPr>
-        <a:xfrm>
-          <a:off x="0" y="0"/>
-          <a:ext cx="0" cy="0"/>
-          <a:chOff x="0" y="0"/>
-          <a:chExt cx="0" cy="0"/>
-        </a:xfrm>
-      </p:grpSpPr>
-      <p:sp>
-        <p:nvSpPr>
-          <p:cNvPr id="89090" name="Rectangle 7"/>
-          <p:cNvSpPr>
-            <a:spLocks noGrp="1" noChangeArrowheads="1"/>
-          </p:cNvSpPr>
-          <p:nvPr>
-            <p:ph type="sldNum" sz="quarter" idx="5"/>
-          </p:nvPr>
-        </p:nvSpPr>
-        <p:spPr>
-          <a:noFill/>
-          <a:ln/>
-          <a:extLst>
-            <a:ext uri="{909E8E84-426E-40dd-AFC4-6F175D3DCCD1}">
-              <a14:hiddenFill xmlns="" xmlns:a14="http://schemas.microsoft.com/office/drawing/2010/main">
-                <a:solidFill>
-                  <a:srgbClr val="FFFFFF"/>
-                </a:solidFill>
-              </a14:hiddenFill>
-            </a:ext>
-            <a:ext uri="{91240B29-F687-4f45-9708-019B960494DF}">
-              <a14:hiddenLine xmlns="" xmlns:a14="http://schemas.microsoft.com/office/drawing/2010/main" w="9525">
-                <a:solidFill>
-                  <a:srgbClr val="000000"/>
-                </a:solidFill>
-                <a:miter lim="800000"/>
-                <a:headEnd/>
-                <a:tailEnd/>
-              </a14:hiddenLine>
-            </a:ext>
-          </a:extLst>
-        </p:spPr>
-        <p:txBody>
-          <a:bodyPr/>
-          <a:lstStyle>
-            <a:lvl1pPr defTabSz="957178" eaLnBrk="0" hangingPunct="0">
-              <a:defRPr sz="2000" b="1">
-                <a:solidFill>
-                  <a:schemeClr val="tx1"/>
-                </a:solidFill>
-                <a:latin typeface="Courier New" charset="0"/>
-                <a:ea typeface="ＭＳ Ｐゴシック" charset="0"/>
-                <a:cs typeface="Arial" charset="0"/>
-              </a:defRPr>
-            </a:lvl1pPr>
-            <a:lvl2pPr marL="37928345" indent="-37471185" defTabSz="957178" eaLnBrk="0" hangingPunct="0">
-              <a:defRPr sz="2000" b="1">
-                <a:solidFill>
-                  <a:schemeClr val="tx1"/>
-                </a:solidFill>
-                <a:latin typeface="Courier New" charset="0"/>
-                <a:ea typeface="Arial" charset="0"/>
-                <a:cs typeface="Arial" charset="0"/>
-              </a:defRPr>
-            </a:lvl2pPr>
-            <a:lvl3pPr eaLnBrk="0" hangingPunct="0">
-              <a:defRPr sz="2000" b="1">
-                <a:solidFill>
-                  <a:schemeClr val="tx1"/>
-                </a:solidFill>
-                <a:latin typeface="Courier New" charset="0"/>
-                <a:ea typeface="Arial" charset="0"/>
-                <a:cs typeface="Arial" charset="0"/>
-              </a:defRPr>
-            </a:lvl3pPr>
-            <a:lvl4pPr eaLnBrk="0" hangingPunct="0">
-              <a:defRPr sz="2000" b="1">
-                <a:solidFill>
-                  <a:schemeClr val="tx1"/>
-                </a:solidFill>
-                <a:latin typeface="Courier New" charset="0"/>
-                <a:ea typeface="Arial" charset="0"/>
-                <a:cs typeface="Arial" charset="0"/>
-              </a:defRPr>
-            </a:lvl4pPr>
-            <a:lvl5pPr eaLnBrk="0" hangingPunct="0">
-              <a:defRPr sz="2000" b="1">
-                <a:solidFill>
-                  <a:schemeClr val="tx1"/>
-                </a:solidFill>
-                <a:latin typeface="Courier New" charset="0"/>
-                <a:ea typeface="Arial" charset="0"/>
-                <a:cs typeface="Arial" charset="0"/>
-              </a:defRPr>
-            </a:lvl5pPr>
-            <a:lvl6pPr marL="457159" eaLnBrk="0" fontAlgn="base" hangingPunct="0">
-              <a:spcBef>
-                <a:spcPct val="0"/>
-              </a:spcBef>
-              <a:spcAft>
-                <a:spcPct val="0"/>
-              </a:spcAft>
-              <a:defRPr sz="2000" b="1">
-                <a:solidFill>
-                  <a:schemeClr val="tx1"/>
-                </a:solidFill>
-                <a:latin typeface="Courier New" charset="0"/>
-                <a:ea typeface="Arial" charset="0"/>
-                <a:cs typeface="Arial" charset="0"/>
-              </a:defRPr>
-            </a:lvl6pPr>
-            <a:lvl7pPr marL="914319" eaLnBrk="0" fontAlgn="base" hangingPunct="0">
-              <a:spcBef>
-                <a:spcPct val="0"/>
-              </a:spcBef>
-              <a:spcAft>
-                <a:spcPct val="0"/>
-              </a:spcAft>
-              <a:defRPr sz="2000" b="1">
-                <a:solidFill>
-                  <a:schemeClr val="tx1"/>
-                </a:solidFill>
-                <a:latin typeface="Courier New" charset="0"/>
-                <a:ea typeface="Arial" charset="0"/>
-                <a:cs typeface="Arial" charset="0"/>
-              </a:defRPr>
-            </a:lvl7pPr>
-            <a:lvl8pPr marL="1371477" eaLnBrk="0" fontAlgn="base" hangingPunct="0">
-              <a:spcBef>
-                <a:spcPct val="0"/>
-              </a:spcBef>
-              <a:spcAft>
-                <a:spcPct val="0"/>
-              </a:spcAft>
-              <a:defRPr sz="2000" b="1">
-                <a:solidFill>
-                  <a:schemeClr val="tx1"/>
-                </a:solidFill>
-                <a:latin typeface="Courier New" charset="0"/>
-                <a:ea typeface="Arial" charset="0"/>
-                <a:cs typeface="Arial" charset="0"/>
-              </a:defRPr>
-            </a:lvl8pPr>
-            <a:lvl9pPr marL="1828637" eaLnBrk="0" fontAlgn="base" hangingPunct="0">
-              <a:spcBef>
-                <a:spcPct val="0"/>
-              </a:spcBef>
-              <a:spcAft>
-                <a:spcPct val="0"/>
-              </a:spcAft>
-              <a:defRPr sz="2000" b="1">
-                <a:solidFill>
-                  <a:schemeClr val="tx1"/>
-                </a:solidFill>
-                <a:latin typeface="Courier New" charset="0"/>
-                <a:ea typeface="Arial" charset="0"/>
-                <a:cs typeface="Arial" charset="0"/>
-              </a:defRPr>
-            </a:lvl9pPr>
-          </a:lstStyle>
-          <a:p>
-            <a:pPr eaLnBrk="1" hangingPunct="1"/>
-            <a:fld id="{281ECA61-3AE7-2C4E-AD4F-E208908BE981}" type="slidenum">
-              <a:rPr lang="en-US" sz="1300" b="0">
-                <a:latin typeface="Times New Roman" charset="0"/>
-              </a:rPr>
-              <a:pPr eaLnBrk="1" hangingPunct="1"/>
-              <a:t>12</a:t>
-            </a:fld>
-            <a:endParaRPr lang="en-US" sz="1300" b="0">
-              <a:latin typeface="Times New Roman" charset="0"/>
-            </a:endParaRPr>
-          </a:p>
-        </p:txBody>
-      </p:sp>
-      <p:sp>
-        <p:nvSpPr>
-          <p:cNvPr id="89091" name="Rectangle 2"/>
-          <p:cNvSpPr>
-            <a:spLocks noGrp="1" noRot="1" noChangeAspect="1" noChangeArrowheads="1"/>
-          </p:cNvSpPr>
-          <p:nvPr>
-            <p:ph type="sldImg"/>
-          </p:nvPr>
-        </p:nvSpPr>
-        <p:spPr>
-          <a:solidFill>
-            <a:srgbClr val="FFFFFF"/>
-          </a:solidFill>
-          <a:ln/>
-        </p:spPr>
-      </p:sp>
-      <p:sp>
-        <p:nvSpPr>
-          <p:cNvPr id="89092" name="Rectangle 3"/>
-          <p:cNvSpPr>
-            <a:spLocks noGrp="1" noChangeArrowheads="1"/>
-          </p:cNvSpPr>
-          <p:nvPr>
-            <p:ph type="body" idx="1"/>
-          </p:nvPr>
-        </p:nvSpPr>
-        <p:spPr>
-          <a:solidFill>
-            <a:srgbClr val="FFFFFF"/>
-          </a:solidFill>
-          <a:ln>
-            <a:solidFill>
-              <a:srgbClr val="000000"/>
-            </a:solidFill>
-          </a:ln>
-          <a:extLst>
-            <a:ext uri="{FAA26D3D-D897-4be2-8F04-BA451C77F1D7}">
-              <ma14:placeholderFlag xmlns:ma14="http://schemas.microsoft.com/office/mac/drawingml/2011/main" xmlns="" val="1"/>
-            </a:ext>
-          </a:extLst>
-        </p:spPr>
-        <p:txBody>
-          <a:bodyPr/>
-          <a:lstStyle/>
-          <a:p>
-            <a:endParaRPr lang="en-US">
-              <a:ea typeface="ＭＳ Ｐゴシック" charset="0"/>
-              <a:cs typeface="ＭＳ Ｐゴシック" charset="0"/>
-            </a:endParaRPr>
-          </a:p>
-        </p:txBody>
-      </p:sp>
-    </p:spTree>
-    <p:extLst>
-      <p:ext uri="{BB962C8B-B14F-4D97-AF65-F5344CB8AC3E}">
-        <p14:creationId xmlns:p14="http://schemas.microsoft.com/office/powerpoint/2010/main" val="997291160"/>
-      </p:ext>
-    </p:extLst>
-  </p:cSld>
-  <p:clrMapOvr>
-    <a:masterClrMapping/>
-  </p:clrMapOvr>
-</p:notes>
-</file>
-
-<file path=ppt/notesSlides/notesSlide7.xml><?xml version="1.0" encoding="utf-8"?>
-<p:notes xmlns:a="http://schemas.openxmlformats.org/drawingml/2006/main" xmlns:r="http://schemas.openxmlformats.org/officeDocument/2006/relationships" xmlns:p="http://schemas.openxmlformats.org/presentationml/2006/main">
-  <p:cSld>
-    <p:spTree>
-      <p:nvGrpSpPr>
-        <p:cNvPr id="1" name=""/>
-        <p:cNvGrpSpPr/>
-        <p:nvPr/>
-      </p:nvGrpSpPr>
-      <p:grpSpPr>
-        <a:xfrm>
-          <a:off x="0" y="0"/>
-          <a:ext cx="0" cy="0"/>
-          <a:chOff x="0" y="0"/>
-          <a:chExt cx="0" cy="0"/>
-        </a:xfrm>
-      </p:grpSpPr>
-      <p:sp>
-        <p:nvSpPr>
-          <p:cNvPr id="93186" name="Rectangle 7"/>
-          <p:cNvSpPr>
-            <a:spLocks noGrp="1" noChangeArrowheads="1"/>
-          </p:cNvSpPr>
-          <p:nvPr>
-            <p:ph type="sldNum" sz="quarter" idx="5"/>
-          </p:nvPr>
-        </p:nvSpPr>
-        <p:spPr>
-          <a:noFill/>
-          <a:ln/>
-          <a:extLst>
-            <a:ext uri="{909E8E84-426E-40dd-AFC4-6F175D3DCCD1}">
-              <a14:hiddenFill xmlns="" xmlns:a14="http://schemas.microsoft.com/office/drawing/2010/main">
-                <a:solidFill>
-                  <a:srgbClr val="FFFFFF"/>
-                </a:solidFill>
-              </a14:hiddenFill>
-            </a:ext>
-            <a:ext uri="{91240B29-F687-4f45-9708-019B960494DF}">
-              <a14:hiddenLine xmlns="" xmlns:a14="http://schemas.microsoft.com/office/drawing/2010/main" w="9525">
-                <a:solidFill>
-                  <a:srgbClr val="000000"/>
-                </a:solidFill>
-                <a:miter lim="800000"/>
-                <a:headEnd/>
-                <a:tailEnd/>
-              </a14:hiddenLine>
-            </a:ext>
-          </a:extLst>
-        </p:spPr>
-        <p:txBody>
-          <a:bodyPr/>
-          <a:lstStyle>
-            <a:lvl1pPr defTabSz="957178" eaLnBrk="0" hangingPunct="0">
-              <a:defRPr sz="2000" b="1">
-                <a:solidFill>
-                  <a:schemeClr val="tx1"/>
-                </a:solidFill>
-                <a:latin typeface="Courier New" charset="0"/>
-                <a:ea typeface="ＭＳ Ｐゴシック" charset="0"/>
-                <a:cs typeface="Arial" charset="0"/>
-              </a:defRPr>
-            </a:lvl1pPr>
-            <a:lvl2pPr marL="37928345" indent="-37471185" defTabSz="957178" eaLnBrk="0" hangingPunct="0">
-              <a:defRPr sz="2000" b="1">
-                <a:solidFill>
-                  <a:schemeClr val="tx1"/>
-                </a:solidFill>
-                <a:latin typeface="Courier New" charset="0"/>
-                <a:ea typeface="Arial" charset="0"/>
-                <a:cs typeface="Arial" charset="0"/>
-              </a:defRPr>
-            </a:lvl2pPr>
-            <a:lvl3pPr eaLnBrk="0" hangingPunct="0">
-              <a:defRPr sz="2000" b="1">
-                <a:solidFill>
-                  <a:schemeClr val="tx1"/>
-                </a:solidFill>
-                <a:latin typeface="Courier New" charset="0"/>
-                <a:ea typeface="Arial" charset="0"/>
-                <a:cs typeface="Arial" charset="0"/>
-              </a:defRPr>
-            </a:lvl3pPr>
-            <a:lvl4pPr eaLnBrk="0" hangingPunct="0">
-              <a:defRPr sz="2000" b="1">
-                <a:solidFill>
-                  <a:schemeClr val="tx1"/>
-                </a:solidFill>
-                <a:latin typeface="Courier New" charset="0"/>
-                <a:ea typeface="Arial" charset="0"/>
-                <a:cs typeface="Arial" charset="0"/>
-              </a:defRPr>
-            </a:lvl4pPr>
-            <a:lvl5pPr eaLnBrk="0" hangingPunct="0">
-              <a:defRPr sz="2000" b="1">
-                <a:solidFill>
-                  <a:schemeClr val="tx1"/>
-                </a:solidFill>
-                <a:latin typeface="Courier New" charset="0"/>
-                <a:ea typeface="Arial" charset="0"/>
-                <a:cs typeface="Arial" charset="0"/>
-              </a:defRPr>
-            </a:lvl5pPr>
-            <a:lvl6pPr marL="457159" eaLnBrk="0" fontAlgn="base" hangingPunct="0">
-              <a:spcBef>
-                <a:spcPct val="0"/>
-              </a:spcBef>
-              <a:spcAft>
-                <a:spcPct val="0"/>
-              </a:spcAft>
-              <a:defRPr sz="2000" b="1">
-                <a:solidFill>
-                  <a:schemeClr val="tx1"/>
-                </a:solidFill>
-                <a:latin typeface="Courier New" charset="0"/>
-                <a:ea typeface="Arial" charset="0"/>
-                <a:cs typeface="Arial" charset="0"/>
-              </a:defRPr>
-            </a:lvl6pPr>
-            <a:lvl7pPr marL="914319" eaLnBrk="0" fontAlgn="base" hangingPunct="0">
-              <a:spcBef>
-                <a:spcPct val="0"/>
-              </a:spcBef>
-              <a:spcAft>
-                <a:spcPct val="0"/>
-              </a:spcAft>
-              <a:defRPr sz="2000" b="1">
-                <a:solidFill>
-                  <a:schemeClr val="tx1"/>
-                </a:solidFill>
-                <a:latin typeface="Courier New" charset="0"/>
-                <a:ea typeface="Arial" charset="0"/>
-                <a:cs typeface="Arial" charset="0"/>
-              </a:defRPr>
-            </a:lvl7pPr>
-            <a:lvl8pPr marL="1371477" eaLnBrk="0" fontAlgn="base" hangingPunct="0">
-              <a:spcBef>
-                <a:spcPct val="0"/>
-              </a:spcBef>
-              <a:spcAft>
-                <a:spcPct val="0"/>
-              </a:spcAft>
-              <a:defRPr sz="2000" b="1">
-                <a:solidFill>
-                  <a:schemeClr val="tx1"/>
-                </a:solidFill>
-                <a:latin typeface="Courier New" charset="0"/>
-                <a:ea typeface="Arial" charset="0"/>
-                <a:cs typeface="Arial" charset="0"/>
-              </a:defRPr>
-            </a:lvl8pPr>
-            <a:lvl9pPr marL="1828637" eaLnBrk="0" fontAlgn="base" hangingPunct="0">
-              <a:spcBef>
-                <a:spcPct val="0"/>
-              </a:spcBef>
-              <a:spcAft>
-                <a:spcPct val="0"/>
-              </a:spcAft>
-              <a:defRPr sz="2000" b="1">
-                <a:solidFill>
-                  <a:schemeClr val="tx1"/>
-                </a:solidFill>
-                <a:latin typeface="Courier New" charset="0"/>
-                <a:ea typeface="Arial" charset="0"/>
-                <a:cs typeface="Arial" charset="0"/>
-              </a:defRPr>
-            </a:lvl9pPr>
-          </a:lstStyle>
-          <a:p>
-            <a:pPr eaLnBrk="1" hangingPunct="1"/>
-            <a:fld id="{EA2B8162-AD91-4E41-87FA-46E55C0794C5}" type="slidenum">
-              <a:rPr lang="en-US" sz="1300" b="0">
-                <a:latin typeface="Times New Roman" charset="0"/>
-              </a:rPr>
-              <a:pPr eaLnBrk="1" hangingPunct="1"/>
-              <a:t>13</a:t>
-            </a:fld>
-            <a:endParaRPr lang="en-US" sz="1300" b="0">
-              <a:latin typeface="Times New Roman" charset="0"/>
-            </a:endParaRPr>
-          </a:p>
-        </p:txBody>
-      </p:sp>
-      <p:sp>
-        <p:nvSpPr>
-          <p:cNvPr id="93187" name="Rectangle 2"/>
-          <p:cNvSpPr>
-            <a:spLocks noGrp="1" noRot="1" noChangeAspect="1" noChangeArrowheads="1"/>
-          </p:cNvSpPr>
-          <p:nvPr>
-            <p:ph type="sldImg"/>
-          </p:nvPr>
-        </p:nvSpPr>
-        <p:spPr>
-          <a:solidFill>
-            <a:srgbClr val="FFFFFF"/>
-          </a:solidFill>
-          <a:ln/>
-        </p:spPr>
-      </p:sp>
-      <p:sp>
-        <p:nvSpPr>
-          <p:cNvPr id="93188" name="Rectangle 3"/>
-          <p:cNvSpPr>
-            <a:spLocks noGrp="1" noChangeArrowheads="1"/>
-          </p:cNvSpPr>
-          <p:nvPr>
-            <p:ph type="body" idx="1"/>
-          </p:nvPr>
-        </p:nvSpPr>
-        <p:spPr>
-          <a:solidFill>
-            <a:srgbClr val="FFFFFF"/>
-          </a:solidFill>
-          <a:ln>
-            <a:solidFill>
-              <a:srgbClr val="000000"/>
-            </a:solidFill>
-          </a:ln>
-          <a:extLst>
-            <a:ext uri="{FAA26D3D-D897-4be2-8F04-BA451C77F1D7}">
-              <ma14:placeholderFlag xmlns:ma14="http://schemas.microsoft.com/office/mac/drawingml/2011/main" xmlns="" val="1"/>
-            </a:ext>
-          </a:extLst>
-        </p:spPr>
-        <p:txBody>
-          <a:bodyPr/>
-          <a:lstStyle/>
-          <a:p>
-            <a:r>
-              <a:rPr lang="en-US" dirty="0">
-                <a:ea typeface="ＭＳ Ｐゴシック" charset="0"/>
-                <a:cs typeface="ＭＳ Ｐゴシック" charset="0"/>
-              </a:rPr>
-              <a:t>wireless: because reception while</a:t>
-            </a:r>
-            <a:r>
-              <a:rPr lang="en-US" baseline="0" dirty="0">
-                <a:ea typeface="ＭＳ Ｐゴシック" charset="0"/>
-                <a:cs typeface="ＭＳ Ｐゴシック" charset="0"/>
-              </a:rPr>
-              <a:t> </a:t>
-            </a:r>
-            <a:r>
-              <a:rPr lang="en-US" baseline="0" dirty="0" err="1">
-                <a:ea typeface="ＭＳ Ｐゴシック" charset="0"/>
-                <a:cs typeface="ＭＳ Ｐゴシック" charset="0"/>
-              </a:rPr>
-              <a:t>tx</a:t>
-            </a:r>
-            <a:r>
-              <a:rPr lang="en-US" baseline="0" dirty="0">
-                <a:ea typeface="ＭＳ Ｐゴシック" charset="0"/>
-                <a:cs typeface="ＭＳ Ｐゴシック" charset="0"/>
-              </a:rPr>
-              <a:t> is difficult . broadcast isn’t perfect so collisions local</a:t>
-            </a:r>
-            <a:endParaRPr lang="en-US" dirty="0">
-              <a:ea typeface="ＭＳ Ｐゴシック" charset="0"/>
-              <a:cs typeface="ＭＳ Ｐゴシック" charset="0"/>
-            </a:endParaRPr>
-          </a:p>
-        </p:txBody>
-      </p:sp>
-    </p:spTree>
-    <p:extLst>
-      <p:ext uri="{BB962C8B-B14F-4D97-AF65-F5344CB8AC3E}">
-        <p14:creationId xmlns:p14="http://schemas.microsoft.com/office/powerpoint/2010/main" val="478120068"/>
-      </p:ext>
-    </p:extLst>
-  </p:cSld>
-  <p:clrMapOvr>
-    <a:masterClrMapping/>
-  </p:clrMapOvr>
-</p:notes>
-</file>
-
-<file path=ppt/notesSlides/notesSlide8.xml><?xml version="1.0" encoding="utf-8"?>
-<p:notes xmlns:a="http://schemas.openxmlformats.org/drawingml/2006/main" xmlns:r="http://schemas.openxmlformats.org/officeDocument/2006/relationships" xmlns:p="http://schemas.openxmlformats.org/presentationml/2006/main">
-  <p:cSld>
-    <p:spTree>
-      <p:nvGrpSpPr>
-        <p:cNvPr id="1" name=""/>
-        <p:cNvGrpSpPr/>
-        <p:nvPr/>
-      </p:nvGrpSpPr>
-      <p:grpSpPr>
-        <a:xfrm>
-          <a:off x="0" y="0"/>
-          <a:ext cx="0" cy="0"/>
-          <a:chOff x="0" y="0"/>
-          <a:chExt cx="0" cy="0"/>
-        </a:xfrm>
-      </p:grpSpPr>
-      <p:sp>
-        <p:nvSpPr>
-          <p:cNvPr id="97282" name="Rectangle 7"/>
-          <p:cNvSpPr>
-            <a:spLocks noGrp="1" noChangeArrowheads="1"/>
-          </p:cNvSpPr>
-          <p:nvPr>
-            <p:ph type="sldNum" sz="quarter" idx="5"/>
-          </p:nvPr>
-        </p:nvSpPr>
-        <p:spPr>
-          <a:noFill/>
-          <a:ln/>
-          <a:extLst>
-            <a:ext uri="{909E8E84-426E-40dd-AFC4-6F175D3DCCD1}">
-              <a14:hiddenFill xmlns:a14="http://schemas.microsoft.com/office/drawing/2010/main" xmlns="">
-                <a:solidFill>
-                  <a:srgbClr val="FFFFFF"/>
-                </a:solidFill>
-              </a14:hiddenFill>
-            </a:ext>
-            <a:ext uri="{91240B29-F687-4f45-9708-019B960494DF}">
-              <a14:hiddenLine xmlns:a14="http://schemas.microsoft.com/office/drawing/2010/main" xmlns="" w="9525">
-                <a:solidFill>
-                  <a:srgbClr val="000000"/>
-                </a:solidFill>
-                <a:miter lim="800000"/>
-                <a:headEnd/>
-                <a:tailEnd/>
-              </a14:hiddenLine>
-            </a:ext>
-          </a:extLst>
-        </p:spPr>
-        <p:txBody>
-          <a:bodyPr/>
-          <a:lstStyle>
-            <a:lvl1pPr defTabSz="957178" eaLnBrk="0" hangingPunct="0">
-              <a:defRPr sz="2000" b="1">
-                <a:solidFill>
-                  <a:schemeClr val="tx1"/>
-                </a:solidFill>
-                <a:latin typeface="Courier New" charset="0"/>
-                <a:ea typeface="ＭＳ Ｐゴシック" charset="0"/>
-                <a:cs typeface="Arial" charset="0"/>
-              </a:defRPr>
-            </a:lvl1pPr>
-            <a:lvl2pPr marL="37928345" indent="-37471185" defTabSz="957178" eaLnBrk="0" hangingPunct="0">
-              <a:defRPr sz="2000" b="1">
-                <a:solidFill>
-                  <a:schemeClr val="tx1"/>
-                </a:solidFill>
-                <a:latin typeface="Courier New" charset="0"/>
-                <a:ea typeface="Arial" charset="0"/>
-                <a:cs typeface="Arial" charset="0"/>
-              </a:defRPr>
-            </a:lvl2pPr>
-            <a:lvl3pPr eaLnBrk="0" hangingPunct="0">
-              <a:defRPr sz="2000" b="1">
-                <a:solidFill>
-                  <a:schemeClr val="tx1"/>
-                </a:solidFill>
-                <a:latin typeface="Courier New" charset="0"/>
-                <a:ea typeface="Arial" charset="0"/>
-                <a:cs typeface="Arial" charset="0"/>
-              </a:defRPr>
-            </a:lvl3pPr>
-            <a:lvl4pPr eaLnBrk="0" hangingPunct="0">
-              <a:defRPr sz="2000" b="1">
-                <a:solidFill>
-                  <a:schemeClr val="tx1"/>
-                </a:solidFill>
-                <a:latin typeface="Courier New" charset="0"/>
-                <a:ea typeface="Arial" charset="0"/>
-                <a:cs typeface="Arial" charset="0"/>
-              </a:defRPr>
-            </a:lvl4pPr>
-            <a:lvl5pPr eaLnBrk="0" hangingPunct="0">
-              <a:defRPr sz="2000" b="1">
-                <a:solidFill>
-                  <a:schemeClr val="tx1"/>
-                </a:solidFill>
-                <a:latin typeface="Courier New" charset="0"/>
-                <a:ea typeface="Arial" charset="0"/>
-                <a:cs typeface="Arial" charset="0"/>
-              </a:defRPr>
-            </a:lvl5pPr>
-            <a:lvl6pPr marL="457159" eaLnBrk="0" fontAlgn="base" hangingPunct="0">
-              <a:spcBef>
-                <a:spcPct val="0"/>
-              </a:spcBef>
-              <a:spcAft>
-                <a:spcPct val="0"/>
-              </a:spcAft>
-              <a:defRPr sz="2000" b="1">
-                <a:solidFill>
-                  <a:schemeClr val="tx1"/>
-                </a:solidFill>
-                <a:latin typeface="Courier New" charset="0"/>
-                <a:ea typeface="Arial" charset="0"/>
-                <a:cs typeface="Arial" charset="0"/>
-              </a:defRPr>
-            </a:lvl6pPr>
-            <a:lvl7pPr marL="914319" eaLnBrk="0" fontAlgn="base" hangingPunct="0">
-              <a:spcBef>
-                <a:spcPct val="0"/>
-              </a:spcBef>
-              <a:spcAft>
-                <a:spcPct val="0"/>
-              </a:spcAft>
-              <a:defRPr sz="2000" b="1">
-                <a:solidFill>
-                  <a:schemeClr val="tx1"/>
-                </a:solidFill>
-                <a:latin typeface="Courier New" charset="0"/>
-                <a:ea typeface="Arial" charset="0"/>
-                <a:cs typeface="Arial" charset="0"/>
-              </a:defRPr>
-            </a:lvl7pPr>
-            <a:lvl8pPr marL="1371477" eaLnBrk="0" fontAlgn="base" hangingPunct="0">
-              <a:spcBef>
-                <a:spcPct val="0"/>
-              </a:spcBef>
-              <a:spcAft>
-                <a:spcPct val="0"/>
-              </a:spcAft>
-              <a:defRPr sz="2000" b="1">
-                <a:solidFill>
-                  <a:schemeClr val="tx1"/>
-                </a:solidFill>
-                <a:latin typeface="Courier New" charset="0"/>
-                <a:ea typeface="Arial" charset="0"/>
-                <a:cs typeface="Arial" charset="0"/>
-              </a:defRPr>
-            </a:lvl8pPr>
-            <a:lvl9pPr marL="1828637" eaLnBrk="0" fontAlgn="base" hangingPunct="0">
-              <a:spcBef>
-                <a:spcPct val="0"/>
-              </a:spcBef>
-              <a:spcAft>
-                <a:spcPct val="0"/>
-              </a:spcAft>
-              <a:defRPr sz="2000" b="1">
-                <a:solidFill>
-                  <a:schemeClr val="tx1"/>
-                </a:solidFill>
-                <a:latin typeface="Courier New" charset="0"/>
-                <a:ea typeface="Arial" charset="0"/>
-                <a:cs typeface="Arial" charset="0"/>
-              </a:defRPr>
-            </a:lvl9pPr>
-          </a:lstStyle>
-          <a:p>
-            <a:pPr eaLnBrk="1" hangingPunct="1"/>
-            <a:fld id="{EC130659-87AF-CE4D-B5EA-54D55326E82A}" type="slidenum">
-              <a:rPr lang="en-US" sz="1300" b="0">
-                <a:latin typeface="Times New Roman" charset="0"/>
-              </a:rPr>
-              <a:pPr eaLnBrk="1" hangingPunct="1"/>
-              <a:t>14</a:t>
-            </a:fld>
-            <a:endParaRPr lang="en-US" sz="1300" b="0">
-              <a:latin typeface="Times New Roman" charset="0"/>
-            </a:endParaRPr>
-          </a:p>
-        </p:txBody>
-      </p:sp>
-      <p:sp>
-        <p:nvSpPr>
-          <p:cNvPr id="97283" name="Rectangle 2"/>
-          <p:cNvSpPr>
-            <a:spLocks noGrp="1" noRot="1" noChangeAspect="1" noChangeArrowheads="1"/>
-          </p:cNvSpPr>
-          <p:nvPr>
-            <p:ph type="sldImg"/>
-          </p:nvPr>
-        </p:nvSpPr>
-        <p:spPr>
-          <a:solidFill>
-            <a:srgbClr val="FFFFFF"/>
-          </a:solidFill>
-          <a:ln/>
-        </p:spPr>
-      </p:sp>
-      <p:sp>
-        <p:nvSpPr>
-          <p:cNvPr id="97284" name="Rectangle 3"/>
-          <p:cNvSpPr>
-            <a:spLocks noGrp="1" noChangeArrowheads="1"/>
-          </p:cNvSpPr>
-          <p:nvPr>
-            <p:ph type="body" idx="1"/>
-          </p:nvPr>
-        </p:nvSpPr>
-        <p:spPr>
-          <a:solidFill>
-            <a:srgbClr val="FFFFFF"/>
-          </a:solidFill>
-          <a:ln>
-            <a:solidFill>
-              <a:srgbClr val="000000"/>
-            </a:solidFill>
-          </a:ln>
-          <a:extLst>
-            <a:ext uri="{FAA26D3D-D897-4be2-8F04-BA451C77F1D7}">
-              <ma14:placeholderFlag xmlns="" xmlns:ma14="http://schemas.microsoft.com/office/mac/drawingml/2011/main" val="1"/>
-            </a:ext>
-          </a:extLst>
-        </p:spPr>
-        <p:txBody>
-          <a:bodyPr/>
-          <a:lstStyle/>
-          <a:p>
-            <a:endParaRPr lang="en-US">
-              <a:ea typeface="ＭＳ Ｐゴシック" charset="0"/>
-              <a:cs typeface="ＭＳ Ｐゴシック" charset="0"/>
-            </a:endParaRPr>
-          </a:p>
-        </p:txBody>
-      </p:sp>
-    </p:spTree>
-    <p:extLst>
-      <p:ext uri="{BB962C8B-B14F-4D97-AF65-F5344CB8AC3E}">
-        <p14:creationId xmlns:p14="http://schemas.microsoft.com/office/powerpoint/2010/main" val="3962836112"/>
-      </p:ext>
-    </p:extLst>
-  </p:cSld>
-  <p:clrMapOvr>
-    <a:masterClrMapping/>
-  </p:clrMapOvr>
-</p:notes>
-</file>
-
-<file path=ppt/notesSlides/notesSlide9.xml><?xml version="1.0" encoding="utf-8"?>
-<p:notes xmlns:a="http://schemas.openxmlformats.org/drawingml/2006/main" xmlns:r="http://schemas.openxmlformats.org/officeDocument/2006/relationships" xmlns:p="http://schemas.openxmlformats.org/presentationml/2006/main">
-  <p:cSld>
-    <p:spTree>
-      <p:nvGrpSpPr>
-        <p:cNvPr id="1" name=""/>
-        <p:cNvGrpSpPr/>
-        <p:nvPr/>
-      </p:nvGrpSpPr>
-      <p:grpSpPr>
-        <a:xfrm>
-          <a:off x="0" y="0"/>
-          <a:ext cx="0" cy="0"/>
-          <a:chOff x="0" y="0"/>
-          <a:chExt cx="0" cy="0"/>
-        </a:xfrm>
-      </p:grpSpPr>
-      <p:sp>
-        <p:nvSpPr>
-          <p:cNvPr id="99330" name="Rectangle 7"/>
-          <p:cNvSpPr>
-            <a:spLocks noGrp="1" noChangeArrowheads="1"/>
-          </p:cNvSpPr>
-          <p:nvPr>
-            <p:ph type="sldNum" sz="quarter" idx="5"/>
-          </p:nvPr>
-        </p:nvSpPr>
-        <p:spPr>
-          <a:noFill/>
-          <a:ln/>
-          <a:extLst>
-            <a:ext uri="{909E8E84-426E-40dd-AFC4-6F175D3DCCD1}">
-              <a14:hiddenFill xmlns:a14="http://schemas.microsoft.com/office/drawing/2010/main" xmlns="">
-                <a:solidFill>
-                  <a:srgbClr val="FFFFFF"/>
-                </a:solidFill>
-              </a14:hiddenFill>
-            </a:ext>
-            <a:ext uri="{91240B29-F687-4f45-9708-019B960494DF}">
-              <a14:hiddenLine xmlns:a14="http://schemas.microsoft.com/office/drawing/2010/main" xmlns="" w="9525">
-                <a:solidFill>
-                  <a:srgbClr val="000000"/>
-                </a:solidFill>
-                <a:miter lim="800000"/>
-                <a:headEnd/>
-                <a:tailEnd/>
-              </a14:hiddenLine>
-            </a:ext>
-          </a:extLst>
-        </p:spPr>
-        <p:txBody>
-          <a:bodyPr/>
-          <a:lstStyle>
-            <a:lvl1pPr defTabSz="957178" eaLnBrk="0" hangingPunct="0">
-              <a:defRPr sz="2000" b="1">
-                <a:solidFill>
-                  <a:schemeClr val="tx1"/>
-                </a:solidFill>
-                <a:latin typeface="Courier New" charset="0"/>
-                <a:ea typeface="ＭＳ Ｐゴシック" charset="0"/>
-                <a:cs typeface="Arial" charset="0"/>
-              </a:defRPr>
-            </a:lvl1pPr>
-            <a:lvl2pPr marL="37928345" indent="-37471185" defTabSz="957178" eaLnBrk="0" hangingPunct="0">
-              <a:defRPr sz="2000" b="1">
-                <a:solidFill>
-                  <a:schemeClr val="tx1"/>
-                </a:solidFill>
-                <a:latin typeface="Courier New" charset="0"/>
-                <a:ea typeface="Arial" charset="0"/>
-                <a:cs typeface="Arial" charset="0"/>
-              </a:defRPr>
-            </a:lvl2pPr>
-            <a:lvl3pPr eaLnBrk="0" hangingPunct="0">
-              <a:defRPr sz="2000" b="1">
-                <a:solidFill>
-                  <a:schemeClr val="tx1"/>
-                </a:solidFill>
-                <a:latin typeface="Courier New" charset="0"/>
-                <a:ea typeface="Arial" charset="0"/>
-                <a:cs typeface="Arial" charset="0"/>
-              </a:defRPr>
-            </a:lvl3pPr>
-            <a:lvl4pPr eaLnBrk="0" hangingPunct="0">
-              <a:defRPr sz="2000" b="1">
-                <a:solidFill>
-                  <a:schemeClr val="tx1"/>
-                </a:solidFill>
-                <a:latin typeface="Courier New" charset="0"/>
-                <a:ea typeface="Arial" charset="0"/>
-                <a:cs typeface="Arial" charset="0"/>
-              </a:defRPr>
-            </a:lvl4pPr>
-            <a:lvl5pPr eaLnBrk="0" hangingPunct="0">
-              <a:defRPr sz="2000" b="1">
-                <a:solidFill>
-                  <a:schemeClr val="tx1"/>
-                </a:solidFill>
-                <a:latin typeface="Courier New" charset="0"/>
-                <a:ea typeface="Arial" charset="0"/>
-                <a:cs typeface="Arial" charset="0"/>
-              </a:defRPr>
-            </a:lvl5pPr>
-            <a:lvl6pPr marL="457159" eaLnBrk="0" fontAlgn="base" hangingPunct="0">
-              <a:spcBef>
-                <a:spcPct val="0"/>
-              </a:spcBef>
-              <a:spcAft>
-                <a:spcPct val="0"/>
-              </a:spcAft>
-              <a:defRPr sz="2000" b="1">
-                <a:solidFill>
-                  <a:schemeClr val="tx1"/>
-                </a:solidFill>
-                <a:latin typeface="Courier New" charset="0"/>
-                <a:ea typeface="Arial" charset="0"/>
-                <a:cs typeface="Arial" charset="0"/>
-              </a:defRPr>
-            </a:lvl6pPr>
-            <a:lvl7pPr marL="914319" eaLnBrk="0" fontAlgn="base" hangingPunct="0">
-              <a:spcBef>
-                <a:spcPct val="0"/>
-              </a:spcBef>
-              <a:spcAft>
-                <a:spcPct val="0"/>
-              </a:spcAft>
-              <a:defRPr sz="2000" b="1">
-                <a:solidFill>
-                  <a:schemeClr val="tx1"/>
-                </a:solidFill>
-                <a:latin typeface="Courier New" charset="0"/>
-                <a:ea typeface="Arial" charset="0"/>
-                <a:cs typeface="Arial" charset="0"/>
-              </a:defRPr>
-            </a:lvl7pPr>
-            <a:lvl8pPr marL="1371477" eaLnBrk="0" fontAlgn="base" hangingPunct="0">
-              <a:spcBef>
-                <a:spcPct val="0"/>
-              </a:spcBef>
-              <a:spcAft>
-                <a:spcPct val="0"/>
-              </a:spcAft>
-              <a:defRPr sz="2000" b="1">
-                <a:solidFill>
-                  <a:schemeClr val="tx1"/>
-                </a:solidFill>
-                <a:latin typeface="Courier New" charset="0"/>
-                <a:ea typeface="Arial" charset="0"/>
-                <a:cs typeface="Arial" charset="0"/>
-              </a:defRPr>
-            </a:lvl8pPr>
-            <a:lvl9pPr marL="1828637" eaLnBrk="0" fontAlgn="base" hangingPunct="0">
-              <a:spcBef>
-                <a:spcPct val="0"/>
-              </a:spcBef>
-              <a:spcAft>
-                <a:spcPct val="0"/>
-              </a:spcAft>
-              <a:defRPr sz="2000" b="1">
-                <a:solidFill>
-                  <a:schemeClr val="tx1"/>
-                </a:solidFill>
-                <a:latin typeface="Courier New" charset="0"/>
-                <a:ea typeface="Arial" charset="0"/>
-                <a:cs typeface="Arial" charset="0"/>
-              </a:defRPr>
-            </a:lvl9pPr>
-          </a:lstStyle>
-          <a:p>
-            <a:pPr eaLnBrk="1" hangingPunct="1"/>
             <a:fld id="{A10B4C87-43F1-8447-99DD-FB94C86AE74F}" type="slidenum">
               <a:rPr lang="en-US" sz="1300" b="0">
                 <a:latin typeface="Times New Roman" charset="0"/>
@@ -5744,7 +5744,7 @@
           </a:ln>
           <a:extLst>
             <a:ext uri="{FAA26D3D-D897-4be2-8F04-BA451C77F1D7}">
-              <ma14:placeholderFlag xmlns="" xmlns:ma14="http://schemas.microsoft.com/office/mac/drawingml/2011/main" val="1"/>
+              <ma14:placeholderFlag xmlns:ma14="http://schemas.microsoft.com/office/mac/drawingml/2011/main" xmlns="" val="1"/>
             </a:ext>
           </a:extLst>
         </p:spPr>
@@ -8675,17 +8675,17 @@
           </a:ln>
           <a:extLst>
             <a:ext uri="{FAA26D3D-D897-4be2-8F04-BA451C77F1D7}">
-              <ma14:placeholderFlag xmlns:ma14="http://schemas.microsoft.com/office/mac/drawingml/2011/main" xmlns="" val="1"/>
+              <ma14:placeholderFlag xmlns="" xmlns:ma14="http://schemas.microsoft.com/office/mac/drawingml/2011/main" val="1"/>
             </a:ext>
             <a:ext uri="{909E8E84-426E-40dd-AFC4-6F175D3DCCD1}">
-              <a14:hiddenFill xmlns:a14="http://schemas.microsoft.com/office/drawing/2010/main" xmlns="">
+              <a14:hiddenFill xmlns="" xmlns:a14="http://schemas.microsoft.com/office/drawing/2010/main">
                 <a:solidFill>
                   <a:srgbClr val="FFFFFF"/>
                 </a:solidFill>
               </a14:hiddenFill>
             </a:ext>
             <a:ext uri="{91240B29-F687-4f45-9708-019B960494DF}">
-              <a14:hiddenLine xmlns:a14="http://schemas.microsoft.com/office/drawing/2010/main" xmlns="" w="9525">
+              <a14:hiddenLine xmlns="" xmlns:a14="http://schemas.microsoft.com/office/drawing/2010/main" w="9525">
                 <a:solidFill>
                   <a:srgbClr val="000000"/>
                 </a:solidFill>
@@ -11818,14 +11818,14 @@
             </a:ln>
             <a:extLst>
               <a:ext uri="{909E8E84-426E-40dd-AFC4-6F175D3DCCD1}">
-                <a14:hiddenFill xmlns:a14="http://schemas.microsoft.com/office/drawing/2010/main" xmlns="">
+                <a14:hiddenFill xmlns="" xmlns:a14="http://schemas.microsoft.com/office/drawing/2010/main">
                   <a:solidFill>
                     <a:srgbClr val="FFFFFF"/>
                   </a:solidFill>
                 </a14:hiddenFill>
               </a:ext>
               <a:ext uri="{91240B29-F687-4f45-9708-019B960494DF}">
-                <a14:hiddenLine xmlns:a14="http://schemas.microsoft.com/office/drawing/2010/main" xmlns="" w="9525">
+                <a14:hiddenLine xmlns="" xmlns:a14="http://schemas.microsoft.com/office/drawing/2010/main" w="9525">
                   <a:solidFill>
                     <a:srgbClr val="000000"/>
                   </a:solidFill>
@@ -11872,14 +11872,14 @@
             </a:ln>
             <a:extLst>
               <a:ext uri="{909E8E84-426E-40dd-AFC4-6F175D3DCCD1}">
-                <a14:hiddenFill xmlns:a14="http://schemas.microsoft.com/office/drawing/2010/main" xmlns="">
+                <a14:hiddenFill xmlns="" xmlns:a14="http://schemas.microsoft.com/office/drawing/2010/main">
                   <a:solidFill>
                     <a:srgbClr val="FFFFFF"/>
                   </a:solidFill>
                 </a14:hiddenFill>
               </a:ext>
               <a:ext uri="{91240B29-F687-4f45-9708-019B960494DF}">
-                <a14:hiddenLine xmlns:a14="http://schemas.microsoft.com/office/drawing/2010/main" xmlns="" w="9525">
+                <a14:hiddenLine xmlns="" xmlns:a14="http://schemas.microsoft.com/office/drawing/2010/main" w="9525">
                   <a:solidFill>
                     <a:srgbClr val="000000"/>
                   </a:solidFill>
@@ -11917,7 +11917,7 @@
             </a:ln>
             <a:extLst>
               <a:ext uri="{91240B29-F687-4f45-9708-019B960494DF}">
-                <a14:hiddenLine xmlns:a14="http://schemas.microsoft.com/office/drawing/2010/main" xmlns="" w="38100">
+                <a14:hiddenLine xmlns="" xmlns:a14="http://schemas.microsoft.com/office/drawing/2010/main" w="38100">
                   <a:solidFill>
                     <a:srgbClr val="000000"/>
                   </a:solidFill>
@@ -11958,14 +11958,14 @@
             </a:ln>
             <a:extLst>
               <a:ext uri="{909E8E84-426E-40dd-AFC4-6F175D3DCCD1}">
-                <a14:hiddenFill xmlns:a14="http://schemas.microsoft.com/office/drawing/2010/main" xmlns="">
+                <a14:hiddenFill xmlns="" xmlns:a14="http://schemas.microsoft.com/office/drawing/2010/main">
                   <a:solidFill>
                     <a:srgbClr val="FFFFFF"/>
                   </a:solidFill>
                 </a14:hiddenFill>
               </a:ext>
               <a:ext uri="{91240B29-F687-4f45-9708-019B960494DF}">
-                <a14:hiddenLine xmlns:a14="http://schemas.microsoft.com/office/drawing/2010/main" xmlns="" w="38100">
+                <a14:hiddenLine xmlns="" xmlns:a14="http://schemas.microsoft.com/office/drawing/2010/main" w="38100">
                   <a:solidFill>
                     <a:srgbClr val="000000"/>
                   </a:solidFill>
@@ -12138,14 +12138,14 @@
             </a:ln>
             <a:extLst>
               <a:ext uri="{909E8E84-426E-40dd-AFC4-6F175D3DCCD1}">
-                <a14:hiddenFill xmlns:a14="http://schemas.microsoft.com/office/drawing/2010/main" xmlns="">
+                <a14:hiddenFill xmlns="" xmlns:a14="http://schemas.microsoft.com/office/drawing/2010/main">
                   <a:solidFill>
                     <a:srgbClr val="FFFFFF"/>
                   </a:solidFill>
                 </a14:hiddenFill>
               </a:ext>
               <a:ext uri="{91240B29-F687-4f45-9708-019B960494DF}">
-                <a14:hiddenLine xmlns:a14="http://schemas.microsoft.com/office/drawing/2010/main" xmlns="" w="38100">
+                <a14:hiddenLine xmlns="" xmlns:a14="http://schemas.microsoft.com/office/drawing/2010/main" w="38100">
                   <a:solidFill>
                     <a:srgbClr val="000000"/>
                   </a:solidFill>
@@ -12312,14 +12312,14 @@
             </a:ln>
             <a:extLst>
               <a:ext uri="{909E8E84-426E-40dd-AFC4-6F175D3DCCD1}">
-                <a14:hiddenFill xmlns:a14="http://schemas.microsoft.com/office/drawing/2010/main" xmlns="">
+                <a14:hiddenFill xmlns="" xmlns:a14="http://schemas.microsoft.com/office/drawing/2010/main">
                   <a:solidFill>
                     <a:srgbClr val="FFFFFF"/>
                   </a:solidFill>
                 </a14:hiddenFill>
               </a:ext>
               <a:ext uri="{91240B29-F687-4f45-9708-019B960494DF}">
-                <a14:hiddenLine xmlns:a14="http://schemas.microsoft.com/office/drawing/2010/main" xmlns="" w="38100">
+                <a14:hiddenLine xmlns="" xmlns:a14="http://schemas.microsoft.com/office/drawing/2010/main" w="38100">
                   <a:solidFill>
                     <a:srgbClr val="000000"/>
                   </a:solidFill>
@@ -13031,14 +13031,14 @@
             </a:ln>
             <a:extLst>
               <a:ext uri="{909E8E84-426E-40dd-AFC4-6F175D3DCCD1}">
-                <a14:hiddenFill xmlns:a14="http://schemas.microsoft.com/office/drawing/2010/main" xmlns="">
+                <a14:hiddenFill xmlns="" xmlns:a14="http://schemas.microsoft.com/office/drawing/2010/main">
                   <a:solidFill>
                     <a:srgbClr val="FFFFFF"/>
                   </a:solidFill>
                 </a14:hiddenFill>
               </a:ext>
               <a:ext uri="{91240B29-F687-4f45-9708-019B960494DF}">
-                <a14:hiddenLine xmlns:a14="http://schemas.microsoft.com/office/drawing/2010/main" xmlns="" w="9525">
+                <a14:hiddenLine xmlns="" xmlns:a14="http://schemas.microsoft.com/office/drawing/2010/main" w="9525">
                   <a:solidFill>
                     <a:srgbClr val="000000"/>
                   </a:solidFill>
@@ -13085,14 +13085,14 @@
             </a:ln>
             <a:extLst>
               <a:ext uri="{909E8E84-426E-40dd-AFC4-6F175D3DCCD1}">
-                <a14:hiddenFill xmlns:a14="http://schemas.microsoft.com/office/drawing/2010/main" xmlns="">
+                <a14:hiddenFill xmlns="" xmlns:a14="http://schemas.microsoft.com/office/drawing/2010/main">
                   <a:solidFill>
                     <a:srgbClr val="FFFFFF"/>
                   </a:solidFill>
                 </a14:hiddenFill>
               </a:ext>
               <a:ext uri="{91240B29-F687-4f45-9708-019B960494DF}">
-                <a14:hiddenLine xmlns:a14="http://schemas.microsoft.com/office/drawing/2010/main" xmlns="" w="9525">
+                <a14:hiddenLine xmlns="" xmlns:a14="http://schemas.microsoft.com/office/drawing/2010/main" w="9525">
                   <a:solidFill>
                     <a:srgbClr val="000000"/>
                   </a:solidFill>
@@ -13130,7 +13130,7 @@
             </a:ln>
             <a:extLst>
               <a:ext uri="{91240B29-F687-4f45-9708-019B960494DF}">
-                <a14:hiddenLine xmlns:a14="http://schemas.microsoft.com/office/drawing/2010/main" xmlns="" w="38100">
+                <a14:hiddenLine xmlns="" xmlns:a14="http://schemas.microsoft.com/office/drawing/2010/main" w="38100">
                   <a:solidFill>
                     <a:srgbClr val="000000"/>
                   </a:solidFill>
@@ -13171,14 +13171,14 @@
             </a:ln>
             <a:extLst>
               <a:ext uri="{909E8E84-426E-40dd-AFC4-6F175D3DCCD1}">
-                <a14:hiddenFill xmlns:a14="http://schemas.microsoft.com/office/drawing/2010/main" xmlns="">
+                <a14:hiddenFill xmlns="" xmlns:a14="http://schemas.microsoft.com/office/drawing/2010/main">
                   <a:solidFill>
                     <a:srgbClr val="FFFFFF"/>
                   </a:solidFill>
                 </a14:hiddenFill>
               </a:ext>
               <a:ext uri="{91240B29-F687-4f45-9708-019B960494DF}">
-                <a14:hiddenLine xmlns:a14="http://schemas.microsoft.com/office/drawing/2010/main" xmlns="" w="38100">
+                <a14:hiddenLine xmlns="" xmlns:a14="http://schemas.microsoft.com/office/drawing/2010/main" w="38100">
                   <a:solidFill>
                     <a:srgbClr val="000000"/>
                   </a:solidFill>
@@ -13351,14 +13351,14 @@
             </a:ln>
             <a:extLst>
               <a:ext uri="{909E8E84-426E-40dd-AFC4-6F175D3DCCD1}">
-                <a14:hiddenFill xmlns:a14="http://schemas.microsoft.com/office/drawing/2010/main" xmlns="">
+                <a14:hiddenFill xmlns="" xmlns:a14="http://schemas.microsoft.com/office/drawing/2010/main">
                   <a:solidFill>
                     <a:srgbClr val="FFFFFF"/>
                   </a:solidFill>
                 </a14:hiddenFill>
               </a:ext>
               <a:ext uri="{91240B29-F687-4f45-9708-019B960494DF}">
-                <a14:hiddenLine xmlns:a14="http://schemas.microsoft.com/office/drawing/2010/main" xmlns="" w="38100">
+                <a14:hiddenLine xmlns="" xmlns:a14="http://schemas.microsoft.com/office/drawing/2010/main" w="38100">
                   <a:solidFill>
                     <a:srgbClr val="000000"/>
                   </a:solidFill>
@@ -13525,14 +13525,14 @@
             </a:ln>
             <a:extLst>
               <a:ext uri="{909E8E84-426E-40dd-AFC4-6F175D3DCCD1}">
-                <a14:hiddenFill xmlns:a14="http://schemas.microsoft.com/office/drawing/2010/main" xmlns="">
+                <a14:hiddenFill xmlns="" xmlns:a14="http://schemas.microsoft.com/office/drawing/2010/main">
                   <a:solidFill>
                     <a:srgbClr val="FFFFFF"/>
                   </a:solidFill>
                 </a14:hiddenFill>
               </a:ext>
               <a:ext uri="{91240B29-F687-4f45-9708-019B960494DF}">
-                <a14:hiddenLine xmlns:a14="http://schemas.microsoft.com/office/drawing/2010/main" xmlns="" w="38100">
+                <a14:hiddenLine xmlns="" xmlns:a14="http://schemas.microsoft.com/office/drawing/2010/main" w="38100">
                   <a:solidFill>
                     <a:srgbClr val="000000"/>
                   </a:solidFill>
@@ -15069,7 +15069,7 @@
             <a:graphicData uri="http://schemas.openxmlformats.org/presentationml/2006/ole">
               <mc:AlternateContent xmlns:mc="http://schemas.openxmlformats.org/markup-compatibility/2006">
                 <mc:Choice xmlns:v="urn:schemas-microsoft-com:vml" Requires="v">
-                  <p:oleObj spid="_x0000_s1510" name="Clip" r:id="rId4" imgW="1307948" imgH="1084823" progId="MS_ClipArt_Gallery.2">
+                  <p:oleObj spid="_x0000_s1518" name="Clip" r:id="rId4" imgW="1307948" imgH="1084823" progId="MS_ClipArt_Gallery.2">
                     <p:embed/>
                   </p:oleObj>
                 </mc:Choice>
@@ -15112,14 +15112,14 @@
                         <a:effectLst/>
                         <a:extLst>
                           <a:ext uri="{909E8E84-426E-40dd-AFC4-6F175D3DCCD1}">
-                            <a14:hiddenFill xmlns:a14="http://schemas.microsoft.com/office/drawing/2010/main" xmlns="">
+                            <a14:hiddenFill xmlns="" xmlns:a14="http://schemas.microsoft.com/office/drawing/2010/main">
                               <a:solidFill>
                                 <a:srgbClr val="FFFFFF"/>
                               </a:solidFill>
                             </a14:hiddenFill>
                           </a:ext>
                           <a:ext uri="{91240B29-F687-4f45-9708-019B960494DF}">
-                            <a14:hiddenLine xmlns:a14="http://schemas.microsoft.com/office/drawing/2010/main" xmlns="" w="9525">
+                            <a14:hiddenLine xmlns="" xmlns:a14="http://schemas.microsoft.com/office/drawing/2010/main" w="9525">
                               <a:solidFill>
                                 <a:srgbClr val="000000"/>
                               </a:solidFill>
@@ -15129,7 +15129,7 @@
                             </a14:hiddenLine>
                           </a:ext>
                           <a:ext uri="{AF507438-7753-43e0-B8FC-AC1667EBCBE1}">
-                            <a14:hiddenEffects xmlns:a14="http://schemas.microsoft.com/office/drawing/2010/main" xmlns="">
+                            <a14:hiddenEffects xmlns="" xmlns:a14="http://schemas.microsoft.com/office/drawing/2010/main">
                               <a:effectLst>
                                 <a:outerShdw blurRad="63500" dist="38099" dir="2700000" algn="ctr" rotWithShape="0">
                                   <a:srgbClr val="000000">
@@ -15164,7 +15164,7 @@
             <a:graphicData uri="http://schemas.openxmlformats.org/presentationml/2006/ole">
               <mc:AlternateContent xmlns:mc="http://schemas.openxmlformats.org/markup-compatibility/2006">
                 <mc:Choice xmlns:v="urn:schemas-microsoft-com:vml" Requires="v">
-                  <p:oleObj spid="_x0000_s1511" name="Clip" r:id="rId6" imgW="1307948" imgH="1084823" progId="MS_ClipArt_Gallery.2">
+                  <p:oleObj spid="_x0000_s1519" name="Clip" r:id="rId6" imgW="1307948" imgH="1084823" progId="MS_ClipArt_Gallery.2">
                     <p:embed/>
                   </p:oleObj>
                 </mc:Choice>
@@ -15207,14 +15207,14 @@
                         <a:effectLst/>
                         <a:extLst>
                           <a:ext uri="{909E8E84-426E-40dd-AFC4-6F175D3DCCD1}">
-                            <a14:hiddenFill xmlns:a14="http://schemas.microsoft.com/office/drawing/2010/main" xmlns="">
+                            <a14:hiddenFill xmlns="" xmlns:a14="http://schemas.microsoft.com/office/drawing/2010/main">
                               <a:solidFill>
                                 <a:srgbClr val="FFFFFF"/>
                               </a:solidFill>
                             </a14:hiddenFill>
                           </a:ext>
                           <a:ext uri="{91240B29-F687-4f45-9708-019B960494DF}">
-                            <a14:hiddenLine xmlns:a14="http://schemas.microsoft.com/office/drawing/2010/main" xmlns="" w="9525">
+                            <a14:hiddenLine xmlns="" xmlns:a14="http://schemas.microsoft.com/office/drawing/2010/main" w="9525">
                               <a:solidFill>
                                 <a:srgbClr val="000000"/>
                               </a:solidFill>
@@ -15224,7 +15224,7 @@
                             </a14:hiddenLine>
                           </a:ext>
                           <a:ext uri="{AF507438-7753-43e0-B8FC-AC1667EBCBE1}">
-                            <a14:hiddenEffects xmlns:a14="http://schemas.microsoft.com/office/drawing/2010/main" xmlns="">
+                            <a14:hiddenEffects xmlns="" xmlns:a14="http://schemas.microsoft.com/office/drawing/2010/main">
                               <a:effectLst>
                                 <a:outerShdw blurRad="63500" dist="38099" dir="2700000" algn="ctr" rotWithShape="0">
                                   <a:srgbClr val="000000">
@@ -15259,7 +15259,7 @@
             <a:graphicData uri="http://schemas.openxmlformats.org/presentationml/2006/ole">
               <mc:AlternateContent xmlns:mc="http://schemas.openxmlformats.org/markup-compatibility/2006">
                 <mc:Choice xmlns:v="urn:schemas-microsoft-com:vml" Requires="v">
-                  <p:oleObj spid="_x0000_s1512" name="Clip" r:id="rId7" imgW="1307948" imgH="1084823" progId="MS_ClipArt_Gallery.2">
+                  <p:oleObj spid="_x0000_s1520" name="Clip" r:id="rId7" imgW="1307948" imgH="1084823" progId="MS_ClipArt_Gallery.2">
                     <p:embed/>
                   </p:oleObj>
                 </mc:Choice>
@@ -15302,14 +15302,14 @@
                         <a:effectLst/>
                         <a:extLst>
                           <a:ext uri="{909E8E84-426E-40dd-AFC4-6F175D3DCCD1}">
-                            <a14:hiddenFill xmlns:a14="http://schemas.microsoft.com/office/drawing/2010/main" xmlns="">
+                            <a14:hiddenFill xmlns="" xmlns:a14="http://schemas.microsoft.com/office/drawing/2010/main">
                               <a:solidFill>
                                 <a:srgbClr val="FFFFFF"/>
                               </a:solidFill>
                             </a14:hiddenFill>
                           </a:ext>
                           <a:ext uri="{91240B29-F687-4f45-9708-019B960494DF}">
-                            <a14:hiddenLine xmlns:a14="http://schemas.microsoft.com/office/drawing/2010/main" xmlns="" w="9525">
+                            <a14:hiddenLine xmlns="" xmlns:a14="http://schemas.microsoft.com/office/drawing/2010/main" w="9525">
                               <a:solidFill>
                                 <a:srgbClr val="000000"/>
                               </a:solidFill>
@@ -15319,7 +15319,7 @@
                             </a14:hiddenLine>
                           </a:ext>
                           <a:ext uri="{AF507438-7753-43e0-B8FC-AC1667EBCBE1}">
-                            <a14:hiddenEffects xmlns:a14="http://schemas.microsoft.com/office/drawing/2010/main" xmlns="">
+                            <a14:hiddenEffects xmlns="" xmlns:a14="http://schemas.microsoft.com/office/drawing/2010/main">
                               <a:effectLst>
                                 <a:outerShdw blurRad="63500" dist="38099" dir="2700000" algn="ctr" rotWithShape="0">
                                   <a:srgbClr val="000000">
@@ -15354,7 +15354,7 @@
             <a:graphicData uri="http://schemas.openxmlformats.org/presentationml/2006/ole">
               <mc:AlternateContent xmlns:mc="http://schemas.openxmlformats.org/markup-compatibility/2006">
                 <mc:Choice xmlns:v="urn:schemas-microsoft-com:vml" Requires="v">
-                  <p:oleObj spid="_x0000_s1513" name="Clip" r:id="rId8" imgW="1307948" imgH="1084823" progId="MS_ClipArt_Gallery.2">
+                  <p:oleObj spid="_x0000_s1521" name="Clip" r:id="rId8" imgW="1307948" imgH="1084823" progId="MS_ClipArt_Gallery.2">
                     <p:embed/>
                   </p:oleObj>
                 </mc:Choice>
@@ -15397,14 +15397,14 @@
                         <a:effectLst/>
                         <a:extLst>
                           <a:ext uri="{909E8E84-426E-40dd-AFC4-6F175D3DCCD1}">
-                            <a14:hiddenFill xmlns:a14="http://schemas.microsoft.com/office/drawing/2010/main" xmlns="">
+                            <a14:hiddenFill xmlns="" xmlns:a14="http://schemas.microsoft.com/office/drawing/2010/main">
                               <a:solidFill>
                                 <a:srgbClr val="FFFFFF"/>
                               </a:solidFill>
                             </a14:hiddenFill>
                           </a:ext>
                           <a:ext uri="{91240B29-F687-4f45-9708-019B960494DF}">
-                            <a14:hiddenLine xmlns:a14="http://schemas.microsoft.com/office/drawing/2010/main" xmlns="" w="9525">
+                            <a14:hiddenLine xmlns="" xmlns:a14="http://schemas.microsoft.com/office/drawing/2010/main" w="9525">
                               <a:solidFill>
                                 <a:srgbClr val="000000"/>
                               </a:solidFill>
@@ -15414,7 +15414,7 @@
                             </a14:hiddenLine>
                           </a:ext>
                           <a:ext uri="{AF507438-7753-43e0-B8FC-AC1667EBCBE1}">
-                            <a14:hiddenEffects xmlns:a14="http://schemas.microsoft.com/office/drawing/2010/main" xmlns="">
+                            <a14:hiddenEffects xmlns="" xmlns:a14="http://schemas.microsoft.com/office/drawing/2010/main">
                               <a:effectLst>
                                 <a:outerShdw blurRad="63500" dist="38099" dir="2700000" algn="ctr" rotWithShape="0">
                                   <a:srgbClr val="000000">
@@ -15604,7 +15604,7 @@
             </a:ln>
             <a:extLst>
               <a:ext uri="{909E8E84-426E-40dd-AFC4-6F175D3DCCD1}">
-                <a14:hiddenFill xmlns:a14="http://schemas.microsoft.com/office/drawing/2010/main" xmlns="">
+                <a14:hiddenFill xmlns="" xmlns:a14="http://schemas.microsoft.com/office/drawing/2010/main">
                   <a:noFill/>
                 </a14:hiddenFill>
               </a:ext>
@@ -15645,7 +15645,7 @@
             </a:ln>
             <a:extLst>
               <a:ext uri="{909E8E84-426E-40dd-AFC4-6F175D3DCCD1}">
-                <a14:hiddenFill xmlns:a14="http://schemas.microsoft.com/office/drawing/2010/main" xmlns="">
+                <a14:hiddenFill xmlns="" xmlns:a14="http://schemas.microsoft.com/office/drawing/2010/main">
                   <a:noFill/>
                 </a14:hiddenFill>
               </a:ext>
@@ -15686,7 +15686,7 @@
             </a:ln>
             <a:extLst>
               <a:ext uri="{909E8E84-426E-40dd-AFC4-6F175D3DCCD1}">
-                <a14:hiddenFill xmlns:a14="http://schemas.microsoft.com/office/drawing/2010/main" xmlns="">
+                <a14:hiddenFill xmlns="" xmlns:a14="http://schemas.microsoft.com/office/drawing/2010/main">
                   <a:noFill/>
                 </a14:hiddenFill>
               </a:ext>
@@ -15727,7 +15727,7 @@
             </a:ln>
             <a:extLst>
               <a:ext uri="{909E8E84-426E-40dd-AFC4-6F175D3DCCD1}">
-                <a14:hiddenFill xmlns:a14="http://schemas.microsoft.com/office/drawing/2010/main" xmlns="">
+                <a14:hiddenFill xmlns="" xmlns:a14="http://schemas.microsoft.com/office/drawing/2010/main">
                   <a:noFill/>
                 </a14:hiddenFill>
               </a:ext>
@@ -15763,14 +15763,14 @@
             </a:ln>
             <a:extLst>
               <a:ext uri="{909E8E84-426E-40dd-AFC4-6F175D3DCCD1}">
-                <a14:hiddenFill xmlns:a14="http://schemas.microsoft.com/office/drawing/2010/main" xmlns="">
+                <a14:hiddenFill xmlns="" xmlns:a14="http://schemas.microsoft.com/office/drawing/2010/main">
                   <a:solidFill>
                     <a:srgbClr val="FFFFFF"/>
                   </a:solidFill>
                 </a14:hiddenFill>
               </a:ext>
               <a:ext uri="{91240B29-F687-4f45-9708-019B960494DF}">
-                <a14:hiddenLine xmlns:a14="http://schemas.microsoft.com/office/drawing/2010/main" xmlns="" w="9525">
+                <a14:hiddenLine xmlns="" xmlns:a14="http://schemas.microsoft.com/office/drawing/2010/main" w="9525">
                   <a:solidFill>
                     <a:srgbClr val="000000"/>
                   </a:solidFill>
@@ -15950,7 +15950,7 @@
             </a:ln>
             <a:extLst>
               <a:ext uri="{909E8E84-426E-40dd-AFC4-6F175D3DCCD1}">
-                <a14:hiddenFill xmlns:a14="http://schemas.microsoft.com/office/drawing/2010/main" xmlns="">
+                <a14:hiddenFill xmlns="" xmlns:a14="http://schemas.microsoft.com/office/drawing/2010/main">
                   <a:noFill/>
                 </a14:hiddenFill>
               </a:ext>
@@ -15986,14 +15986,14 @@
             </a:ln>
             <a:extLst>
               <a:ext uri="{909E8E84-426E-40dd-AFC4-6F175D3DCCD1}">
-                <a14:hiddenFill xmlns:a14="http://schemas.microsoft.com/office/drawing/2010/main" xmlns="">
+                <a14:hiddenFill xmlns="" xmlns:a14="http://schemas.microsoft.com/office/drawing/2010/main">
                   <a:solidFill>
                     <a:srgbClr val="FFFFFF"/>
                   </a:solidFill>
                 </a14:hiddenFill>
               </a:ext>
               <a:ext uri="{91240B29-F687-4f45-9708-019B960494DF}">
-                <a14:hiddenLine xmlns:a14="http://schemas.microsoft.com/office/drawing/2010/main" xmlns="" w="38100">
+                <a14:hiddenLine xmlns="" xmlns:a14="http://schemas.microsoft.com/office/drawing/2010/main" w="38100">
                   <a:solidFill>
                     <a:srgbClr val="000000"/>
                   </a:solidFill>
@@ -16157,14 +16157,14 @@
             </a:ln>
             <a:extLst>
               <a:ext uri="{909E8E84-426E-40dd-AFC4-6F175D3DCCD1}">
-                <a14:hiddenFill xmlns:a14="http://schemas.microsoft.com/office/drawing/2010/main" xmlns="">
+                <a14:hiddenFill xmlns="" xmlns:a14="http://schemas.microsoft.com/office/drawing/2010/main">
                   <a:solidFill>
                     <a:srgbClr val="FFFFFF"/>
                   </a:solidFill>
                 </a14:hiddenFill>
               </a:ext>
               <a:ext uri="{91240B29-F687-4f45-9708-019B960494DF}">
-                <a14:hiddenLine xmlns:a14="http://schemas.microsoft.com/office/drawing/2010/main" xmlns="" w="38100">
+                <a14:hiddenLine xmlns="" xmlns:a14="http://schemas.microsoft.com/office/drawing/2010/main" w="38100">
                   <a:solidFill>
                     <a:srgbClr val="000000"/>
                   </a:solidFill>
@@ -16328,14 +16328,14 @@
             </a:ln>
             <a:extLst>
               <a:ext uri="{909E8E84-426E-40dd-AFC4-6F175D3DCCD1}">
-                <a14:hiddenFill xmlns:a14="http://schemas.microsoft.com/office/drawing/2010/main" xmlns="">
+                <a14:hiddenFill xmlns="" xmlns:a14="http://schemas.microsoft.com/office/drawing/2010/main">
                   <a:solidFill>
                     <a:srgbClr val="FFFFFF"/>
                   </a:solidFill>
                 </a14:hiddenFill>
               </a:ext>
               <a:ext uri="{91240B29-F687-4f45-9708-019B960494DF}">
-                <a14:hiddenLine xmlns:a14="http://schemas.microsoft.com/office/drawing/2010/main" xmlns="" w="38100">
+                <a14:hiddenLine xmlns="" xmlns:a14="http://schemas.microsoft.com/office/drawing/2010/main" w="38100">
                   <a:solidFill>
                     <a:srgbClr val="000000"/>
                   </a:solidFill>
@@ -16499,14 +16499,14 @@
             </a:ln>
             <a:extLst>
               <a:ext uri="{909E8E84-426E-40dd-AFC4-6F175D3DCCD1}">
-                <a14:hiddenFill xmlns:a14="http://schemas.microsoft.com/office/drawing/2010/main" xmlns="">
+                <a14:hiddenFill xmlns="" xmlns:a14="http://schemas.microsoft.com/office/drawing/2010/main">
                   <a:solidFill>
                     <a:srgbClr val="FFFFFF"/>
                   </a:solidFill>
                 </a14:hiddenFill>
               </a:ext>
               <a:ext uri="{91240B29-F687-4f45-9708-019B960494DF}">
-                <a14:hiddenLine xmlns:a14="http://schemas.microsoft.com/office/drawing/2010/main" xmlns="" w="38100">
+                <a14:hiddenLine xmlns="" xmlns:a14="http://schemas.microsoft.com/office/drawing/2010/main" w="38100">
                   <a:solidFill>
                     <a:srgbClr val="000000"/>
                   </a:solidFill>
@@ -16925,7 +16925,7 @@
           <a:graphicData uri="http://schemas.openxmlformats.org/presentationml/2006/ole">
             <mc:AlternateContent xmlns:mc="http://schemas.openxmlformats.org/markup-compatibility/2006">
               <mc:Choice xmlns:v="urn:schemas-microsoft-com:vml" Requires="v">
-                <p:oleObj spid="_x0000_s2534" name="Clip" r:id="rId4" imgW="1307948" imgH="1084823" progId="MS_ClipArt_Gallery.2">
+                <p:oleObj spid="_x0000_s2542" name="Clip" r:id="rId4" imgW="1307948" imgH="1084823" progId="MS_ClipArt_Gallery.2">
                   <p:embed/>
                 </p:oleObj>
               </mc:Choice>
@@ -16968,14 +16968,14 @@
                       <a:effectLst/>
                       <a:extLst>
                         <a:ext uri="{909E8E84-426E-40dd-AFC4-6F175D3DCCD1}">
-                          <a14:hiddenFill xmlns="" xmlns:a14="http://schemas.microsoft.com/office/drawing/2010/main">
+                          <a14:hiddenFill xmlns:a14="http://schemas.microsoft.com/office/drawing/2010/main" xmlns="">
                             <a:solidFill>
                               <a:srgbClr val="FFFFFF"/>
                             </a:solidFill>
                           </a14:hiddenFill>
                         </a:ext>
                         <a:ext uri="{91240B29-F687-4f45-9708-019B960494DF}">
-                          <a14:hiddenLine xmlns="" xmlns:a14="http://schemas.microsoft.com/office/drawing/2010/main" w="9525">
+                          <a14:hiddenLine xmlns:a14="http://schemas.microsoft.com/office/drawing/2010/main" xmlns="" w="9525">
                             <a:solidFill>
                               <a:srgbClr val="000000"/>
                             </a:solidFill>
@@ -16985,7 +16985,7 @@
                           </a14:hiddenLine>
                         </a:ext>
                         <a:ext uri="{AF507438-7753-43e0-B8FC-AC1667EBCBE1}">
-                          <a14:hiddenEffects xmlns="" xmlns:a14="http://schemas.microsoft.com/office/drawing/2010/main">
+                          <a14:hiddenEffects xmlns:a14="http://schemas.microsoft.com/office/drawing/2010/main" xmlns="">
                             <a:effectLst>
                               <a:outerShdw blurRad="63500" dist="38099" dir="2700000" algn="ctr" rotWithShape="0">
                                 <a:srgbClr val="000000">
@@ -17020,7 +17020,7 @@
           <a:graphicData uri="http://schemas.openxmlformats.org/presentationml/2006/ole">
             <mc:AlternateContent xmlns:mc="http://schemas.openxmlformats.org/markup-compatibility/2006">
               <mc:Choice xmlns:v="urn:schemas-microsoft-com:vml" Requires="v">
-                <p:oleObj spid="_x0000_s2535" name="Clip" r:id="rId6" imgW="1307948" imgH="1084823" progId="MS_ClipArt_Gallery.2">
+                <p:oleObj spid="_x0000_s2543" name="Clip" r:id="rId6" imgW="1307948" imgH="1084823" progId="MS_ClipArt_Gallery.2">
                   <p:embed/>
                 </p:oleObj>
               </mc:Choice>
@@ -17063,14 +17063,14 @@
                       <a:effectLst/>
                       <a:extLst>
                         <a:ext uri="{909E8E84-426E-40dd-AFC4-6F175D3DCCD1}">
-                          <a14:hiddenFill xmlns="" xmlns:a14="http://schemas.microsoft.com/office/drawing/2010/main">
+                          <a14:hiddenFill xmlns:a14="http://schemas.microsoft.com/office/drawing/2010/main" xmlns="">
                             <a:solidFill>
                               <a:srgbClr val="FFFFFF"/>
                             </a:solidFill>
                           </a14:hiddenFill>
                         </a:ext>
                         <a:ext uri="{91240B29-F687-4f45-9708-019B960494DF}">
-                          <a14:hiddenLine xmlns="" xmlns:a14="http://schemas.microsoft.com/office/drawing/2010/main" w="9525">
+                          <a14:hiddenLine xmlns:a14="http://schemas.microsoft.com/office/drawing/2010/main" xmlns="" w="9525">
                             <a:solidFill>
                               <a:srgbClr val="000000"/>
                             </a:solidFill>
@@ -17080,7 +17080,7 @@
                           </a14:hiddenLine>
                         </a:ext>
                         <a:ext uri="{AF507438-7753-43e0-B8FC-AC1667EBCBE1}">
-                          <a14:hiddenEffects xmlns="" xmlns:a14="http://schemas.microsoft.com/office/drawing/2010/main">
+                          <a14:hiddenEffects xmlns:a14="http://schemas.microsoft.com/office/drawing/2010/main" xmlns="">
                             <a:effectLst>
                               <a:outerShdw blurRad="63500" dist="38099" dir="2700000" algn="ctr" rotWithShape="0">
                                 <a:srgbClr val="000000">
@@ -17115,7 +17115,7 @@
           <a:graphicData uri="http://schemas.openxmlformats.org/presentationml/2006/ole">
             <mc:AlternateContent xmlns:mc="http://schemas.openxmlformats.org/markup-compatibility/2006">
               <mc:Choice xmlns:v="urn:schemas-microsoft-com:vml" Requires="v">
-                <p:oleObj spid="_x0000_s2536" name="Clip" r:id="rId7" imgW="1307948" imgH="1084823" progId="MS_ClipArt_Gallery.2">
+                <p:oleObj spid="_x0000_s2544" name="Clip" r:id="rId7" imgW="1307948" imgH="1084823" progId="MS_ClipArt_Gallery.2">
                   <p:embed/>
                 </p:oleObj>
               </mc:Choice>
@@ -17158,14 +17158,14 @@
                       <a:effectLst/>
                       <a:extLst>
                         <a:ext uri="{909E8E84-426E-40dd-AFC4-6F175D3DCCD1}">
-                          <a14:hiddenFill xmlns="" xmlns:a14="http://schemas.microsoft.com/office/drawing/2010/main">
+                          <a14:hiddenFill xmlns:a14="http://schemas.microsoft.com/office/drawing/2010/main" xmlns="">
                             <a:solidFill>
                               <a:srgbClr val="FFFFFF"/>
                             </a:solidFill>
                           </a14:hiddenFill>
                         </a:ext>
                         <a:ext uri="{91240B29-F687-4f45-9708-019B960494DF}">
-                          <a14:hiddenLine xmlns="" xmlns:a14="http://schemas.microsoft.com/office/drawing/2010/main" w="9525">
+                          <a14:hiddenLine xmlns:a14="http://schemas.microsoft.com/office/drawing/2010/main" xmlns="" w="9525">
                             <a:solidFill>
                               <a:srgbClr val="000000"/>
                             </a:solidFill>
@@ -17175,7 +17175,7 @@
                           </a14:hiddenLine>
                         </a:ext>
                         <a:ext uri="{AF507438-7753-43e0-B8FC-AC1667EBCBE1}">
-                          <a14:hiddenEffects xmlns="" xmlns:a14="http://schemas.microsoft.com/office/drawing/2010/main">
+                          <a14:hiddenEffects xmlns:a14="http://schemas.microsoft.com/office/drawing/2010/main" xmlns="">
                             <a:effectLst>
                               <a:outerShdw blurRad="63500" dist="38099" dir="2700000" algn="ctr" rotWithShape="0">
                                 <a:srgbClr val="000000">
@@ -17210,7 +17210,7 @@
           <a:graphicData uri="http://schemas.openxmlformats.org/presentationml/2006/ole">
             <mc:AlternateContent xmlns:mc="http://schemas.openxmlformats.org/markup-compatibility/2006">
               <mc:Choice xmlns:v="urn:schemas-microsoft-com:vml" Requires="v">
-                <p:oleObj spid="_x0000_s2537" name="Clip" r:id="rId8" imgW="1307948" imgH="1084823" progId="MS_ClipArt_Gallery.2">
+                <p:oleObj spid="_x0000_s2545" name="Clip" r:id="rId8" imgW="1307948" imgH="1084823" progId="MS_ClipArt_Gallery.2">
                   <p:embed/>
                 </p:oleObj>
               </mc:Choice>
@@ -17253,14 +17253,14 @@
                       <a:effectLst/>
                       <a:extLst>
                         <a:ext uri="{909E8E84-426E-40dd-AFC4-6F175D3DCCD1}">
-                          <a14:hiddenFill xmlns="" xmlns:a14="http://schemas.microsoft.com/office/drawing/2010/main">
+                          <a14:hiddenFill xmlns:a14="http://schemas.microsoft.com/office/drawing/2010/main" xmlns="">
                             <a:solidFill>
                               <a:srgbClr val="FFFFFF"/>
                             </a:solidFill>
                           </a14:hiddenFill>
                         </a:ext>
                         <a:ext uri="{91240B29-F687-4f45-9708-019B960494DF}">
-                          <a14:hiddenLine xmlns="" xmlns:a14="http://schemas.microsoft.com/office/drawing/2010/main" w="9525">
+                          <a14:hiddenLine xmlns:a14="http://schemas.microsoft.com/office/drawing/2010/main" xmlns="" w="9525">
                             <a:solidFill>
                               <a:srgbClr val="000000"/>
                             </a:solidFill>
@@ -17270,7 +17270,7 @@
                           </a14:hiddenLine>
                         </a:ext>
                         <a:ext uri="{AF507438-7753-43e0-B8FC-AC1667EBCBE1}">
-                          <a14:hiddenEffects xmlns="" xmlns:a14="http://schemas.microsoft.com/office/drawing/2010/main">
+                          <a14:hiddenEffects xmlns:a14="http://schemas.microsoft.com/office/drawing/2010/main" xmlns="">
                             <a:effectLst>
                               <a:outerShdw blurRad="63500" dist="38099" dir="2700000" algn="ctr" rotWithShape="0">
                                 <a:srgbClr val="000000">
@@ -17460,7 +17460,7 @@
           </a:ln>
           <a:extLst>
             <a:ext uri="{909E8E84-426E-40dd-AFC4-6F175D3DCCD1}">
-              <a14:hiddenFill xmlns="" xmlns:a14="http://schemas.microsoft.com/office/drawing/2010/main">
+              <a14:hiddenFill xmlns:a14="http://schemas.microsoft.com/office/drawing/2010/main" xmlns="">
                 <a:noFill/>
               </a14:hiddenFill>
             </a:ext>
@@ -17501,7 +17501,7 @@
           </a:ln>
           <a:extLst>
             <a:ext uri="{909E8E84-426E-40dd-AFC4-6F175D3DCCD1}">
-              <a14:hiddenFill xmlns="" xmlns:a14="http://schemas.microsoft.com/office/drawing/2010/main">
+              <a14:hiddenFill xmlns:a14="http://schemas.microsoft.com/office/drawing/2010/main" xmlns="">
                 <a:noFill/>
               </a14:hiddenFill>
             </a:ext>
@@ -17542,7 +17542,7 @@
           </a:ln>
           <a:extLst>
             <a:ext uri="{909E8E84-426E-40dd-AFC4-6F175D3DCCD1}">
-              <a14:hiddenFill xmlns="" xmlns:a14="http://schemas.microsoft.com/office/drawing/2010/main">
+              <a14:hiddenFill xmlns:a14="http://schemas.microsoft.com/office/drawing/2010/main" xmlns="">
                 <a:noFill/>
               </a14:hiddenFill>
             </a:ext>
@@ -17583,7 +17583,7 @@
           </a:ln>
           <a:extLst>
             <a:ext uri="{909E8E84-426E-40dd-AFC4-6F175D3DCCD1}">
-              <a14:hiddenFill xmlns="" xmlns:a14="http://schemas.microsoft.com/office/drawing/2010/main">
+              <a14:hiddenFill xmlns:a14="http://schemas.microsoft.com/office/drawing/2010/main" xmlns="">
                 <a:noFill/>
               </a14:hiddenFill>
             </a:ext>
@@ -17619,14 +17619,14 @@
           </a:ln>
           <a:extLst>
             <a:ext uri="{909E8E84-426E-40dd-AFC4-6F175D3DCCD1}">
-              <a14:hiddenFill xmlns="" xmlns:a14="http://schemas.microsoft.com/office/drawing/2010/main">
+              <a14:hiddenFill xmlns:a14="http://schemas.microsoft.com/office/drawing/2010/main" xmlns="">
                 <a:solidFill>
                   <a:srgbClr val="FFFFFF"/>
                 </a:solidFill>
               </a14:hiddenFill>
             </a:ext>
             <a:ext uri="{91240B29-F687-4f45-9708-019B960494DF}">
-              <a14:hiddenLine xmlns="" xmlns:a14="http://schemas.microsoft.com/office/drawing/2010/main" w="38100">
+              <a14:hiddenLine xmlns:a14="http://schemas.microsoft.com/office/drawing/2010/main" xmlns="" w="38100">
                 <a:solidFill>
                   <a:srgbClr val="000000"/>
                 </a:solidFill>
@@ -17790,14 +17790,14 @@
           </a:ln>
           <a:extLst>
             <a:ext uri="{909E8E84-426E-40dd-AFC4-6F175D3DCCD1}">
-              <a14:hiddenFill xmlns="" xmlns:a14="http://schemas.microsoft.com/office/drawing/2010/main">
+              <a14:hiddenFill xmlns:a14="http://schemas.microsoft.com/office/drawing/2010/main" xmlns="">
                 <a:solidFill>
                   <a:srgbClr val="FFFFFF"/>
                 </a:solidFill>
               </a14:hiddenFill>
             </a:ext>
             <a:ext uri="{91240B29-F687-4f45-9708-019B960494DF}">
-              <a14:hiddenLine xmlns="" xmlns:a14="http://schemas.microsoft.com/office/drawing/2010/main" w="38100">
+              <a14:hiddenLine xmlns:a14="http://schemas.microsoft.com/office/drawing/2010/main" xmlns="" w="38100">
                 <a:solidFill>
                   <a:srgbClr val="000000"/>
                 </a:solidFill>
@@ -17961,14 +17961,14 @@
           </a:ln>
           <a:extLst>
             <a:ext uri="{909E8E84-426E-40dd-AFC4-6F175D3DCCD1}">
-              <a14:hiddenFill xmlns="" xmlns:a14="http://schemas.microsoft.com/office/drawing/2010/main">
+              <a14:hiddenFill xmlns:a14="http://schemas.microsoft.com/office/drawing/2010/main" xmlns="">
                 <a:solidFill>
                   <a:srgbClr val="FFFFFF"/>
                 </a:solidFill>
               </a14:hiddenFill>
             </a:ext>
             <a:ext uri="{91240B29-F687-4f45-9708-019B960494DF}">
-              <a14:hiddenLine xmlns="" xmlns:a14="http://schemas.microsoft.com/office/drawing/2010/main" w="38100">
+              <a14:hiddenLine xmlns:a14="http://schemas.microsoft.com/office/drawing/2010/main" xmlns="" w="38100">
                 <a:solidFill>
                   <a:srgbClr val="000000"/>
                 </a:solidFill>
@@ -18132,14 +18132,14 @@
           </a:ln>
           <a:extLst>
             <a:ext uri="{909E8E84-426E-40dd-AFC4-6F175D3DCCD1}">
-              <a14:hiddenFill xmlns="" xmlns:a14="http://schemas.microsoft.com/office/drawing/2010/main">
+              <a14:hiddenFill xmlns:a14="http://schemas.microsoft.com/office/drawing/2010/main" xmlns="">
                 <a:solidFill>
                   <a:srgbClr val="FFFFFF"/>
                 </a:solidFill>
               </a14:hiddenFill>
             </a:ext>
             <a:ext uri="{91240B29-F687-4f45-9708-019B960494DF}">
-              <a14:hiddenLine xmlns="" xmlns:a14="http://schemas.microsoft.com/office/drawing/2010/main" w="38100">
+              <a14:hiddenLine xmlns:a14="http://schemas.microsoft.com/office/drawing/2010/main" xmlns="" w="38100">
                 <a:solidFill>
                   <a:srgbClr val="000000"/>
                 </a:solidFill>
@@ -18305,7 +18305,7 @@
           </a:ln>
           <a:extLst>
             <a:ext uri="{91240B29-F687-4f45-9708-019B960494DF}">
-              <a14:hiddenLine xmlns="" xmlns:a14="http://schemas.microsoft.com/office/drawing/2010/main" w="38100">
+              <a14:hiddenLine xmlns:a14="http://schemas.microsoft.com/office/drawing/2010/main" xmlns="" w="38100">
                 <a:solidFill>
                   <a:srgbClr val="000000"/>
                 </a:solidFill>
@@ -18348,7 +18348,7 @@
           </a:ln>
           <a:extLst>
             <a:ext uri="{91240B29-F687-4f45-9708-019B960494DF}">
-              <a14:hiddenLine xmlns="" xmlns:a14="http://schemas.microsoft.com/office/drawing/2010/main" w="38100">
+              <a14:hiddenLine xmlns:a14="http://schemas.microsoft.com/office/drawing/2010/main" xmlns="" w="38100">
                 <a:solidFill>
                   <a:srgbClr val="000000"/>
                 </a:solidFill>
@@ -18394,7 +18394,7 @@
           </a:ln>
           <a:extLst>
             <a:ext uri="{909E8E84-426E-40dd-AFC4-6F175D3DCCD1}">
-              <a14:hiddenFill xmlns="" xmlns:a14="http://schemas.microsoft.com/office/drawing/2010/main">
+              <a14:hiddenFill xmlns:a14="http://schemas.microsoft.com/office/drawing/2010/main" xmlns="">
                 <a:solidFill>
                   <a:srgbClr val="FFFFFF"/>
                 </a:solidFill>
@@ -18560,7 +18560,7 @@
           </a:ln>
           <a:extLst>
             <a:ext uri="{909E8E84-426E-40dd-AFC4-6F175D3DCCD1}">
-              <a14:hiddenFill xmlns="" xmlns:a14="http://schemas.microsoft.com/office/drawing/2010/main">
+              <a14:hiddenFill xmlns:a14="http://schemas.microsoft.com/office/drawing/2010/main" xmlns="">
                 <a:noFill/>
               </a14:hiddenFill>
             </a:ext>
@@ -20766,7 +20766,7 @@
                   <a:srgbClr val="0000FF"/>
                 </a:solidFill>
               </a:rPr>
-              <a:t>30%</a:t>
+              <a:t>35%</a:t>
             </a:r>
           </a:p>
           <a:p>
@@ -20840,23 +20840,7 @@
                   <a:srgbClr val="0000FF"/>
                 </a:solidFill>
               </a:rPr>
-              <a:t>Defaults to </a:t>
-            </a:r>
-            <a:r>
-              <a:rPr lang="en-US">
-                <a:solidFill>
-                  <a:srgbClr val="0000FF"/>
-                </a:solidFill>
-              </a:rPr>
-              <a:t>8AM EST Dec </a:t>
-            </a:r>
-            <a:r>
-              <a:rPr lang="en-US" dirty="0">
-                <a:solidFill>
-                  <a:srgbClr val="0000FF"/>
-                </a:solidFill>
-              </a:rPr>
-              <a:t>16</a:t>
+              <a:t>Defaults to 8AM EST Dec 16</a:t>
             </a:r>
           </a:p>
         </p:txBody>
@@ -23048,7 +23032,7 @@
             </a:ln>
             <a:extLst>
               <a:ext uri="{909E8E84-426E-40dd-AFC4-6F175D3DCCD1}">
-                <a14:hiddenFill xmlns="" xmlns:a14="http://schemas.microsoft.com/office/drawing/2010/main">
+                <a14:hiddenFill xmlns:a14="http://schemas.microsoft.com/office/drawing/2010/main" xmlns="">
                   <a:noFill/>
                 </a14:hiddenFill>
               </a:ext>
@@ -23089,7 +23073,7 @@
             </a:ln>
             <a:extLst>
               <a:ext uri="{909E8E84-426E-40dd-AFC4-6F175D3DCCD1}">
-                <a14:hiddenFill xmlns="" xmlns:a14="http://schemas.microsoft.com/office/drawing/2010/main">
+                <a14:hiddenFill xmlns:a14="http://schemas.microsoft.com/office/drawing/2010/main" xmlns="">
                   <a:noFill/>
                 </a14:hiddenFill>
               </a:ext>
@@ -23130,7 +23114,7 @@
             </a:ln>
             <a:extLst>
               <a:ext uri="{909E8E84-426E-40dd-AFC4-6F175D3DCCD1}">
-                <a14:hiddenFill xmlns="" xmlns:a14="http://schemas.microsoft.com/office/drawing/2010/main">
+                <a14:hiddenFill xmlns:a14="http://schemas.microsoft.com/office/drawing/2010/main" xmlns="">
                   <a:noFill/>
                 </a14:hiddenFill>
               </a:ext>
@@ -23171,7 +23155,7 @@
             </a:ln>
             <a:extLst>
               <a:ext uri="{909E8E84-426E-40dd-AFC4-6F175D3DCCD1}">
-                <a14:hiddenFill xmlns="" xmlns:a14="http://schemas.microsoft.com/office/drawing/2010/main">
+                <a14:hiddenFill xmlns:a14="http://schemas.microsoft.com/office/drawing/2010/main" xmlns="">
                   <a:noFill/>
                 </a14:hiddenFill>
               </a:ext>
@@ -23344,14 +23328,14 @@
             </a:ln>
             <a:extLst>
               <a:ext uri="{909E8E84-426E-40dd-AFC4-6F175D3DCCD1}">
-                <a14:hiddenFill xmlns="" xmlns:a14="http://schemas.microsoft.com/office/drawing/2010/main">
+                <a14:hiddenFill xmlns:a14="http://schemas.microsoft.com/office/drawing/2010/main" xmlns="">
                   <a:solidFill>
                     <a:srgbClr val="FFFFFF"/>
                   </a:solidFill>
                 </a14:hiddenFill>
               </a:ext>
               <a:ext uri="{91240B29-F687-4f45-9708-019B960494DF}">
-                <a14:hiddenLine xmlns="" xmlns:a14="http://schemas.microsoft.com/office/drawing/2010/main" w="12700">
+                <a14:hiddenLine xmlns:a14="http://schemas.microsoft.com/office/drawing/2010/main" xmlns="" w="12700">
                   <a:solidFill>
                     <a:srgbClr val="000000"/>
                   </a:solidFill>
@@ -23520,7 +23504,7 @@
             </a:ln>
             <a:extLst>
               <a:ext uri="{909E8E84-426E-40dd-AFC4-6F175D3DCCD1}">
-                <a14:hiddenFill xmlns="" xmlns:a14="http://schemas.microsoft.com/office/drawing/2010/main">
+                <a14:hiddenFill xmlns:a14="http://schemas.microsoft.com/office/drawing/2010/main" xmlns="">
                   <a:noFill/>
                 </a14:hiddenFill>
               </a:ext>
@@ -23561,7 +23545,7 @@
             </a:ln>
             <a:extLst>
               <a:ext uri="{909E8E84-426E-40dd-AFC4-6F175D3DCCD1}">
-                <a14:hiddenFill xmlns="" xmlns:a14="http://schemas.microsoft.com/office/drawing/2010/main">
+                <a14:hiddenFill xmlns:a14="http://schemas.microsoft.com/office/drawing/2010/main" xmlns="">
                   <a:noFill/>
                 </a14:hiddenFill>
               </a:ext>
@@ -23602,7 +23586,7 @@
             </a:ln>
             <a:extLst>
               <a:ext uri="{909E8E84-426E-40dd-AFC4-6F175D3DCCD1}">
-                <a14:hiddenFill xmlns="" xmlns:a14="http://schemas.microsoft.com/office/drawing/2010/main">
+                <a14:hiddenFill xmlns:a14="http://schemas.microsoft.com/office/drawing/2010/main" xmlns="">
                   <a:noFill/>
                 </a14:hiddenFill>
               </a:ext>
@@ -23643,7 +23627,7 @@
             </a:ln>
             <a:extLst>
               <a:ext uri="{909E8E84-426E-40dd-AFC4-6F175D3DCCD1}">
-                <a14:hiddenFill xmlns="" xmlns:a14="http://schemas.microsoft.com/office/drawing/2010/main">
+                <a14:hiddenFill xmlns:a14="http://schemas.microsoft.com/office/drawing/2010/main" xmlns="">
                   <a:noFill/>
                 </a14:hiddenFill>
               </a:ext>
@@ -23815,14 +23799,14 @@
             </a:ln>
             <a:extLst>
               <a:ext uri="{909E8E84-426E-40dd-AFC4-6F175D3DCCD1}">
-                <a14:hiddenFill xmlns="" xmlns:a14="http://schemas.microsoft.com/office/drawing/2010/main">
+                <a14:hiddenFill xmlns:a14="http://schemas.microsoft.com/office/drawing/2010/main" xmlns="">
                   <a:solidFill>
                     <a:srgbClr val="FFFFFF"/>
                   </a:solidFill>
                 </a14:hiddenFill>
               </a:ext>
               <a:ext uri="{91240B29-F687-4f45-9708-019B960494DF}">
-                <a14:hiddenLine xmlns="" xmlns:a14="http://schemas.microsoft.com/office/drawing/2010/main" w="12700">
+                <a14:hiddenLine xmlns:a14="http://schemas.microsoft.com/office/drawing/2010/main" xmlns="" w="12700">
                   <a:solidFill>
                     <a:srgbClr val="000000"/>
                   </a:solidFill>
@@ -24033,7 +24017,7 @@
             </a:ln>
             <a:extLst>
               <a:ext uri="{909E8E84-426E-40dd-AFC4-6F175D3DCCD1}">
-                <a14:hiddenFill xmlns="" xmlns:a14="http://schemas.microsoft.com/office/drawing/2010/main">
+                <a14:hiddenFill xmlns:a14="http://schemas.microsoft.com/office/drawing/2010/main" xmlns="">
                   <a:noFill/>
                 </a14:hiddenFill>
               </a:ext>
@@ -24116,7 +24100,7 @@
             </a:ln>
             <a:extLst>
               <a:ext uri="{909E8E84-426E-40dd-AFC4-6F175D3DCCD1}">
-                <a14:hiddenFill xmlns="" xmlns:a14="http://schemas.microsoft.com/office/drawing/2010/main">
+                <a14:hiddenFill xmlns:a14="http://schemas.microsoft.com/office/drawing/2010/main" xmlns="">
                   <a:noFill/>
                 </a14:hiddenFill>
               </a:ext>
@@ -24157,7 +24141,7 @@
             </a:ln>
             <a:extLst>
               <a:ext uri="{909E8E84-426E-40dd-AFC4-6F175D3DCCD1}">
-                <a14:hiddenFill xmlns="" xmlns:a14="http://schemas.microsoft.com/office/drawing/2010/main">
+                <a14:hiddenFill xmlns:a14="http://schemas.microsoft.com/office/drawing/2010/main" xmlns="">
                   <a:noFill/>
                 </a14:hiddenFill>
               </a:ext>
@@ -24198,7 +24182,7 @@
             </a:ln>
             <a:extLst>
               <a:ext uri="{909E8E84-426E-40dd-AFC4-6F175D3DCCD1}">
-                <a14:hiddenFill xmlns="" xmlns:a14="http://schemas.microsoft.com/office/drawing/2010/main">
+                <a14:hiddenFill xmlns:a14="http://schemas.microsoft.com/office/drawing/2010/main" xmlns="">
                   <a:noFill/>
                 </a14:hiddenFill>
               </a:ext>
@@ -24234,14 +24218,14 @@
             </a:ln>
             <a:extLst>
               <a:ext uri="{909E8E84-426E-40dd-AFC4-6F175D3DCCD1}">
-                <a14:hiddenFill xmlns="" xmlns:a14="http://schemas.microsoft.com/office/drawing/2010/main">
+                <a14:hiddenFill xmlns:a14="http://schemas.microsoft.com/office/drawing/2010/main" xmlns="">
                   <a:solidFill>
                     <a:srgbClr val="FFFFFF"/>
                   </a:solidFill>
                 </a14:hiddenFill>
               </a:ext>
               <a:ext uri="{91240B29-F687-4f45-9708-019B960494DF}">
-                <a14:hiddenLine xmlns="" xmlns:a14="http://schemas.microsoft.com/office/drawing/2010/main" w="38100">
+                <a14:hiddenLine xmlns:a14="http://schemas.microsoft.com/office/drawing/2010/main" xmlns="" w="38100">
                   <a:solidFill>
                     <a:srgbClr val="000000"/>
                   </a:solidFill>
@@ -24405,14 +24389,14 @@
             </a:ln>
             <a:extLst>
               <a:ext uri="{909E8E84-426E-40dd-AFC4-6F175D3DCCD1}">
-                <a14:hiddenFill xmlns="" xmlns:a14="http://schemas.microsoft.com/office/drawing/2010/main">
+                <a14:hiddenFill xmlns:a14="http://schemas.microsoft.com/office/drawing/2010/main" xmlns="">
                   <a:solidFill>
                     <a:srgbClr val="FFFFFF"/>
                   </a:solidFill>
                 </a14:hiddenFill>
               </a:ext>
               <a:ext uri="{91240B29-F687-4f45-9708-019B960494DF}">
-                <a14:hiddenLine xmlns="" xmlns:a14="http://schemas.microsoft.com/office/drawing/2010/main" w="38100">
+                <a14:hiddenLine xmlns:a14="http://schemas.microsoft.com/office/drawing/2010/main" xmlns="" w="38100">
                   <a:solidFill>
                     <a:srgbClr val="000000"/>
                   </a:solidFill>
@@ -24579,14 +24563,14 @@
             </a:ln>
             <a:extLst>
               <a:ext uri="{909E8E84-426E-40dd-AFC4-6F175D3DCCD1}">
-                <a14:hiddenFill xmlns="" xmlns:a14="http://schemas.microsoft.com/office/drawing/2010/main">
+                <a14:hiddenFill xmlns:a14="http://schemas.microsoft.com/office/drawing/2010/main" xmlns="">
                   <a:solidFill>
                     <a:srgbClr val="FFFFFF"/>
                   </a:solidFill>
                 </a14:hiddenFill>
               </a:ext>
               <a:ext uri="{91240B29-F687-4f45-9708-019B960494DF}">
-                <a14:hiddenLine xmlns="" xmlns:a14="http://schemas.microsoft.com/office/drawing/2010/main" w="9525">
+                <a14:hiddenLine xmlns:a14="http://schemas.microsoft.com/office/drawing/2010/main" xmlns="" w="9525">
                   <a:solidFill>
                     <a:srgbClr val="000000"/>
                   </a:solidFill>
@@ -24750,14 +24734,14 @@
             </a:ln>
             <a:extLst>
               <a:ext uri="{909E8E84-426E-40dd-AFC4-6F175D3DCCD1}">
-                <a14:hiddenFill xmlns="" xmlns:a14="http://schemas.microsoft.com/office/drawing/2010/main">
+                <a14:hiddenFill xmlns:a14="http://schemas.microsoft.com/office/drawing/2010/main" xmlns="">
                   <a:solidFill>
                     <a:srgbClr val="FFFFFF"/>
                   </a:solidFill>
                 </a14:hiddenFill>
               </a:ext>
               <a:ext uri="{91240B29-F687-4f45-9708-019B960494DF}">
-                <a14:hiddenLine xmlns="" xmlns:a14="http://schemas.microsoft.com/office/drawing/2010/main" w="38100">
+                <a14:hiddenLine xmlns:a14="http://schemas.microsoft.com/office/drawing/2010/main" xmlns="" w="38100">
                   <a:solidFill>
                     <a:srgbClr val="000000"/>
                   </a:solidFill>
@@ -24924,14 +24908,14 @@
             </a:ln>
             <a:extLst>
               <a:ext uri="{909E8E84-426E-40dd-AFC4-6F175D3DCCD1}">
-                <a14:hiddenFill xmlns="" xmlns:a14="http://schemas.microsoft.com/office/drawing/2010/main">
+                <a14:hiddenFill xmlns:a14="http://schemas.microsoft.com/office/drawing/2010/main" xmlns="">
                   <a:solidFill>
                     <a:srgbClr val="FFFFFF"/>
                   </a:solidFill>
                 </a14:hiddenFill>
               </a:ext>
               <a:ext uri="{91240B29-F687-4f45-9708-019B960494DF}">
-                <a14:hiddenLine xmlns="" xmlns:a14="http://schemas.microsoft.com/office/drawing/2010/main" w="9525">
+                <a14:hiddenLine xmlns:a14="http://schemas.microsoft.com/office/drawing/2010/main" xmlns="" w="9525">
                   <a:solidFill>
                     <a:srgbClr val="000000"/>
                   </a:solidFill>
@@ -25159,7 +25143,7 @@
             </a:ln>
             <a:extLst>
               <a:ext uri="{909E8E84-426E-40dd-AFC4-6F175D3DCCD1}">
-                <a14:hiddenFill xmlns="" xmlns:a14="http://schemas.microsoft.com/office/drawing/2010/main">
+                <a14:hiddenFill xmlns:a14="http://schemas.microsoft.com/office/drawing/2010/main" xmlns="">
                   <a:solidFill>
                     <a:srgbClr val="FFFFFF"/>
                   </a:solidFill>
@@ -25202,7 +25186,7 @@
             </a:ln>
             <a:extLst>
               <a:ext uri="{909E8E84-426E-40dd-AFC4-6F175D3DCCD1}">
-                <a14:hiddenFill xmlns="" xmlns:a14="http://schemas.microsoft.com/office/drawing/2010/main">
+                <a14:hiddenFill xmlns:a14="http://schemas.microsoft.com/office/drawing/2010/main" xmlns="">
                   <a:solidFill>
                     <a:srgbClr val="FFFFFF"/>
                   </a:solidFill>
@@ -25247,7 +25231,7 @@
             </a:ln>
             <a:extLst>
               <a:ext uri="{909E8E84-426E-40dd-AFC4-6F175D3DCCD1}">
-                <a14:hiddenFill xmlns="" xmlns:a14="http://schemas.microsoft.com/office/drawing/2010/main">
+                <a14:hiddenFill xmlns:a14="http://schemas.microsoft.com/office/drawing/2010/main" xmlns="">
                   <a:noFill/>
                 </a14:hiddenFill>
               </a:ext>
@@ -25298,7 +25282,7 @@
             </a:ln>
             <a:extLst>
               <a:ext uri="{909E8E84-426E-40dd-AFC4-6F175D3DCCD1}">
-                <a14:hiddenFill xmlns="" xmlns:a14="http://schemas.microsoft.com/office/drawing/2010/main">
+                <a14:hiddenFill xmlns:a14="http://schemas.microsoft.com/office/drawing/2010/main" xmlns="">
                   <a:solidFill>
                     <a:srgbClr val="FFFFFF"/>
                   </a:solidFill>
@@ -25341,7 +25325,7 @@
             </a:ln>
             <a:extLst>
               <a:ext uri="{909E8E84-426E-40dd-AFC4-6F175D3DCCD1}">
-                <a14:hiddenFill xmlns="" xmlns:a14="http://schemas.microsoft.com/office/drawing/2010/main">
+                <a14:hiddenFill xmlns:a14="http://schemas.microsoft.com/office/drawing/2010/main" xmlns="">
                   <a:solidFill>
                     <a:srgbClr val="FFFFFF"/>
                   </a:solidFill>
@@ -25386,7 +25370,7 @@
             </a:ln>
             <a:extLst>
               <a:ext uri="{909E8E84-426E-40dd-AFC4-6F175D3DCCD1}">
-                <a14:hiddenFill xmlns="" xmlns:a14="http://schemas.microsoft.com/office/drawing/2010/main">
+                <a14:hiddenFill xmlns:a14="http://schemas.microsoft.com/office/drawing/2010/main" xmlns="">
                   <a:noFill/>
                 </a14:hiddenFill>
               </a:ext>
@@ -27078,14 +27062,14 @@
               </a:ln>
               <a:extLst>
                 <a:ext uri="{909E8E84-426E-40dd-AFC4-6F175D3DCCD1}">
-                  <a14:hiddenFill xmlns="" xmlns:a14="http://schemas.microsoft.com/office/drawing/2010/main">
+                  <a14:hiddenFill xmlns:a14="http://schemas.microsoft.com/office/drawing/2010/main" xmlns="">
                     <a:solidFill>
                       <a:srgbClr val="FFFFFF"/>
                     </a:solidFill>
                   </a14:hiddenFill>
                 </a:ext>
                 <a:ext uri="{91240B29-F687-4f45-9708-019B960494DF}">
-                  <a14:hiddenLine xmlns="" xmlns:a14="http://schemas.microsoft.com/office/drawing/2010/main" w="9525">
+                  <a14:hiddenLine xmlns:a14="http://schemas.microsoft.com/office/drawing/2010/main" xmlns="" w="9525">
                     <a:solidFill>
                       <a:srgbClr val="000000"/>
                     </a:solidFill>
@@ -27132,14 +27116,14 @@
               </a:ln>
               <a:extLst>
                 <a:ext uri="{909E8E84-426E-40dd-AFC4-6F175D3DCCD1}">
-                  <a14:hiddenFill xmlns="" xmlns:a14="http://schemas.microsoft.com/office/drawing/2010/main">
+                  <a14:hiddenFill xmlns:a14="http://schemas.microsoft.com/office/drawing/2010/main" xmlns="">
                     <a:solidFill>
                       <a:srgbClr val="FFFFFF"/>
                     </a:solidFill>
                   </a14:hiddenFill>
                 </a:ext>
                 <a:ext uri="{91240B29-F687-4f45-9708-019B960494DF}">
-                  <a14:hiddenLine xmlns="" xmlns:a14="http://schemas.microsoft.com/office/drawing/2010/main" w="9525">
+                  <a14:hiddenLine xmlns:a14="http://schemas.microsoft.com/office/drawing/2010/main" xmlns="" w="9525">
                     <a:solidFill>
                       <a:srgbClr val="000000"/>
                     </a:solidFill>
@@ -27291,7 +27275,7 @@
             <a:effectLst/>
             <a:extLst>
               <a:ext uri="{AF507438-7753-43e0-B8FC-AC1667EBCBE1}">
-                <a14:hiddenEffects xmlns="" xmlns:a14="http://schemas.microsoft.com/office/drawing/2010/main">
+                <a14:hiddenEffects xmlns:a14="http://schemas.microsoft.com/office/drawing/2010/main" xmlns="">
                   <a:effectLst>
                     <a:outerShdw dist="35921" dir="2700000" algn="ctr" rotWithShape="0">
                       <a:schemeClr val="bg2"/>
@@ -27337,12 +27321,12 @@
             <a:effectLst/>
             <a:extLst>
               <a:ext uri="{909E8E84-426E-40dd-AFC4-6F175D3DCCD1}">
-                <a14:hiddenFill xmlns="" xmlns:a14="http://schemas.microsoft.com/office/drawing/2010/main">
+                <a14:hiddenFill xmlns:a14="http://schemas.microsoft.com/office/drawing/2010/main" xmlns="">
                   <a:noFill/>
                 </a14:hiddenFill>
               </a:ext>
               <a:ext uri="{AF507438-7753-43e0-B8FC-AC1667EBCBE1}">
-                <a14:hiddenEffects xmlns="" xmlns:a14="http://schemas.microsoft.com/office/drawing/2010/main">
+                <a14:hiddenEffects xmlns:a14="http://schemas.microsoft.com/office/drawing/2010/main" xmlns="">
                   <a:effectLst>
                     <a:outerShdw blurRad="63500" dist="38099" dir="2700000" algn="ctr" rotWithShape="0">
                       <a:schemeClr val="bg2">
@@ -27395,12 +27379,12 @@
             <a:effectLst/>
             <a:extLst>
               <a:ext uri="{909E8E84-426E-40dd-AFC4-6F175D3DCCD1}">
-                <a14:hiddenFill xmlns="" xmlns:a14="http://schemas.microsoft.com/office/drawing/2010/main">
+                <a14:hiddenFill xmlns:a14="http://schemas.microsoft.com/office/drawing/2010/main" xmlns="">
                   <a:noFill/>
                 </a14:hiddenFill>
               </a:ext>
               <a:ext uri="{AF507438-7753-43e0-B8FC-AC1667EBCBE1}">
-                <a14:hiddenEffects xmlns="" xmlns:a14="http://schemas.microsoft.com/office/drawing/2010/main">
+                <a14:hiddenEffects xmlns:a14="http://schemas.microsoft.com/office/drawing/2010/main" xmlns="">
                   <a:effectLst>
                     <a:outerShdw blurRad="63500" dist="38099" dir="2700000" algn="ctr" rotWithShape="0">
                       <a:schemeClr val="bg2">
@@ -27448,14 +27432,14 @@
             <a:effectLst/>
             <a:extLst>
               <a:ext uri="{909E8E84-426E-40dd-AFC4-6F175D3DCCD1}">
-                <a14:hiddenFill xmlns="" xmlns:a14="http://schemas.microsoft.com/office/drawing/2010/main">
+                <a14:hiddenFill xmlns:a14="http://schemas.microsoft.com/office/drawing/2010/main" xmlns="">
                   <a:solidFill>
                     <a:schemeClr val="accent1"/>
                   </a:solidFill>
                 </a14:hiddenFill>
               </a:ext>
               <a:ext uri="{91240B29-F687-4f45-9708-019B960494DF}">
-                <a14:hiddenLine xmlns="" xmlns:a14="http://schemas.microsoft.com/office/drawing/2010/main" w="9525">
+                <a14:hiddenLine xmlns:a14="http://schemas.microsoft.com/office/drawing/2010/main" xmlns="" w="9525">
                   <a:solidFill>
                     <a:schemeClr val="tx1"/>
                   </a:solidFill>
@@ -27465,7 +27449,7 @@
                 </a14:hiddenLine>
               </a:ext>
               <a:ext uri="{AF507438-7753-43e0-B8FC-AC1667EBCBE1}">
-                <a14:hiddenEffects xmlns="" xmlns:a14="http://schemas.microsoft.com/office/drawing/2010/main">
+                <a14:hiddenEffects xmlns:a14="http://schemas.microsoft.com/office/drawing/2010/main" xmlns="">
                   <a:effectLst>
                     <a:outerShdw blurRad="63500" dist="38099" dir="2700000" algn="ctr" rotWithShape="0">
                       <a:schemeClr val="bg2">
@@ -27625,14 +27609,14 @@
             <a:effectLst/>
             <a:extLst>
               <a:ext uri="{909E8E84-426E-40dd-AFC4-6F175D3DCCD1}">
-                <a14:hiddenFill xmlns="" xmlns:a14="http://schemas.microsoft.com/office/drawing/2010/main">
+                <a14:hiddenFill xmlns:a14="http://schemas.microsoft.com/office/drawing/2010/main" xmlns="">
                   <a:solidFill>
                     <a:schemeClr val="accent1"/>
                   </a:solidFill>
                 </a14:hiddenFill>
               </a:ext>
               <a:ext uri="{91240B29-F687-4f45-9708-019B960494DF}">
-                <a14:hiddenLine xmlns="" xmlns:a14="http://schemas.microsoft.com/office/drawing/2010/main" w="9525">
+                <a14:hiddenLine xmlns:a14="http://schemas.microsoft.com/office/drawing/2010/main" xmlns="" w="9525">
                   <a:solidFill>
                     <a:schemeClr val="tx1"/>
                   </a:solidFill>
@@ -27642,7 +27626,7 @@
                 </a14:hiddenLine>
               </a:ext>
               <a:ext uri="{AF507438-7753-43e0-B8FC-AC1667EBCBE1}">
-                <a14:hiddenEffects xmlns="" xmlns:a14="http://schemas.microsoft.com/office/drawing/2010/main">
+                <a14:hiddenEffects xmlns:a14="http://schemas.microsoft.com/office/drawing/2010/main" xmlns="">
                   <a:effectLst>
                     <a:outerShdw blurRad="63500" dist="38099" dir="2700000" algn="ctr" rotWithShape="0">
                       <a:schemeClr val="bg2">
@@ -27802,14 +27786,14 @@
             <a:effectLst/>
             <a:extLst>
               <a:ext uri="{909E8E84-426E-40dd-AFC4-6F175D3DCCD1}">
-                <a14:hiddenFill xmlns="" xmlns:a14="http://schemas.microsoft.com/office/drawing/2010/main">
+                <a14:hiddenFill xmlns:a14="http://schemas.microsoft.com/office/drawing/2010/main" xmlns="">
                   <a:solidFill>
                     <a:schemeClr val="accent1"/>
                   </a:solidFill>
                 </a14:hiddenFill>
               </a:ext>
               <a:ext uri="{91240B29-F687-4f45-9708-019B960494DF}">
-                <a14:hiddenLine xmlns="" xmlns:a14="http://schemas.microsoft.com/office/drawing/2010/main" w="9525">
+                <a14:hiddenLine xmlns:a14="http://schemas.microsoft.com/office/drawing/2010/main" xmlns="" w="9525">
                   <a:solidFill>
                     <a:schemeClr val="tx1"/>
                   </a:solidFill>
@@ -27819,7 +27803,7 @@
                 </a14:hiddenLine>
               </a:ext>
               <a:ext uri="{AF507438-7753-43e0-B8FC-AC1667EBCBE1}">
-                <a14:hiddenEffects xmlns="" xmlns:a14="http://schemas.microsoft.com/office/drawing/2010/main">
+                <a14:hiddenEffects xmlns:a14="http://schemas.microsoft.com/office/drawing/2010/main" xmlns="">
                   <a:effectLst>
                     <a:outerShdw blurRad="63500" dist="38099" dir="2700000" algn="ctr" rotWithShape="0">
                       <a:schemeClr val="bg2">
@@ -28007,14 +27991,14 @@
               </a:ln>
               <a:extLst>
                 <a:ext uri="{909E8E84-426E-40dd-AFC4-6F175D3DCCD1}">
-                  <a14:hiddenFill xmlns="" xmlns:a14="http://schemas.microsoft.com/office/drawing/2010/main">
+                  <a14:hiddenFill xmlns:a14="http://schemas.microsoft.com/office/drawing/2010/main" xmlns="">
                     <a:solidFill>
                       <a:srgbClr val="FFFFFF"/>
                     </a:solidFill>
                   </a14:hiddenFill>
                 </a:ext>
                 <a:ext uri="{91240B29-F687-4f45-9708-019B960494DF}">
-                  <a14:hiddenLine xmlns="" xmlns:a14="http://schemas.microsoft.com/office/drawing/2010/main" w="9525">
+                  <a14:hiddenLine xmlns:a14="http://schemas.microsoft.com/office/drawing/2010/main" xmlns="" w="9525">
                     <a:solidFill>
                       <a:srgbClr val="000000"/>
                     </a:solidFill>
@@ -28061,14 +28045,14 @@
               </a:ln>
               <a:extLst>
                 <a:ext uri="{909E8E84-426E-40dd-AFC4-6F175D3DCCD1}">
-                  <a14:hiddenFill xmlns="" xmlns:a14="http://schemas.microsoft.com/office/drawing/2010/main">
+                  <a14:hiddenFill xmlns:a14="http://schemas.microsoft.com/office/drawing/2010/main" xmlns="">
                     <a:solidFill>
                       <a:srgbClr val="FFFFFF"/>
                     </a:solidFill>
                   </a14:hiddenFill>
                 </a:ext>
                 <a:ext uri="{91240B29-F687-4f45-9708-019B960494DF}">
-                  <a14:hiddenLine xmlns="" xmlns:a14="http://schemas.microsoft.com/office/drawing/2010/main" w="9525">
+                  <a14:hiddenLine xmlns:a14="http://schemas.microsoft.com/office/drawing/2010/main" xmlns="" w="9525">
                     <a:solidFill>
                       <a:srgbClr val="000000"/>
                     </a:solidFill>
@@ -28132,14 +28116,14 @@
               </a:ln>
               <a:extLst>
                 <a:ext uri="{909E8E84-426E-40dd-AFC4-6F175D3DCCD1}">
-                  <a14:hiddenFill xmlns="" xmlns:a14="http://schemas.microsoft.com/office/drawing/2010/main">
+                  <a14:hiddenFill xmlns:a14="http://schemas.microsoft.com/office/drawing/2010/main" xmlns="">
                     <a:solidFill>
                       <a:srgbClr val="FFFFFF"/>
                     </a:solidFill>
                   </a14:hiddenFill>
                 </a:ext>
                 <a:ext uri="{91240B29-F687-4f45-9708-019B960494DF}">
-                  <a14:hiddenLine xmlns="" xmlns:a14="http://schemas.microsoft.com/office/drawing/2010/main" w="9525">
+                  <a14:hiddenLine xmlns:a14="http://schemas.microsoft.com/office/drawing/2010/main" xmlns="" w="9525">
                     <a:solidFill>
                       <a:srgbClr val="000000"/>
                     </a:solidFill>
@@ -28186,14 +28170,14 @@
               </a:ln>
               <a:extLst>
                 <a:ext uri="{909E8E84-426E-40dd-AFC4-6F175D3DCCD1}">
-                  <a14:hiddenFill xmlns="" xmlns:a14="http://schemas.microsoft.com/office/drawing/2010/main">
+                  <a14:hiddenFill xmlns:a14="http://schemas.microsoft.com/office/drawing/2010/main" xmlns="">
                     <a:solidFill>
                       <a:srgbClr val="FFFFFF"/>
                     </a:solidFill>
                   </a14:hiddenFill>
                 </a:ext>
                 <a:ext uri="{91240B29-F687-4f45-9708-019B960494DF}">
-                  <a14:hiddenLine xmlns="" xmlns:a14="http://schemas.microsoft.com/office/drawing/2010/main" w="9525">
+                  <a14:hiddenLine xmlns:a14="http://schemas.microsoft.com/office/drawing/2010/main" xmlns="" w="9525">
                     <a:solidFill>
                       <a:srgbClr val="000000"/>
                     </a:solidFill>
@@ -28244,14 +28228,14 @@
             <a:effectLst/>
             <a:extLst>
               <a:ext uri="{909E8E84-426E-40dd-AFC4-6F175D3DCCD1}">
-                <a14:hiddenFill xmlns="" xmlns:a14="http://schemas.microsoft.com/office/drawing/2010/main">
+                <a14:hiddenFill xmlns:a14="http://schemas.microsoft.com/office/drawing/2010/main" xmlns="">
                   <a:solidFill>
                     <a:schemeClr val="accent1"/>
                   </a:solidFill>
                 </a14:hiddenFill>
               </a:ext>
               <a:ext uri="{91240B29-F687-4f45-9708-019B960494DF}">
-                <a14:hiddenLine xmlns="" xmlns:a14="http://schemas.microsoft.com/office/drawing/2010/main" w="9525">
+                <a14:hiddenLine xmlns:a14="http://schemas.microsoft.com/office/drawing/2010/main" xmlns="" w="9525">
                   <a:solidFill>
                     <a:schemeClr val="tx1"/>
                   </a:solidFill>
@@ -28261,7 +28245,7 @@
                 </a14:hiddenLine>
               </a:ext>
               <a:ext uri="{AF507438-7753-43e0-B8FC-AC1667EBCBE1}">
-                <a14:hiddenEffects xmlns="" xmlns:a14="http://schemas.microsoft.com/office/drawing/2010/main">
+                <a14:hiddenEffects xmlns:a14="http://schemas.microsoft.com/office/drawing/2010/main" xmlns="">
                   <a:effectLst>
                     <a:outerShdw blurRad="63500" dist="38099" dir="2700000" algn="ctr" rotWithShape="0">
                       <a:schemeClr val="bg2">
@@ -28424,14 +28408,14 @@
             <a:effectLst/>
             <a:extLst>
               <a:ext uri="{909E8E84-426E-40dd-AFC4-6F175D3DCCD1}">
-                <a14:hiddenFill xmlns="" xmlns:a14="http://schemas.microsoft.com/office/drawing/2010/main">
+                <a14:hiddenFill xmlns:a14="http://schemas.microsoft.com/office/drawing/2010/main" xmlns="">
                   <a:solidFill>
                     <a:schemeClr val="accent1"/>
                   </a:solidFill>
                 </a14:hiddenFill>
               </a:ext>
               <a:ext uri="{91240B29-F687-4f45-9708-019B960494DF}">
-                <a14:hiddenLine xmlns="" xmlns:a14="http://schemas.microsoft.com/office/drawing/2010/main" w="9525">
+                <a14:hiddenLine xmlns:a14="http://schemas.microsoft.com/office/drawing/2010/main" xmlns="" w="9525">
                   <a:solidFill>
                     <a:schemeClr val="tx1"/>
                   </a:solidFill>
@@ -28441,7 +28425,7 @@
                 </a14:hiddenLine>
               </a:ext>
               <a:ext uri="{AF507438-7753-43e0-B8FC-AC1667EBCBE1}">
-                <a14:hiddenEffects xmlns="" xmlns:a14="http://schemas.microsoft.com/office/drawing/2010/main">
+                <a14:hiddenEffects xmlns:a14="http://schemas.microsoft.com/office/drawing/2010/main" xmlns="">
                   <a:effectLst>
                     <a:outerShdw blurRad="63500" dist="38099" dir="2700000" algn="ctr" rotWithShape="0">
                       <a:schemeClr val="bg2">
@@ -28601,14 +28585,14 @@
             <a:effectLst/>
             <a:extLst>
               <a:ext uri="{909E8E84-426E-40dd-AFC4-6F175D3DCCD1}">
-                <a14:hiddenFill xmlns="" xmlns:a14="http://schemas.microsoft.com/office/drawing/2010/main">
+                <a14:hiddenFill xmlns:a14="http://schemas.microsoft.com/office/drawing/2010/main" xmlns="">
                   <a:solidFill>
                     <a:schemeClr val="accent1"/>
                   </a:solidFill>
                 </a14:hiddenFill>
               </a:ext>
               <a:ext uri="{91240B29-F687-4f45-9708-019B960494DF}">
-                <a14:hiddenLine xmlns="" xmlns:a14="http://schemas.microsoft.com/office/drawing/2010/main" w="9525">
+                <a14:hiddenLine xmlns:a14="http://schemas.microsoft.com/office/drawing/2010/main" xmlns="" w="9525">
                   <a:solidFill>
                     <a:schemeClr val="tx1"/>
                   </a:solidFill>
@@ -28618,7 +28602,7 @@
                 </a14:hiddenLine>
               </a:ext>
               <a:ext uri="{AF507438-7753-43e0-B8FC-AC1667EBCBE1}">
-                <a14:hiddenEffects xmlns="" xmlns:a14="http://schemas.microsoft.com/office/drawing/2010/main">
+                <a14:hiddenEffects xmlns:a14="http://schemas.microsoft.com/office/drawing/2010/main" xmlns="">
                   <a:effectLst>
                     <a:outerShdw blurRad="63500" dist="38099" dir="2700000" algn="ctr" rotWithShape="0">
                       <a:schemeClr val="bg2">
@@ -28778,14 +28762,14 @@
             <a:effectLst/>
             <a:extLst>
               <a:ext uri="{909E8E84-426E-40dd-AFC4-6F175D3DCCD1}">
-                <a14:hiddenFill xmlns="" xmlns:a14="http://schemas.microsoft.com/office/drawing/2010/main">
+                <a14:hiddenFill xmlns:a14="http://schemas.microsoft.com/office/drawing/2010/main" xmlns="">
                   <a:solidFill>
                     <a:schemeClr val="accent1"/>
                   </a:solidFill>
                 </a14:hiddenFill>
               </a:ext>
               <a:ext uri="{91240B29-F687-4f45-9708-019B960494DF}">
-                <a14:hiddenLine xmlns="" xmlns:a14="http://schemas.microsoft.com/office/drawing/2010/main" w="9525">
+                <a14:hiddenLine xmlns:a14="http://schemas.microsoft.com/office/drawing/2010/main" xmlns="" w="9525">
                   <a:solidFill>
                     <a:schemeClr val="tx1"/>
                   </a:solidFill>
@@ -28795,7 +28779,7 @@
                 </a14:hiddenLine>
               </a:ext>
               <a:ext uri="{AF507438-7753-43e0-B8FC-AC1667EBCBE1}">
-                <a14:hiddenEffects xmlns="" xmlns:a14="http://schemas.microsoft.com/office/drawing/2010/main">
+                <a14:hiddenEffects xmlns:a14="http://schemas.microsoft.com/office/drawing/2010/main" xmlns="">
                   <a:effectLst>
                     <a:outerShdw blurRad="63500" dist="38099" dir="2700000" algn="ctr" rotWithShape="0">
                       <a:schemeClr val="bg2">
@@ -28998,12 +28982,12 @@
             <a:effectLst/>
             <a:extLst>
               <a:ext uri="{909E8E84-426E-40dd-AFC4-6F175D3DCCD1}">
-                <a14:hiddenFill xmlns="" xmlns:a14="http://schemas.microsoft.com/office/drawing/2010/main">
+                <a14:hiddenFill xmlns:a14="http://schemas.microsoft.com/office/drawing/2010/main" xmlns="">
                   <a:noFill/>
                 </a14:hiddenFill>
               </a:ext>
               <a:ext uri="{AF507438-7753-43e0-B8FC-AC1667EBCBE1}">
-                <a14:hiddenEffects xmlns="" xmlns:a14="http://schemas.microsoft.com/office/drawing/2010/main">
+                <a14:hiddenEffects xmlns:a14="http://schemas.microsoft.com/office/drawing/2010/main" xmlns="">
                   <a:effectLst>
                     <a:outerShdw blurRad="63500" dist="38099" dir="2700000" algn="ctr" rotWithShape="0">
                       <a:schemeClr val="bg2">
@@ -29056,12 +29040,12 @@
             <a:effectLst/>
             <a:extLst>
               <a:ext uri="{909E8E84-426E-40dd-AFC4-6F175D3DCCD1}">
-                <a14:hiddenFill xmlns="" xmlns:a14="http://schemas.microsoft.com/office/drawing/2010/main">
+                <a14:hiddenFill xmlns:a14="http://schemas.microsoft.com/office/drawing/2010/main" xmlns="">
                   <a:noFill/>
                 </a14:hiddenFill>
               </a:ext>
               <a:ext uri="{AF507438-7753-43e0-B8FC-AC1667EBCBE1}">
-                <a14:hiddenEffects xmlns="" xmlns:a14="http://schemas.microsoft.com/office/drawing/2010/main">
+                <a14:hiddenEffects xmlns:a14="http://schemas.microsoft.com/office/drawing/2010/main" xmlns="">
                   <a:effectLst>
                     <a:outerShdw blurRad="63500" dist="38099" dir="2700000" algn="ctr" rotWithShape="0">
                       <a:schemeClr val="bg2">
@@ -29167,14 +29151,14 @@
             <a:effectLst/>
             <a:extLst>
               <a:ext uri="{909E8E84-426E-40dd-AFC4-6F175D3DCCD1}">
-                <a14:hiddenFill xmlns="" xmlns:a14="http://schemas.microsoft.com/office/drawing/2010/main">
+                <a14:hiddenFill xmlns:a14="http://schemas.microsoft.com/office/drawing/2010/main" xmlns="">
                   <a:solidFill>
                     <a:schemeClr val="accent1"/>
                   </a:solidFill>
                 </a14:hiddenFill>
               </a:ext>
               <a:ext uri="{AF507438-7753-43e0-B8FC-AC1667EBCBE1}">
-                <a14:hiddenEffects xmlns="" xmlns:a14="http://schemas.microsoft.com/office/drawing/2010/main">
+                <a14:hiddenEffects xmlns:a14="http://schemas.microsoft.com/office/drawing/2010/main" xmlns="">
                   <a:effectLst>
                     <a:outerShdw dist="35921" dir="2700000" algn="ctr" rotWithShape="0">
                       <a:schemeClr val="bg2"/>
@@ -29215,14 +29199,14 @@
             <a:effectLst/>
             <a:extLst>
               <a:ext uri="{909E8E84-426E-40dd-AFC4-6F175D3DCCD1}">
-                <a14:hiddenFill xmlns="" xmlns:a14="http://schemas.microsoft.com/office/drawing/2010/main">
+                <a14:hiddenFill xmlns:a14="http://schemas.microsoft.com/office/drawing/2010/main" xmlns="">
                   <a:solidFill>
                     <a:schemeClr val="accent1"/>
                   </a:solidFill>
                 </a14:hiddenFill>
               </a:ext>
               <a:ext uri="{91240B29-F687-4f45-9708-019B960494DF}">
-                <a14:hiddenLine xmlns="" xmlns:a14="http://schemas.microsoft.com/office/drawing/2010/main" w="9525">
+                <a14:hiddenLine xmlns:a14="http://schemas.microsoft.com/office/drawing/2010/main" xmlns="" w="9525">
                   <a:solidFill>
                     <a:schemeClr val="tx1"/>
                   </a:solidFill>
@@ -29232,7 +29216,7 @@
                 </a14:hiddenLine>
               </a:ext>
               <a:ext uri="{AF507438-7753-43e0-B8FC-AC1667EBCBE1}">
-                <a14:hiddenEffects xmlns="" xmlns:a14="http://schemas.microsoft.com/office/drawing/2010/main">
+                <a14:hiddenEffects xmlns:a14="http://schemas.microsoft.com/office/drawing/2010/main" xmlns="">
                   <a:effectLst>
                     <a:outerShdw blurRad="63500" dist="38099" dir="2700000" algn="ctr" rotWithShape="0">
                       <a:schemeClr val="bg2">
@@ -29450,14 +29434,14 @@
             <a:effectLst/>
             <a:extLst>
               <a:ext uri="{909E8E84-426E-40dd-AFC4-6F175D3DCCD1}">
-                <a14:hiddenFill xmlns="" xmlns:a14="http://schemas.microsoft.com/office/drawing/2010/main">
+                <a14:hiddenFill xmlns:a14="http://schemas.microsoft.com/office/drawing/2010/main" xmlns="">
                   <a:solidFill>
                     <a:schemeClr val="accent1"/>
                   </a:solidFill>
                 </a14:hiddenFill>
               </a:ext>
               <a:ext uri="{AF507438-7753-43e0-B8FC-AC1667EBCBE1}">
-                <a14:hiddenEffects xmlns="" xmlns:a14="http://schemas.microsoft.com/office/drawing/2010/main">
+                <a14:hiddenEffects xmlns:a14="http://schemas.microsoft.com/office/drawing/2010/main" xmlns="">
                   <a:effectLst>
                     <a:outerShdw dist="35921" dir="2700000" algn="ctr" rotWithShape="0">
                       <a:schemeClr val="bg2"/>
@@ -29498,14 +29482,14 @@
             <a:effectLst/>
             <a:extLst>
               <a:ext uri="{909E8E84-426E-40dd-AFC4-6F175D3DCCD1}">
-                <a14:hiddenFill xmlns="" xmlns:a14="http://schemas.microsoft.com/office/drawing/2010/main">
+                <a14:hiddenFill xmlns:a14="http://schemas.microsoft.com/office/drawing/2010/main" xmlns="">
                   <a:solidFill>
                     <a:schemeClr val="accent1"/>
                   </a:solidFill>
                 </a14:hiddenFill>
               </a:ext>
               <a:ext uri="{91240B29-F687-4f45-9708-019B960494DF}">
-                <a14:hiddenLine xmlns="" xmlns:a14="http://schemas.microsoft.com/office/drawing/2010/main" w="9525">
+                <a14:hiddenLine xmlns:a14="http://schemas.microsoft.com/office/drawing/2010/main" xmlns="" w="9525">
                   <a:solidFill>
                     <a:schemeClr val="tx1"/>
                   </a:solidFill>
@@ -29515,7 +29499,7 @@
                 </a14:hiddenLine>
               </a:ext>
               <a:ext uri="{AF507438-7753-43e0-B8FC-AC1667EBCBE1}">
-                <a14:hiddenEffects xmlns="" xmlns:a14="http://schemas.microsoft.com/office/drawing/2010/main">
+                <a14:hiddenEffects xmlns:a14="http://schemas.microsoft.com/office/drawing/2010/main" xmlns="">
                   <a:effectLst>
                     <a:outerShdw blurRad="63500" dist="38099" dir="2700000" algn="ctr" rotWithShape="0">
                       <a:schemeClr val="bg2">
@@ -29719,12 +29703,12 @@
             <a:effectLst/>
             <a:extLst>
               <a:ext uri="{909E8E84-426E-40dd-AFC4-6F175D3DCCD1}">
-                <a14:hiddenFill xmlns="" xmlns:a14="http://schemas.microsoft.com/office/drawing/2010/main">
+                <a14:hiddenFill xmlns:a14="http://schemas.microsoft.com/office/drawing/2010/main" xmlns="">
                   <a:noFill/>
                 </a14:hiddenFill>
               </a:ext>
               <a:ext uri="{AF507438-7753-43e0-B8FC-AC1667EBCBE1}">
-                <a14:hiddenEffects xmlns="" xmlns:a14="http://schemas.microsoft.com/office/drawing/2010/main">
+                <a14:hiddenEffects xmlns:a14="http://schemas.microsoft.com/office/drawing/2010/main" xmlns="">
                   <a:effectLst>
                     <a:outerShdw blurRad="63500" dist="38099" dir="2700000" algn="ctr" rotWithShape="0">
                       <a:schemeClr val="bg2">
@@ -29778,12 +29762,12 @@
             <a:effectLst/>
             <a:extLst>
               <a:ext uri="{909E8E84-426E-40dd-AFC4-6F175D3DCCD1}">
-                <a14:hiddenFill xmlns="" xmlns:a14="http://schemas.microsoft.com/office/drawing/2010/main">
+                <a14:hiddenFill xmlns:a14="http://schemas.microsoft.com/office/drawing/2010/main" xmlns="">
                   <a:noFill/>
                 </a14:hiddenFill>
               </a:ext>
               <a:ext uri="{AF507438-7753-43e0-B8FC-AC1667EBCBE1}">
-                <a14:hiddenEffects xmlns="" xmlns:a14="http://schemas.microsoft.com/office/drawing/2010/main">
+                <a14:hiddenEffects xmlns:a14="http://schemas.microsoft.com/office/drawing/2010/main" xmlns="">
                   <a:effectLst>
                     <a:outerShdw blurRad="63500" dist="38099" dir="2700000" algn="ctr" rotWithShape="0">
                       <a:schemeClr val="bg2">
@@ -29837,12 +29821,12 @@
             <a:effectLst/>
             <a:extLst>
               <a:ext uri="{909E8E84-426E-40dd-AFC4-6F175D3DCCD1}">
-                <a14:hiddenFill xmlns="" xmlns:a14="http://schemas.microsoft.com/office/drawing/2010/main">
+                <a14:hiddenFill xmlns:a14="http://schemas.microsoft.com/office/drawing/2010/main" xmlns="">
                   <a:noFill/>
                 </a14:hiddenFill>
               </a:ext>
               <a:ext uri="{AF507438-7753-43e0-B8FC-AC1667EBCBE1}">
-                <a14:hiddenEffects xmlns="" xmlns:a14="http://schemas.microsoft.com/office/drawing/2010/main">
+                <a14:hiddenEffects xmlns:a14="http://schemas.microsoft.com/office/drawing/2010/main" xmlns="">
                   <a:effectLst>
                     <a:outerShdw blurRad="63500" dist="38099" dir="2700000" algn="ctr" rotWithShape="0">
                       <a:schemeClr val="bg2">
@@ -29918,14 +29902,14 @@
               </a:ln>
               <a:extLst>
                 <a:ext uri="{909E8E84-426E-40dd-AFC4-6F175D3DCCD1}">
-                  <a14:hiddenFill xmlns="" xmlns:a14="http://schemas.microsoft.com/office/drawing/2010/main">
+                  <a14:hiddenFill xmlns:a14="http://schemas.microsoft.com/office/drawing/2010/main" xmlns="">
                     <a:solidFill>
                       <a:srgbClr val="FFFFFF"/>
                     </a:solidFill>
                   </a14:hiddenFill>
                 </a:ext>
                 <a:ext uri="{91240B29-F687-4f45-9708-019B960494DF}">
-                  <a14:hiddenLine xmlns="" xmlns:a14="http://schemas.microsoft.com/office/drawing/2010/main" w="9525">
+                  <a14:hiddenLine xmlns:a14="http://schemas.microsoft.com/office/drawing/2010/main" xmlns="" w="9525">
                     <a:solidFill>
                       <a:srgbClr val="000000"/>
                     </a:solidFill>
@@ -29972,14 +29956,14 @@
               </a:ln>
               <a:extLst>
                 <a:ext uri="{909E8E84-426E-40dd-AFC4-6F175D3DCCD1}">
-                  <a14:hiddenFill xmlns="" xmlns:a14="http://schemas.microsoft.com/office/drawing/2010/main">
+                  <a14:hiddenFill xmlns:a14="http://schemas.microsoft.com/office/drawing/2010/main" xmlns="">
                     <a:solidFill>
                       <a:srgbClr val="FFFFFF"/>
                     </a:solidFill>
                   </a14:hiddenFill>
                 </a:ext>
                 <a:ext uri="{91240B29-F687-4f45-9708-019B960494DF}">
-                  <a14:hiddenLine xmlns="" xmlns:a14="http://schemas.microsoft.com/office/drawing/2010/main" w="9525">
+                  <a14:hiddenLine xmlns:a14="http://schemas.microsoft.com/office/drawing/2010/main" xmlns="" w="9525">
                     <a:solidFill>
                       <a:srgbClr val="000000"/>
                     </a:solidFill>
@@ -30043,14 +30027,14 @@
               </a:ln>
               <a:extLst>
                 <a:ext uri="{909E8E84-426E-40dd-AFC4-6F175D3DCCD1}">
-                  <a14:hiddenFill xmlns="" xmlns:a14="http://schemas.microsoft.com/office/drawing/2010/main">
+                  <a14:hiddenFill xmlns:a14="http://schemas.microsoft.com/office/drawing/2010/main" xmlns="">
                     <a:solidFill>
                       <a:srgbClr val="FFFFFF"/>
                     </a:solidFill>
                   </a14:hiddenFill>
                 </a:ext>
                 <a:ext uri="{91240B29-F687-4f45-9708-019B960494DF}">
-                  <a14:hiddenLine xmlns="" xmlns:a14="http://schemas.microsoft.com/office/drawing/2010/main" w="9525">
+                  <a14:hiddenLine xmlns:a14="http://schemas.microsoft.com/office/drawing/2010/main" xmlns="" w="9525">
                     <a:solidFill>
                       <a:srgbClr val="000000"/>
                     </a:solidFill>
@@ -30097,14 +30081,14 @@
               </a:ln>
               <a:extLst>
                 <a:ext uri="{909E8E84-426E-40dd-AFC4-6F175D3DCCD1}">
-                  <a14:hiddenFill xmlns="" xmlns:a14="http://schemas.microsoft.com/office/drawing/2010/main">
+                  <a14:hiddenFill xmlns:a14="http://schemas.microsoft.com/office/drawing/2010/main" xmlns="">
                     <a:solidFill>
                       <a:srgbClr val="FFFFFF"/>
                     </a:solidFill>
                   </a14:hiddenFill>
                 </a:ext>
                 <a:ext uri="{91240B29-F687-4f45-9708-019B960494DF}">
-                  <a14:hiddenLine xmlns="" xmlns:a14="http://schemas.microsoft.com/office/drawing/2010/main" w="9525">
+                  <a14:hiddenLine xmlns:a14="http://schemas.microsoft.com/office/drawing/2010/main" xmlns="" w="9525">
                     <a:solidFill>
                       <a:srgbClr val="000000"/>
                     </a:solidFill>
@@ -30168,14 +30152,14 @@
               </a:ln>
               <a:extLst>
                 <a:ext uri="{909E8E84-426E-40dd-AFC4-6F175D3DCCD1}">
-                  <a14:hiddenFill xmlns="" xmlns:a14="http://schemas.microsoft.com/office/drawing/2010/main">
+                  <a14:hiddenFill xmlns:a14="http://schemas.microsoft.com/office/drawing/2010/main" xmlns="">
                     <a:solidFill>
                       <a:srgbClr val="FFFFFF"/>
                     </a:solidFill>
                   </a14:hiddenFill>
                 </a:ext>
                 <a:ext uri="{91240B29-F687-4f45-9708-019B960494DF}">
-                  <a14:hiddenLine xmlns="" xmlns:a14="http://schemas.microsoft.com/office/drawing/2010/main" w="9525">
+                  <a14:hiddenLine xmlns:a14="http://schemas.microsoft.com/office/drawing/2010/main" xmlns="" w="9525">
                     <a:solidFill>
                       <a:srgbClr val="000000"/>
                     </a:solidFill>
@@ -30222,14 +30206,14 @@
               </a:ln>
               <a:extLst>
                 <a:ext uri="{909E8E84-426E-40dd-AFC4-6F175D3DCCD1}">
-                  <a14:hiddenFill xmlns="" xmlns:a14="http://schemas.microsoft.com/office/drawing/2010/main">
+                  <a14:hiddenFill xmlns:a14="http://schemas.microsoft.com/office/drawing/2010/main" xmlns="">
                     <a:solidFill>
                       <a:srgbClr val="FFFFFF"/>
                     </a:solidFill>
                   </a14:hiddenFill>
                 </a:ext>
                 <a:ext uri="{91240B29-F687-4f45-9708-019B960494DF}">
-                  <a14:hiddenLine xmlns="" xmlns:a14="http://schemas.microsoft.com/office/drawing/2010/main" w="9525">
+                  <a14:hiddenLine xmlns:a14="http://schemas.microsoft.com/office/drawing/2010/main" xmlns="" w="9525">
                     <a:solidFill>
                       <a:srgbClr val="000000"/>
                     </a:solidFill>
@@ -33114,7 +33098,7 @@
           <a:effectLst/>
           <a:extLst>
             <a:ext uri="{91240B29-F687-4f45-9708-019B960494DF}">
-              <a14:hiddenLine xmlns="" xmlns:a14="http://schemas.microsoft.com/office/drawing/2010/main" w="9525">
+              <a14:hiddenLine xmlns:a14="http://schemas.microsoft.com/office/drawing/2010/main" xmlns="" w="9525">
                 <a:solidFill>
                   <a:schemeClr val="tx1"/>
                 </a:solidFill>
@@ -33124,7 +33108,7 @@
               </a14:hiddenLine>
             </a:ext>
             <a:ext uri="{AF507438-7753-43e0-B8FC-AC1667EBCBE1}">
-              <a14:hiddenEffects xmlns="" xmlns:a14="http://schemas.microsoft.com/office/drawing/2010/main">
+              <a14:hiddenEffects xmlns:a14="http://schemas.microsoft.com/office/drawing/2010/main" xmlns="">
                 <a:effectLst>
                   <a:outerShdw blurRad="63500" dist="38099" dir="2700000" algn="ctr" rotWithShape="0">
                     <a:schemeClr val="bg2">
@@ -33178,12 +33162,12 @@
           <a:effectLst/>
           <a:extLst>
             <a:ext uri="{909E8E84-426E-40dd-AFC4-6F175D3DCCD1}">
-              <a14:hiddenFill xmlns="" xmlns:a14="http://schemas.microsoft.com/office/drawing/2010/main">
+              <a14:hiddenFill xmlns:a14="http://schemas.microsoft.com/office/drawing/2010/main" xmlns="">
                 <a:noFill/>
               </a14:hiddenFill>
             </a:ext>
             <a:ext uri="{AF507438-7753-43e0-B8FC-AC1667EBCBE1}">
-              <a14:hiddenEffects xmlns="" xmlns:a14="http://schemas.microsoft.com/office/drawing/2010/main">
+              <a14:hiddenEffects xmlns:a14="http://schemas.microsoft.com/office/drawing/2010/main" xmlns="">
                 <a:effectLst>
                   <a:outerShdw blurRad="63500" dist="38099" dir="2700000" algn="ctr" rotWithShape="0">
                     <a:schemeClr val="bg2">
@@ -33236,12 +33220,12 @@
           <a:effectLst/>
           <a:extLst>
             <a:ext uri="{909E8E84-426E-40dd-AFC4-6F175D3DCCD1}">
-              <a14:hiddenFill xmlns="" xmlns:a14="http://schemas.microsoft.com/office/drawing/2010/main">
+              <a14:hiddenFill xmlns:a14="http://schemas.microsoft.com/office/drawing/2010/main" xmlns="">
                 <a:noFill/>
               </a14:hiddenFill>
             </a:ext>
             <a:ext uri="{AF507438-7753-43e0-B8FC-AC1667EBCBE1}">
-              <a14:hiddenEffects xmlns="" xmlns:a14="http://schemas.microsoft.com/office/drawing/2010/main">
+              <a14:hiddenEffects xmlns:a14="http://schemas.microsoft.com/office/drawing/2010/main" xmlns="">
                 <a:effectLst>
                   <a:outerShdw blurRad="63500" dist="38099" dir="2700000" algn="ctr" rotWithShape="0">
                     <a:schemeClr val="bg2">
@@ -33438,7 +33422,7 @@
             <a:effectLst/>
             <a:extLst>
               <a:ext uri="{91240B29-F687-4f45-9708-019B960494DF}">
-                <a14:hiddenLine xmlns="" xmlns:a14="http://schemas.microsoft.com/office/drawing/2010/main" w="9525">
+                <a14:hiddenLine xmlns:a14="http://schemas.microsoft.com/office/drawing/2010/main" xmlns="" w="9525">
                   <a:solidFill>
                     <a:schemeClr val="tx1"/>
                   </a:solidFill>
@@ -33448,7 +33432,7 @@
                 </a14:hiddenLine>
               </a:ext>
               <a:ext uri="{AF507438-7753-43e0-B8FC-AC1667EBCBE1}">
-                <a14:hiddenEffects xmlns="" xmlns:a14="http://schemas.microsoft.com/office/drawing/2010/main">
+                <a14:hiddenEffects xmlns:a14="http://schemas.microsoft.com/office/drawing/2010/main" xmlns="">
                   <a:effectLst>
                     <a:outerShdw dist="35921" dir="2700000" algn="ctr" rotWithShape="0">
                       <a:schemeClr val="bg2"/>
@@ -33489,14 +33473,14 @@
             <a:effectLst/>
             <a:extLst>
               <a:ext uri="{909E8E84-426E-40dd-AFC4-6F175D3DCCD1}">
-                <a14:hiddenFill xmlns="" xmlns:a14="http://schemas.microsoft.com/office/drawing/2010/main">
+                <a14:hiddenFill xmlns:a14="http://schemas.microsoft.com/office/drawing/2010/main" xmlns="">
                   <a:solidFill>
                     <a:schemeClr val="accent1"/>
                   </a:solidFill>
                 </a14:hiddenFill>
               </a:ext>
               <a:ext uri="{91240B29-F687-4f45-9708-019B960494DF}">
-                <a14:hiddenLine xmlns="" xmlns:a14="http://schemas.microsoft.com/office/drawing/2010/main" w="9525">
+                <a14:hiddenLine xmlns:a14="http://schemas.microsoft.com/office/drawing/2010/main" xmlns="" w="9525">
                   <a:solidFill>
                     <a:schemeClr val="tx1"/>
                   </a:solidFill>
@@ -33506,7 +33490,7 @@
                 </a14:hiddenLine>
               </a:ext>
               <a:ext uri="{AF507438-7753-43e0-B8FC-AC1667EBCBE1}">
-                <a14:hiddenEffects xmlns="" xmlns:a14="http://schemas.microsoft.com/office/drawing/2010/main">
+                <a14:hiddenEffects xmlns:a14="http://schemas.microsoft.com/office/drawing/2010/main" xmlns="">
                   <a:effectLst>
                     <a:outerShdw blurRad="63500" dist="38099" dir="2700000" algn="ctr" rotWithShape="0">
                       <a:schemeClr val="bg2">
@@ -33706,7 +33690,7 @@
               <a:effectLst/>
               <a:extLst>
                 <a:ext uri="{AF507438-7753-43e0-B8FC-AC1667EBCBE1}">
-                  <a14:hiddenEffects xmlns="" xmlns:a14="http://schemas.microsoft.com/office/drawing/2010/main">
+                  <a14:hiddenEffects xmlns:a14="http://schemas.microsoft.com/office/drawing/2010/main" xmlns="">
                     <a:effectLst>
                       <a:outerShdw blurRad="63500" dist="38099" dir="2700000" algn="ctr" rotWithShape="0">
                         <a:schemeClr val="bg2">
@@ -33760,12 +33744,12 @@
               <a:effectLst/>
               <a:extLst>
                 <a:ext uri="{909E8E84-426E-40dd-AFC4-6F175D3DCCD1}">
-                  <a14:hiddenFill xmlns="" xmlns:a14="http://schemas.microsoft.com/office/drawing/2010/main">
+                  <a14:hiddenFill xmlns:a14="http://schemas.microsoft.com/office/drawing/2010/main" xmlns="">
                     <a:noFill/>
                   </a14:hiddenFill>
                 </a:ext>
                 <a:ext uri="{AF507438-7753-43e0-B8FC-AC1667EBCBE1}">
-                  <a14:hiddenEffects xmlns="" xmlns:a14="http://schemas.microsoft.com/office/drawing/2010/main">
+                  <a14:hiddenEffects xmlns:a14="http://schemas.microsoft.com/office/drawing/2010/main" xmlns="">
                     <a:effectLst>
                       <a:outerShdw blurRad="63500" dist="38099" dir="2700000" algn="ctr" rotWithShape="0">
                         <a:schemeClr val="bg2">
@@ -33818,12 +33802,12 @@
               <a:effectLst/>
               <a:extLst>
                 <a:ext uri="{909E8E84-426E-40dd-AFC4-6F175D3DCCD1}">
-                  <a14:hiddenFill xmlns="" xmlns:a14="http://schemas.microsoft.com/office/drawing/2010/main">
+                  <a14:hiddenFill xmlns:a14="http://schemas.microsoft.com/office/drawing/2010/main" xmlns="">
                     <a:noFill/>
                   </a14:hiddenFill>
                 </a:ext>
                 <a:ext uri="{AF507438-7753-43e0-B8FC-AC1667EBCBE1}">
-                  <a14:hiddenEffects xmlns="" xmlns:a14="http://schemas.microsoft.com/office/drawing/2010/main">
+                  <a14:hiddenEffects xmlns:a14="http://schemas.microsoft.com/office/drawing/2010/main" xmlns="">
                     <a:effectLst>
                       <a:outerShdw blurRad="63500" dist="38099" dir="2700000" algn="ctr" rotWithShape="0">
                         <a:schemeClr val="bg2">
@@ -33873,7 +33857,7 @@
               <a:effectLst/>
               <a:extLst>
                 <a:ext uri="{91240B29-F687-4f45-9708-019B960494DF}">
-                  <a14:hiddenLine xmlns="" xmlns:a14="http://schemas.microsoft.com/office/drawing/2010/main" w="12700">
+                  <a14:hiddenLine xmlns:a14="http://schemas.microsoft.com/office/drawing/2010/main" xmlns="" w="12700">
                     <a:solidFill>
                       <a:schemeClr val="tx1"/>
                     </a:solidFill>
@@ -33883,7 +33867,7 @@
                   </a14:hiddenLine>
                 </a:ext>
                 <a:ext uri="{AF507438-7753-43e0-B8FC-AC1667EBCBE1}">
-                  <a14:hiddenEffects xmlns="" xmlns:a14="http://schemas.microsoft.com/office/drawing/2010/main">
+                  <a14:hiddenEffects xmlns:a14="http://schemas.microsoft.com/office/drawing/2010/main" xmlns="">
                     <a:effectLst>
                       <a:outerShdw blurRad="63500" dist="38099" dir="2700000" algn="ctr" rotWithShape="0">
                         <a:schemeClr val="bg2">
@@ -33939,7 +33923,7 @@
               <a:effectLst/>
               <a:extLst>
                 <a:ext uri="{AF507438-7753-43e0-B8FC-AC1667EBCBE1}">
-                  <a14:hiddenEffects xmlns="" xmlns:a14="http://schemas.microsoft.com/office/drawing/2010/main">
+                  <a14:hiddenEffects xmlns:a14="http://schemas.microsoft.com/office/drawing/2010/main" xmlns="">
                     <a:effectLst>
                       <a:outerShdw blurRad="63500" dist="38099" dir="2700000" algn="ctr" rotWithShape="0">
                         <a:schemeClr val="bg2">
@@ -34009,12 +33993,12 @@
                 <a:effectLst/>
                 <a:extLst>
                   <a:ext uri="{909E8E84-426E-40dd-AFC4-6F175D3DCCD1}">
-                    <a14:hiddenFill xmlns="" xmlns:a14="http://schemas.microsoft.com/office/drawing/2010/main">
+                    <a14:hiddenFill xmlns:a14="http://schemas.microsoft.com/office/drawing/2010/main" xmlns="">
                       <a:noFill/>
                     </a14:hiddenFill>
                   </a:ext>
                   <a:ext uri="{AF507438-7753-43e0-B8FC-AC1667EBCBE1}">
-                    <a14:hiddenEffects xmlns="" xmlns:a14="http://schemas.microsoft.com/office/drawing/2010/main">
+                    <a14:hiddenEffects xmlns:a14="http://schemas.microsoft.com/office/drawing/2010/main" xmlns="">
                       <a:effectLst>
                         <a:outerShdw blurRad="63500" dist="38099" dir="2700000" algn="ctr" rotWithShape="0">
                           <a:schemeClr val="bg2">
@@ -34067,12 +34051,12 @@
                 <a:effectLst/>
                 <a:extLst>
                   <a:ext uri="{909E8E84-426E-40dd-AFC4-6F175D3DCCD1}">
-                    <a14:hiddenFill xmlns="" xmlns:a14="http://schemas.microsoft.com/office/drawing/2010/main">
+                    <a14:hiddenFill xmlns:a14="http://schemas.microsoft.com/office/drawing/2010/main" xmlns="">
                       <a:noFill/>
                     </a14:hiddenFill>
                   </a:ext>
                   <a:ext uri="{AF507438-7753-43e0-B8FC-AC1667EBCBE1}">
-                    <a14:hiddenEffects xmlns="" xmlns:a14="http://schemas.microsoft.com/office/drawing/2010/main">
+                    <a14:hiddenEffects xmlns:a14="http://schemas.microsoft.com/office/drawing/2010/main" xmlns="">
                       <a:effectLst>
                         <a:outerShdw blurRad="63500" dist="38099" dir="2700000" algn="ctr" rotWithShape="0">
                           <a:schemeClr val="bg2">
@@ -34125,12 +34109,12 @@
                 <a:effectLst/>
                 <a:extLst>
                   <a:ext uri="{909E8E84-426E-40dd-AFC4-6F175D3DCCD1}">
-                    <a14:hiddenFill xmlns="" xmlns:a14="http://schemas.microsoft.com/office/drawing/2010/main">
+                    <a14:hiddenFill xmlns:a14="http://schemas.microsoft.com/office/drawing/2010/main" xmlns="">
                       <a:noFill/>
                     </a14:hiddenFill>
                   </a:ext>
                   <a:ext uri="{AF507438-7753-43e0-B8FC-AC1667EBCBE1}">
-                    <a14:hiddenEffects xmlns="" xmlns:a14="http://schemas.microsoft.com/office/drawing/2010/main">
+                    <a14:hiddenEffects xmlns:a14="http://schemas.microsoft.com/office/drawing/2010/main" xmlns="">
                       <a:effectLst>
                         <a:outerShdw blurRad="63500" dist="38099" dir="2700000" algn="ctr" rotWithShape="0">
                           <a:schemeClr val="bg2">
@@ -34200,12 +34184,12 @@
                 <a:effectLst/>
                 <a:extLst>
                   <a:ext uri="{909E8E84-426E-40dd-AFC4-6F175D3DCCD1}">
-                    <a14:hiddenFill xmlns="" xmlns:a14="http://schemas.microsoft.com/office/drawing/2010/main">
+                    <a14:hiddenFill xmlns:a14="http://schemas.microsoft.com/office/drawing/2010/main" xmlns="">
                       <a:noFill/>
                     </a14:hiddenFill>
                   </a:ext>
                   <a:ext uri="{AF507438-7753-43e0-B8FC-AC1667EBCBE1}">
-                    <a14:hiddenEffects xmlns="" xmlns:a14="http://schemas.microsoft.com/office/drawing/2010/main">
+                    <a14:hiddenEffects xmlns:a14="http://schemas.microsoft.com/office/drawing/2010/main" xmlns="">
                       <a:effectLst>
                         <a:outerShdw blurRad="63500" dist="38099" dir="2700000" algn="ctr" rotWithShape="0">
                           <a:schemeClr val="bg2">
@@ -34258,12 +34242,12 @@
                 <a:effectLst/>
                 <a:extLst>
                   <a:ext uri="{909E8E84-426E-40dd-AFC4-6F175D3DCCD1}">
-                    <a14:hiddenFill xmlns="" xmlns:a14="http://schemas.microsoft.com/office/drawing/2010/main">
+                    <a14:hiddenFill xmlns:a14="http://schemas.microsoft.com/office/drawing/2010/main" xmlns="">
                       <a:noFill/>
                     </a14:hiddenFill>
                   </a:ext>
                   <a:ext uri="{AF507438-7753-43e0-B8FC-AC1667EBCBE1}">
-                    <a14:hiddenEffects xmlns="" xmlns:a14="http://schemas.microsoft.com/office/drawing/2010/main">
+                    <a14:hiddenEffects xmlns:a14="http://schemas.microsoft.com/office/drawing/2010/main" xmlns="">
                       <a:effectLst>
                         <a:outerShdw blurRad="63500" dist="38099" dir="2700000" algn="ctr" rotWithShape="0">
                           <a:schemeClr val="bg2">
@@ -34316,12 +34300,12 @@
                 <a:effectLst/>
                 <a:extLst>
                   <a:ext uri="{909E8E84-426E-40dd-AFC4-6F175D3DCCD1}">
-                    <a14:hiddenFill xmlns="" xmlns:a14="http://schemas.microsoft.com/office/drawing/2010/main">
+                    <a14:hiddenFill xmlns:a14="http://schemas.microsoft.com/office/drawing/2010/main" xmlns="">
                       <a:noFill/>
                     </a14:hiddenFill>
                   </a:ext>
                   <a:ext uri="{AF507438-7753-43e0-B8FC-AC1667EBCBE1}">
-                    <a14:hiddenEffects xmlns="" xmlns:a14="http://schemas.microsoft.com/office/drawing/2010/main">
+                    <a14:hiddenEffects xmlns:a14="http://schemas.microsoft.com/office/drawing/2010/main" xmlns="">
                       <a:effectLst>
                         <a:outerShdw blurRad="63500" dist="38099" dir="2700000" algn="ctr" rotWithShape="0">
                           <a:schemeClr val="bg2">
@@ -34371,14 +34355,14 @@
             <a:effectLst/>
             <a:extLst>
               <a:ext uri="{909E8E84-426E-40dd-AFC4-6F175D3DCCD1}">
-                <a14:hiddenFill xmlns="" xmlns:a14="http://schemas.microsoft.com/office/drawing/2010/main">
+                <a14:hiddenFill xmlns:a14="http://schemas.microsoft.com/office/drawing/2010/main" xmlns="">
                   <a:solidFill>
                     <a:schemeClr val="accent1"/>
                   </a:solidFill>
                 </a14:hiddenFill>
               </a:ext>
               <a:ext uri="{91240B29-F687-4f45-9708-019B960494DF}">
-                <a14:hiddenLine xmlns="" xmlns:a14="http://schemas.microsoft.com/office/drawing/2010/main" w="9525">
+                <a14:hiddenLine xmlns:a14="http://schemas.microsoft.com/office/drawing/2010/main" xmlns="" w="9525">
                   <a:solidFill>
                     <a:schemeClr val="tx1"/>
                   </a:solidFill>
@@ -34388,7 +34372,7 @@
                 </a14:hiddenLine>
               </a:ext>
               <a:ext uri="{AF507438-7753-43e0-B8FC-AC1667EBCBE1}">
-                <a14:hiddenEffects xmlns="" xmlns:a14="http://schemas.microsoft.com/office/drawing/2010/main">
+                <a14:hiddenEffects xmlns:a14="http://schemas.microsoft.com/office/drawing/2010/main" xmlns="">
                   <a:effectLst>
                     <a:outerShdw blurRad="63500" dist="38099" dir="2700000" algn="ctr" rotWithShape="0">
                       <a:schemeClr val="bg2">
@@ -34549,14 +34533,14 @@
           <a:effectLst/>
           <a:extLst>
             <a:ext uri="{909E8E84-426E-40dd-AFC4-6F175D3DCCD1}">
-              <a14:hiddenFill xmlns="" xmlns:a14="http://schemas.microsoft.com/office/drawing/2010/main">
+              <a14:hiddenFill xmlns:a14="http://schemas.microsoft.com/office/drawing/2010/main" xmlns="">
                 <a:solidFill>
                   <a:schemeClr val="accent1"/>
                 </a:solidFill>
               </a14:hiddenFill>
             </a:ext>
             <a:ext uri="{91240B29-F687-4f45-9708-019B960494DF}">
-              <a14:hiddenLine xmlns="" xmlns:a14="http://schemas.microsoft.com/office/drawing/2010/main" w="9525">
+              <a14:hiddenLine xmlns:a14="http://schemas.microsoft.com/office/drawing/2010/main" xmlns="" w="9525">
                 <a:solidFill>
                   <a:schemeClr val="tx1"/>
                 </a:solidFill>
@@ -34566,7 +34550,7 @@
               </a14:hiddenLine>
             </a:ext>
             <a:ext uri="{AF507438-7753-43e0-B8FC-AC1667EBCBE1}">
-              <a14:hiddenEffects xmlns="" xmlns:a14="http://schemas.microsoft.com/office/drawing/2010/main">
+              <a14:hiddenEffects xmlns:a14="http://schemas.microsoft.com/office/drawing/2010/main" xmlns="">
                 <a:effectLst>
                   <a:outerShdw blurRad="63500" dist="38099" dir="2700000" algn="ctr" rotWithShape="0">
                     <a:schemeClr val="bg2">
@@ -34726,14 +34710,14 @@
           <a:effectLst/>
           <a:extLst>
             <a:ext uri="{909E8E84-426E-40dd-AFC4-6F175D3DCCD1}">
-              <a14:hiddenFill xmlns="" xmlns:a14="http://schemas.microsoft.com/office/drawing/2010/main">
+              <a14:hiddenFill xmlns:a14="http://schemas.microsoft.com/office/drawing/2010/main" xmlns="">
                 <a:solidFill>
                   <a:schemeClr val="accent1"/>
                 </a:solidFill>
               </a14:hiddenFill>
             </a:ext>
             <a:ext uri="{91240B29-F687-4f45-9708-019B960494DF}">
-              <a14:hiddenLine xmlns="" xmlns:a14="http://schemas.microsoft.com/office/drawing/2010/main" w="9525">
+              <a14:hiddenLine xmlns:a14="http://schemas.microsoft.com/office/drawing/2010/main" xmlns="" w="9525">
                 <a:solidFill>
                   <a:schemeClr val="tx1"/>
                 </a:solidFill>
@@ -34743,7 +34727,7 @@
               </a14:hiddenLine>
             </a:ext>
             <a:ext uri="{AF507438-7753-43e0-B8FC-AC1667EBCBE1}">
-              <a14:hiddenEffects xmlns="" xmlns:a14="http://schemas.microsoft.com/office/drawing/2010/main">
+              <a14:hiddenEffects xmlns:a14="http://schemas.microsoft.com/office/drawing/2010/main" xmlns="">
                 <a:effectLst>
                   <a:outerShdw blurRad="63500" dist="38099" dir="2700000" algn="ctr" rotWithShape="0">
                     <a:schemeClr val="bg2">
@@ -34924,14 +34908,14 @@
             <a:effectLst/>
             <a:extLst>
               <a:ext uri="{909E8E84-426E-40dd-AFC4-6F175D3DCCD1}">
-                <a14:hiddenFill xmlns="" xmlns:a14="http://schemas.microsoft.com/office/drawing/2010/main">
+                <a14:hiddenFill xmlns:a14="http://schemas.microsoft.com/office/drawing/2010/main" xmlns="">
                   <a:solidFill>
                     <a:schemeClr val="accent1"/>
                   </a:solidFill>
                 </a14:hiddenFill>
               </a:ext>
               <a:ext uri="{AF507438-7753-43e0-B8FC-AC1667EBCBE1}">
-                <a14:hiddenEffects xmlns="" xmlns:a14="http://schemas.microsoft.com/office/drawing/2010/main">
+                <a14:hiddenEffects xmlns:a14="http://schemas.microsoft.com/office/drawing/2010/main" xmlns="">
                   <a:effectLst>
                     <a:outerShdw blurRad="63500" dist="38099" dir="2700000" algn="ctr" rotWithShape="0">
                       <a:schemeClr val="bg2">
@@ -35067,7 +35051,7 @@
             <a:effectLst/>
             <a:extLst>
               <a:ext uri="{91240B29-F687-4f45-9708-019B960494DF}">
-                <a14:hiddenLine xmlns="" xmlns:a14="http://schemas.microsoft.com/office/drawing/2010/main" w="9525">
+                <a14:hiddenLine xmlns:a14="http://schemas.microsoft.com/office/drawing/2010/main" xmlns="" w="9525">
                   <a:solidFill>
                     <a:schemeClr val="tx1"/>
                   </a:solidFill>
@@ -35077,7 +35061,7 @@
                 </a14:hiddenLine>
               </a:ext>
               <a:ext uri="{AF507438-7753-43e0-B8FC-AC1667EBCBE1}">
-                <a14:hiddenEffects xmlns="" xmlns:a14="http://schemas.microsoft.com/office/drawing/2010/main">
+                <a14:hiddenEffects xmlns:a14="http://schemas.microsoft.com/office/drawing/2010/main" xmlns="">
                   <a:effectLst>
                     <a:outerShdw dist="35921" dir="2700000" algn="ctr" rotWithShape="0">
                       <a:schemeClr val="bg2"/>
@@ -35127,7 +35111,7 @@
             <a:effectLst/>
             <a:extLst>
               <a:ext uri="{AF507438-7753-43e0-B8FC-AC1667EBCBE1}">
-                <a14:hiddenEffects xmlns="" xmlns:a14="http://schemas.microsoft.com/office/drawing/2010/main">
+                <a14:hiddenEffects xmlns:a14="http://schemas.microsoft.com/office/drawing/2010/main" xmlns="">
                   <a:effectLst>
                     <a:outerShdw dist="35921" dir="2700000" algn="ctr" rotWithShape="0">
                       <a:schemeClr val="bg2"/>
@@ -35175,14 +35159,14 @@
             <a:effectLst/>
             <a:extLst>
               <a:ext uri="{909E8E84-426E-40dd-AFC4-6F175D3DCCD1}">
-                <a14:hiddenFill xmlns="" xmlns:a14="http://schemas.microsoft.com/office/drawing/2010/main">
+                <a14:hiddenFill xmlns:a14="http://schemas.microsoft.com/office/drawing/2010/main" xmlns="">
                   <a:solidFill>
                     <a:schemeClr val="accent1"/>
                   </a:solidFill>
                 </a14:hiddenFill>
               </a:ext>
               <a:ext uri="{91240B29-F687-4f45-9708-019B960494DF}">
-                <a14:hiddenLine xmlns="" xmlns:a14="http://schemas.microsoft.com/office/drawing/2010/main" w="9525">
+                <a14:hiddenLine xmlns:a14="http://schemas.microsoft.com/office/drawing/2010/main" xmlns="" w="9525">
                   <a:solidFill>
                     <a:schemeClr val="tx1"/>
                   </a:solidFill>
@@ -35192,7 +35176,7 @@
                 </a14:hiddenLine>
               </a:ext>
               <a:ext uri="{AF507438-7753-43e0-B8FC-AC1667EBCBE1}">
-                <a14:hiddenEffects xmlns="" xmlns:a14="http://schemas.microsoft.com/office/drawing/2010/main">
+                <a14:hiddenEffects xmlns:a14="http://schemas.microsoft.com/office/drawing/2010/main" xmlns="">
                   <a:effectLst>
                     <a:outerShdw blurRad="63500" dist="38099" dir="2700000" algn="ctr" rotWithShape="0">
                       <a:schemeClr val="bg2">
@@ -35385,12 +35369,12 @@
             <a:effectLst/>
             <a:extLst>
               <a:ext uri="{909E8E84-426E-40dd-AFC4-6F175D3DCCD1}">
-                <a14:hiddenFill xmlns="" xmlns:a14="http://schemas.microsoft.com/office/drawing/2010/main">
+                <a14:hiddenFill xmlns:a14="http://schemas.microsoft.com/office/drawing/2010/main" xmlns="">
                   <a:noFill/>
                 </a14:hiddenFill>
               </a:ext>
               <a:ext uri="{AF507438-7753-43e0-B8FC-AC1667EBCBE1}">
-                <a14:hiddenEffects xmlns="" xmlns:a14="http://schemas.microsoft.com/office/drawing/2010/main">
+                <a14:hiddenEffects xmlns:a14="http://schemas.microsoft.com/office/drawing/2010/main" xmlns="">
                   <a:effectLst>
                     <a:outerShdw blurRad="63500" dist="38099" dir="2700000" algn="ctr" rotWithShape="0">
                       <a:schemeClr val="bg2">
@@ -35443,12 +35427,12 @@
             <a:effectLst/>
             <a:extLst>
               <a:ext uri="{909E8E84-426E-40dd-AFC4-6F175D3DCCD1}">
-                <a14:hiddenFill xmlns="" xmlns:a14="http://schemas.microsoft.com/office/drawing/2010/main">
+                <a14:hiddenFill xmlns:a14="http://schemas.microsoft.com/office/drawing/2010/main" xmlns="">
                   <a:noFill/>
                 </a14:hiddenFill>
               </a:ext>
               <a:ext uri="{AF507438-7753-43e0-B8FC-AC1667EBCBE1}">
-                <a14:hiddenEffects xmlns="" xmlns:a14="http://schemas.microsoft.com/office/drawing/2010/main">
+                <a14:hiddenEffects xmlns:a14="http://schemas.microsoft.com/office/drawing/2010/main" xmlns="">
                   <a:effectLst>
                     <a:outerShdw blurRad="63500" dist="38099" dir="2700000" algn="ctr" rotWithShape="0">
                       <a:schemeClr val="bg2">
@@ -35501,12 +35485,12 @@
             <a:effectLst/>
             <a:extLst>
               <a:ext uri="{909E8E84-426E-40dd-AFC4-6F175D3DCCD1}">
-                <a14:hiddenFill xmlns="" xmlns:a14="http://schemas.microsoft.com/office/drawing/2010/main">
+                <a14:hiddenFill xmlns:a14="http://schemas.microsoft.com/office/drawing/2010/main" xmlns="">
                   <a:noFill/>
                 </a14:hiddenFill>
               </a:ext>
               <a:ext uri="{AF507438-7753-43e0-B8FC-AC1667EBCBE1}">
-                <a14:hiddenEffects xmlns="" xmlns:a14="http://schemas.microsoft.com/office/drawing/2010/main">
+                <a14:hiddenEffects xmlns:a14="http://schemas.microsoft.com/office/drawing/2010/main" xmlns="">
                   <a:effectLst>
                     <a:outerShdw blurRad="63500" dist="38099" dir="2700000" algn="ctr" rotWithShape="0">
                       <a:schemeClr val="bg2">
@@ -35572,7 +35556,7 @@
               <a:effectLst/>
               <a:extLst>
                 <a:ext uri="{91240B29-F687-4f45-9708-019B960494DF}">
-                  <a14:hiddenLine xmlns="" xmlns:a14="http://schemas.microsoft.com/office/drawing/2010/main" w="9525">
+                  <a14:hiddenLine xmlns:a14="http://schemas.microsoft.com/office/drawing/2010/main" xmlns="" w="9525">
                     <a:solidFill>
                       <a:schemeClr val="tx1"/>
                     </a:solidFill>
@@ -35582,7 +35566,7 @@
                   </a14:hiddenLine>
                 </a:ext>
                 <a:ext uri="{AF507438-7753-43e0-B8FC-AC1667EBCBE1}">
-                  <a14:hiddenEffects xmlns="" xmlns:a14="http://schemas.microsoft.com/office/drawing/2010/main">
+                  <a14:hiddenEffects xmlns:a14="http://schemas.microsoft.com/office/drawing/2010/main" xmlns="">
                     <a:effectLst>
                       <a:outerShdw blurRad="63500" dist="38099" dir="2700000" algn="ctr" rotWithShape="0">
                         <a:schemeClr val="bg2">
@@ -35689,14 +35673,14 @@
               <a:effectLst/>
               <a:extLst>
                 <a:ext uri="{909E8E84-426E-40dd-AFC4-6F175D3DCCD1}">
-                  <a14:hiddenFill xmlns="" xmlns:a14="http://schemas.microsoft.com/office/drawing/2010/main">
+                  <a14:hiddenFill xmlns:a14="http://schemas.microsoft.com/office/drawing/2010/main" xmlns="">
                     <a:solidFill>
                       <a:schemeClr val="accent1"/>
                     </a:solidFill>
                   </a14:hiddenFill>
                 </a:ext>
                 <a:ext uri="{AF507438-7753-43e0-B8FC-AC1667EBCBE1}">
-                  <a14:hiddenEffects xmlns="" xmlns:a14="http://schemas.microsoft.com/office/drawing/2010/main">
+                  <a14:hiddenEffects xmlns:a14="http://schemas.microsoft.com/office/drawing/2010/main" xmlns="">
                     <a:effectLst>
                       <a:outerShdw dist="35921" dir="2700000" algn="ctr" rotWithShape="0">
                         <a:schemeClr val="bg2"/>
@@ -35795,14 +35779,14 @@
               <a:effectLst/>
               <a:extLst>
                 <a:ext uri="{909E8E84-426E-40dd-AFC4-6F175D3DCCD1}">
-                  <a14:hiddenFill xmlns="" xmlns:a14="http://schemas.microsoft.com/office/drawing/2010/main">
+                  <a14:hiddenFill xmlns:a14="http://schemas.microsoft.com/office/drawing/2010/main" xmlns="">
                     <a:solidFill>
                       <a:schemeClr val="accent1"/>
                     </a:solidFill>
                   </a14:hiddenFill>
                 </a:ext>
                 <a:ext uri="{AF507438-7753-43e0-B8FC-AC1667EBCBE1}">
-                  <a14:hiddenEffects xmlns="" xmlns:a14="http://schemas.microsoft.com/office/drawing/2010/main">
+                  <a14:hiddenEffects xmlns:a14="http://schemas.microsoft.com/office/drawing/2010/main" xmlns="">
                     <a:effectLst>
                       <a:outerShdw dist="35921" dir="2700000" algn="ctr" rotWithShape="0">
                         <a:schemeClr val="bg2"/>
@@ -35862,7 +35846,7 @@
               <a:effectLst/>
               <a:extLst>
                 <a:ext uri="{91240B29-F687-4f45-9708-019B960494DF}">
-                  <a14:hiddenLine xmlns="" xmlns:a14="http://schemas.microsoft.com/office/drawing/2010/main" w="9525">
+                  <a14:hiddenLine xmlns:a14="http://schemas.microsoft.com/office/drawing/2010/main" xmlns="" w="9525">
                     <a:solidFill>
                       <a:schemeClr val="tx1"/>
                     </a:solidFill>
@@ -35872,7 +35856,7 @@
                   </a14:hiddenLine>
                 </a:ext>
                 <a:ext uri="{AF507438-7753-43e0-B8FC-AC1667EBCBE1}">
-                  <a14:hiddenEffects xmlns="" xmlns:a14="http://schemas.microsoft.com/office/drawing/2010/main">
+                  <a14:hiddenEffects xmlns:a14="http://schemas.microsoft.com/office/drawing/2010/main" xmlns="">
                     <a:effectLst>
                       <a:outerShdw blurRad="63500" dist="38099" dir="2700000" algn="ctr" rotWithShape="0">
                         <a:schemeClr val="bg2">
@@ -35979,14 +35963,14 @@
               <a:effectLst/>
               <a:extLst>
                 <a:ext uri="{909E8E84-426E-40dd-AFC4-6F175D3DCCD1}">
-                  <a14:hiddenFill xmlns="" xmlns:a14="http://schemas.microsoft.com/office/drawing/2010/main">
+                  <a14:hiddenFill xmlns:a14="http://schemas.microsoft.com/office/drawing/2010/main" xmlns="">
                     <a:solidFill>
                       <a:schemeClr val="accent1"/>
                     </a:solidFill>
                   </a14:hiddenFill>
                 </a:ext>
                 <a:ext uri="{AF507438-7753-43e0-B8FC-AC1667EBCBE1}">
-                  <a14:hiddenEffects xmlns="" xmlns:a14="http://schemas.microsoft.com/office/drawing/2010/main">
+                  <a14:hiddenEffects xmlns:a14="http://schemas.microsoft.com/office/drawing/2010/main" xmlns="">
                     <a:effectLst>
                       <a:outerShdw dist="35921" dir="2700000" algn="ctr" rotWithShape="0">
                         <a:schemeClr val="bg2"/>
@@ -36085,14 +36069,14 @@
               <a:effectLst/>
               <a:extLst>
                 <a:ext uri="{909E8E84-426E-40dd-AFC4-6F175D3DCCD1}">
-                  <a14:hiddenFill xmlns="" xmlns:a14="http://schemas.microsoft.com/office/drawing/2010/main">
+                  <a14:hiddenFill xmlns:a14="http://schemas.microsoft.com/office/drawing/2010/main" xmlns="">
                     <a:solidFill>
                       <a:schemeClr val="accent1"/>
                     </a:solidFill>
                   </a14:hiddenFill>
                 </a:ext>
                 <a:ext uri="{AF507438-7753-43e0-B8FC-AC1667EBCBE1}">
-                  <a14:hiddenEffects xmlns="" xmlns:a14="http://schemas.microsoft.com/office/drawing/2010/main">
+                  <a14:hiddenEffects xmlns:a14="http://schemas.microsoft.com/office/drawing/2010/main" xmlns="">
                     <a:effectLst>
                       <a:outerShdw dist="35921" dir="2700000" algn="ctr" rotWithShape="0">
                         <a:schemeClr val="bg2"/>
@@ -36152,7 +36136,7 @@
               <a:effectLst/>
               <a:extLst>
                 <a:ext uri="{91240B29-F687-4f45-9708-019B960494DF}">
-                  <a14:hiddenLine xmlns="" xmlns:a14="http://schemas.microsoft.com/office/drawing/2010/main" w="9525">
+                  <a14:hiddenLine xmlns:a14="http://schemas.microsoft.com/office/drawing/2010/main" xmlns="" w="9525">
                     <a:solidFill>
                       <a:schemeClr val="tx1"/>
                     </a:solidFill>
@@ -36162,7 +36146,7 @@
                   </a14:hiddenLine>
                 </a:ext>
                 <a:ext uri="{AF507438-7753-43e0-B8FC-AC1667EBCBE1}">
-                  <a14:hiddenEffects xmlns="" xmlns:a14="http://schemas.microsoft.com/office/drawing/2010/main">
+                  <a14:hiddenEffects xmlns:a14="http://schemas.microsoft.com/office/drawing/2010/main" xmlns="">
                     <a:effectLst>
                       <a:outerShdw blurRad="63500" dist="38099" dir="2700000" algn="ctr" rotWithShape="0">
                         <a:schemeClr val="bg2">
@@ -36269,14 +36253,14 @@
               <a:effectLst/>
               <a:extLst>
                 <a:ext uri="{909E8E84-426E-40dd-AFC4-6F175D3DCCD1}">
-                  <a14:hiddenFill xmlns="" xmlns:a14="http://schemas.microsoft.com/office/drawing/2010/main">
+                  <a14:hiddenFill xmlns:a14="http://schemas.microsoft.com/office/drawing/2010/main" xmlns="">
                     <a:solidFill>
                       <a:schemeClr val="accent1"/>
                     </a:solidFill>
                   </a14:hiddenFill>
                 </a:ext>
                 <a:ext uri="{AF507438-7753-43e0-B8FC-AC1667EBCBE1}">
-                  <a14:hiddenEffects xmlns="" xmlns:a14="http://schemas.microsoft.com/office/drawing/2010/main">
+                  <a14:hiddenEffects xmlns:a14="http://schemas.microsoft.com/office/drawing/2010/main" xmlns="">
                     <a:effectLst>
                       <a:outerShdw dist="35921" dir="2700000" algn="ctr" rotWithShape="0">
                         <a:schemeClr val="bg2"/>
@@ -36375,14 +36359,14 @@
               <a:effectLst/>
               <a:extLst>
                 <a:ext uri="{909E8E84-426E-40dd-AFC4-6F175D3DCCD1}">
-                  <a14:hiddenFill xmlns="" xmlns:a14="http://schemas.microsoft.com/office/drawing/2010/main">
+                  <a14:hiddenFill xmlns:a14="http://schemas.microsoft.com/office/drawing/2010/main" xmlns="">
                     <a:solidFill>
                       <a:schemeClr val="accent1"/>
                     </a:solidFill>
                   </a14:hiddenFill>
                 </a:ext>
                 <a:ext uri="{AF507438-7753-43e0-B8FC-AC1667EBCBE1}">
-                  <a14:hiddenEffects xmlns="" xmlns:a14="http://schemas.microsoft.com/office/drawing/2010/main">
+                  <a14:hiddenEffects xmlns:a14="http://schemas.microsoft.com/office/drawing/2010/main" xmlns="">
                     <a:effectLst>
                       <a:outerShdw dist="35921" dir="2700000" algn="ctr" rotWithShape="0">
                         <a:schemeClr val="bg2"/>
@@ -36429,12 +36413,12 @@
             <a:effectLst/>
             <a:extLst>
               <a:ext uri="{909E8E84-426E-40dd-AFC4-6F175D3DCCD1}">
-                <a14:hiddenFill xmlns="" xmlns:a14="http://schemas.microsoft.com/office/drawing/2010/main">
+                <a14:hiddenFill xmlns:a14="http://schemas.microsoft.com/office/drawing/2010/main" xmlns="">
                   <a:noFill/>
                 </a14:hiddenFill>
               </a:ext>
               <a:ext uri="{AF507438-7753-43e0-B8FC-AC1667EBCBE1}">
-                <a14:hiddenEffects xmlns="" xmlns:a14="http://schemas.microsoft.com/office/drawing/2010/main">
+                <a14:hiddenEffects xmlns:a14="http://schemas.microsoft.com/office/drawing/2010/main" xmlns="">
                   <a:effectLst>
                     <a:outerShdw blurRad="63500" dist="38099" dir="2700000" algn="ctr" rotWithShape="0">
                       <a:schemeClr val="bg2">
@@ -36500,7 +36484,7 @@
               <a:effectLst/>
               <a:extLst>
                 <a:ext uri="{91240B29-F687-4f45-9708-019B960494DF}">
-                  <a14:hiddenLine xmlns="" xmlns:a14="http://schemas.microsoft.com/office/drawing/2010/main" w="9525">
+                  <a14:hiddenLine xmlns:a14="http://schemas.microsoft.com/office/drawing/2010/main" xmlns="" w="9525">
                     <a:solidFill>
                       <a:schemeClr val="tx1"/>
                     </a:solidFill>
@@ -36510,7 +36494,7 @@
                   </a14:hiddenLine>
                 </a:ext>
                 <a:ext uri="{AF507438-7753-43e0-B8FC-AC1667EBCBE1}">
-                  <a14:hiddenEffects xmlns="" xmlns:a14="http://schemas.microsoft.com/office/drawing/2010/main">
+                  <a14:hiddenEffects xmlns:a14="http://schemas.microsoft.com/office/drawing/2010/main" xmlns="">
                     <a:effectLst>
                       <a:outerShdw blurRad="63500" dist="38099" dir="2700000" algn="ctr" rotWithShape="0">
                         <a:schemeClr val="bg2">
@@ -36617,14 +36601,14 @@
               <a:effectLst/>
               <a:extLst>
                 <a:ext uri="{909E8E84-426E-40dd-AFC4-6F175D3DCCD1}">
-                  <a14:hiddenFill xmlns="" xmlns:a14="http://schemas.microsoft.com/office/drawing/2010/main">
+                  <a14:hiddenFill xmlns:a14="http://schemas.microsoft.com/office/drawing/2010/main" xmlns="">
                     <a:solidFill>
                       <a:schemeClr val="accent1"/>
                     </a:solidFill>
                   </a14:hiddenFill>
                 </a:ext>
                 <a:ext uri="{AF507438-7753-43e0-B8FC-AC1667EBCBE1}">
-                  <a14:hiddenEffects xmlns="" xmlns:a14="http://schemas.microsoft.com/office/drawing/2010/main">
+                  <a14:hiddenEffects xmlns:a14="http://schemas.microsoft.com/office/drawing/2010/main" xmlns="">
                     <a:effectLst>
                       <a:outerShdw dist="35921" dir="2700000" algn="ctr" rotWithShape="0">
                         <a:schemeClr val="bg2"/>
@@ -36723,14 +36707,14 @@
               <a:effectLst/>
               <a:extLst>
                 <a:ext uri="{909E8E84-426E-40dd-AFC4-6F175D3DCCD1}">
-                  <a14:hiddenFill xmlns="" xmlns:a14="http://schemas.microsoft.com/office/drawing/2010/main">
+                  <a14:hiddenFill xmlns:a14="http://schemas.microsoft.com/office/drawing/2010/main" xmlns="">
                     <a:solidFill>
                       <a:schemeClr val="accent1"/>
                     </a:solidFill>
                   </a14:hiddenFill>
                 </a:ext>
                 <a:ext uri="{AF507438-7753-43e0-B8FC-AC1667EBCBE1}">
-                  <a14:hiddenEffects xmlns="" xmlns:a14="http://schemas.microsoft.com/office/drawing/2010/main">
+                  <a14:hiddenEffects xmlns:a14="http://schemas.microsoft.com/office/drawing/2010/main" xmlns="">
                     <a:effectLst>
                       <a:outerShdw dist="35921" dir="2700000" algn="ctr" rotWithShape="0">
                         <a:schemeClr val="bg2"/>
@@ -36772,14 +36756,14 @@
             <a:effectLst/>
             <a:extLst>
               <a:ext uri="{909E8E84-426E-40dd-AFC4-6F175D3DCCD1}">
-                <a14:hiddenFill xmlns="" xmlns:a14="http://schemas.microsoft.com/office/drawing/2010/main">
+                <a14:hiddenFill xmlns:a14="http://schemas.microsoft.com/office/drawing/2010/main" xmlns="">
                   <a:solidFill>
                     <a:schemeClr val="accent1"/>
                   </a:solidFill>
                 </a14:hiddenFill>
               </a:ext>
               <a:ext uri="{91240B29-F687-4f45-9708-019B960494DF}">
-                <a14:hiddenLine xmlns="" xmlns:a14="http://schemas.microsoft.com/office/drawing/2010/main" w="9525">
+                <a14:hiddenLine xmlns:a14="http://schemas.microsoft.com/office/drawing/2010/main" xmlns="" w="9525">
                   <a:solidFill>
                     <a:schemeClr val="tx1"/>
                   </a:solidFill>
@@ -36789,7 +36773,7 @@
                 </a14:hiddenLine>
               </a:ext>
               <a:ext uri="{AF507438-7753-43e0-B8FC-AC1667EBCBE1}">
-                <a14:hiddenEffects xmlns="" xmlns:a14="http://schemas.microsoft.com/office/drawing/2010/main">
+                <a14:hiddenEffects xmlns:a14="http://schemas.microsoft.com/office/drawing/2010/main" xmlns="">
                   <a:effectLst>
                     <a:outerShdw blurRad="63500" dist="38099" dir="2700000" algn="ctr" rotWithShape="0">
                       <a:schemeClr val="bg2">
@@ -36949,14 +36933,14 @@
             <a:effectLst/>
             <a:extLst>
               <a:ext uri="{909E8E84-426E-40dd-AFC4-6F175D3DCCD1}">
-                <a14:hiddenFill xmlns="" xmlns:a14="http://schemas.microsoft.com/office/drawing/2010/main">
+                <a14:hiddenFill xmlns:a14="http://schemas.microsoft.com/office/drawing/2010/main" xmlns="">
                   <a:solidFill>
                     <a:schemeClr val="accent1"/>
                   </a:solidFill>
                 </a14:hiddenFill>
               </a:ext>
               <a:ext uri="{91240B29-F687-4f45-9708-019B960494DF}">
-                <a14:hiddenLine xmlns="" xmlns:a14="http://schemas.microsoft.com/office/drawing/2010/main" w="9525">
+                <a14:hiddenLine xmlns:a14="http://schemas.microsoft.com/office/drawing/2010/main" xmlns="" w="9525">
                   <a:solidFill>
                     <a:schemeClr val="tx1"/>
                   </a:solidFill>
@@ -36966,7 +36950,7 @@
                 </a14:hiddenLine>
               </a:ext>
               <a:ext uri="{AF507438-7753-43e0-B8FC-AC1667EBCBE1}">
-                <a14:hiddenEffects xmlns="" xmlns:a14="http://schemas.microsoft.com/office/drawing/2010/main">
+                <a14:hiddenEffects xmlns:a14="http://schemas.microsoft.com/office/drawing/2010/main" xmlns="">
                   <a:effectLst>
                     <a:outerShdw blurRad="63500" dist="38099" dir="2700000" algn="ctr" rotWithShape="0">
                       <a:schemeClr val="bg2">
@@ -37126,14 +37110,14 @@
             <a:effectLst/>
             <a:extLst>
               <a:ext uri="{909E8E84-426E-40dd-AFC4-6F175D3DCCD1}">
-                <a14:hiddenFill xmlns="" xmlns:a14="http://schemas.microsoft.com/office/drawing/2010/main">
+                <a14:hiddenFill xmlns:a14="http://schemas.microsoft.com/office/drawing/2010/main" xmlns="">
                   <a:solidFill>
                     <a:schemeClr val="accent1"/>
                   </a:solidFill>
                 </a14:hiddenFill>
               </a:ext>
               <a:ext uri="{91240B29-F687-4f45-9708-019B960494DF}">
-                <a14:hiddenLine xmlns="" xmlns:a14="http://schemas.microsoft.com/office/drawing/2010/main" w="9525">
+                <a14:hiddenLine xmlns:a14="http://schemas.microsoft.com/office/drawing/2010/main" xmlns="" w="9525">
                   <a:solidFill>
                     <a:schemeClr val="tx1"/>
                   </a:solidFill>
@@ -37143,7 +37127,7 @@
                 </a14:hiddenLine>
               </a:ext>
               <a:ext uri="{AF507438-7753-43e0-B8FC-AC1667EBCBE1}">
-                <a14:hiddenEffects xmlns="" xmlns:a14="http://schemas.microsoft.com/office/drawing/2010/main">
+                <a14:hiddenEffects xmlns:a14="http://schemas.microsoft.com/office/drawing/2010/main" xmlns="">
                   <a:effectLst>
                     <a:outerShdw blurRad="63500" dist="38099" dir="2700000" algn="ctr" rotWithShape="0">
                       <a:schemeClr val="bg2">
@@ -37303,14 +37287,14 @@
             <a:effectLst/>
             <a:extLst>
               <a:ext uri="{909E8E84-426E-40dd-AFC4-6F175D3DCCD1}">
-                <a14:hiddenFill xmlns="" xmlns:a14="http://schemas.microsoft.com/office/drawing/2010/main">
+                <a14:hiddenFill xmlns:a14="http://schemas.microsoft.com/office/drawing/2010/main" xmlns="">
                   <a:solidFill>
                     <a:schemeClr val="accent1"/>
                   </a:solidFill>
                 </a14:hiddenFill>
               </a:ext>
               <a:ext uri="{91240B29-F687-4f45-9708-019B960494DF}">
-                <a14:hiddenLine xmlns="" xmlns:a14="http://schemas.microsoft.com/office/drawing/2010/main" w="9525">
+                <a14:hiddenLine xmlns:a14="http://schemas.microsoft.com/office/drawing/2010/main" xmlns="" w="9525">
                   <a:solidFill>
                     <a:schemeClr val="tx1"/>
                   </a:solidFill>
@@ -37320,7 +37304,7 @@
                 </a14:hiddenLine>
               </a:ext>
               <a:ext uri="{AF507438-7753-43e0-B8FC-AC1667EBCBE1}">
-                <a14:hiddenEffects xmlns="" xmlns:a14="http://schemas.microsoft.com/office/drawing/2010/main">
+                <a14:hiddenEffects xmlns:a14="http://schemas.microsoft.com/office/drawing/2010/main" xmlns="">
                   <a:effectLst>
                     <a:outerShdw blurRad="63500" dist="38099" dir="2700000" algn="ctr" rotWithShape="0">
                       <a:schemeClr val="bg2">
@@ -37590,7 +37574,7 @@
             <a:effectLst/>
             <a:extLst>
               <a:ext uri="{91240B29-F687-4f45-9708-019B960494DF}">
-                <a14:hiddenLine xmlns="" xmlns:a14="http://schemas.microsoft.com/office/drawing/2010/main" w="9525">
+                <a14:hiddenLine xmlns:a14="http://schemas.microsoft.com/office/drawing/2010/main" xmlns="" w="9525">
                   <a:solidFill>
                     <a:schemeClr val="tx1"/>
                   </a:solidFill>
@@ -37600,7 +37584,7 @@
                 </a14:hiddenLine>
               </a:ext>
               <a:ext uri="{AF507438-7753-43e0-B8FC-AC1667EBCBE1}">
-                <a14:hiddenEffects xmlns="" xmlns:a14="http://schemas.microsoft.com/office/drawing/2010/main">
+                <a14:hiddenEffects xmlns:a14="http://schemas.microsoft.com/office/drawing/2010/main" xmlns="">
                   <a:effectLst>
                     <a:outerShdw dist="35921" dir="2700000" algn="ctr" rotWithShape="0">
                       <a:schemeClr val="bg2"/>
@@ -37646,14 +37630,14 @@
             <a:effectLst/>
             <a:extLst>
               <a:ext uri="{909E8E84-426E-40dd-AFC4-6F175D3DCCD1}">
-                <a14:hiddenFill xmlns="" xmlns:a14="http://schemas.microsoft.com/office/drawing/2010/main">
+                <a14:hiddenFill xmlns:a14="http://schemas.microsoft.com/office/drawing/2010/main" xmlns="">
                   <a:solidFill>
                     <a:schemeClr val="accent1"/>
                   </a:solidFill>
                 </a14:hiddenFill>
               </a:ext>
               <a:ext uri="{AF507438-7753-43e0-B8FC-AC1667EBCBE1}">
-                <a14:hiddenEffects xmlns="" xmlns:a14="http://schemas.microsoft.com/office/drawing/2010/main">
+                <a14:hiddenEffects xmlns:a14="http://schemas.microsoft.com/office/drawing/2010/main" xmlns="">
                   <a:effectLst>
                     <a:outerShdw blurRad="63500" dist="38099" dir="2700000" algn="ctr" rotWithShape="0">
                       <a:schemeClr val="bg2">
@@ -37711,7 +37695,7 @@
             <a:effectLst/>
             <a:extLst>
               <a:ext uri="{AF507438-7753-43e0-B8FC-AC1667EBCBE1}">
-                <a14:hiddenEffects xmlns="" xmlns:a14="http://schemas.microsoft.com/office/drawing/2010/main">
+                <a14:hiddenEffects xmlns:a14="http://schemas.microsoft.com/office/drawing/2010/main" xmlns="">
                   <a:effectLst>
                     <a:outerShdw dist="35921" dir="2700000" algn="ctr" rotWithShape="0">
                       <a:schemeClr val="bg2"/>
@@ -37759,14 +37743,14 @@
             <a:effectLst/>
             <a:extLst>
               <a:ext uri="{909E8E84-426E-40dd-AFC4-6F175D3DCCD1}">
-                <a14:hiddenFill xmlns="" xmlns:a14="http://schemas.microsoft.com/office/drawing/2010/main">
+                <a14:hiddenFill xmlns:a14="http://schemas.microsoft.com/office/drawing/2010/main" xmlns="">
                   <a:solidFill>
                     <a:schemeClr val="accent1"/>
                   </a:solidFill>
                 </a14:hiddenFill>
               </a:ext>
               <a:ext uri="{91240B29-F687-4f45-9708-019B960494DF}">
-                <a14:hiddenLine xmlns="" xmlns:a14="http://schemas.microsoft.com/office/drawing/2010/main" w="9525">
+                <a14:hiddenLine xmlns:a14="http://schemas.microsoft.com/office/drawing/2010/main" xmlns="" w="9525">
                   <a:solidFill>
                     <a:schemeClr val="tx1"/>
                   </a:solidFill>
@@ -37776,7 +37760,7 @@
                 </a14:hiddenLine>
               </a:ext>
               <a:ext uri="{AF507438-7753-43e0-B8FC-AC1667EBCBE1}">
-                <a14:hiddenEffects xmlns="" xmlns:a14="http://schemas.microsoft.com/office/drawing/2010/main">
+                <a14:hiddenEffects xmlns:a14="http://schemas.microsoft.com/office/drawing/2010/main" xmlns="">
                   <a:effectLst>
                     <a:outerShdw blurRad="63500" dist="38099" dir="2700000" algn="ctr" rotWithShape="0">
                       <a:schemeClr val="bg2">
@@ -37955,12 +37939,12 @@
             <a:effectLst/>
             <a:extLst>
               <a:ext uri="{909E8E84-426E-40dd-AFC4-6F175D3DCCD1}">
-                <a14:hiddenFill xmlns="" xmlns:a14="http://schemas.microsoft.com/office/drawing/2010/main">
+                <a14:hiddenFill xmlns:a14="http://schemas.microsoft.com/office/drawing/2010/main" xmlns="">
                   <a:noFill/>
                 </a14:hiddenFill>
               </a:ext>
               <a:ext uri="{AF507438-7753-43e0-B8FC-AC1667EBCBE1}">
-                <a14:hiddenEffects xmlns="" xmlns:a14="http://schemas.microsoft.com/office/drawing/2010/main">
+                <a14:hiddenEffects xmlns:a14="http://schemas.microsoft.com/office/drawing/2010/main" xmlns="">
                   <a:effectLst>
                     <a:outerShdw blurRad="63500" dist="38099" dir="2700000" algn="ctr" rotWithShape="0">
                       <a:schemeClr val="bg2">
@@ -38013,12 +37997,12 @@
             <a:effectLst/>
             <a:extLst>
               <a:ext uri="{909E8E84-426E-40dd-AFC4-6F175D3DCCD1}">
-                <a14:hiddenFill xmlns="" xmlns:a14="http://schemas.microsoft.com/office/drawing/2010/main">
+                <a14:hiddenFill xmlns:a14="http://schemas.microsoft.com/office/drawing/2010/main" xmlns="">
                   <a:noFill/>
                 </a14:hiddenFill>
               </a:ext>
               <a:ext uri="{AF507438-7753-43e0-B8FC-AC1667EBCBE1}">
-                <a14:hiddenEffects xmlns="" xmlns:a14="http://schemas.microsoft.com/office/drawing/2010/main">
+                <a14:hiddenEffects xmlns:a14="http://schemas.microsoft.com/office/drawing/2010/main" xmlns="">
                   <a:effectLst>
                     <a:outerShdw blurRad="63500" dist="38099" dir="2700000" algn="ctr" rotWithShape="0">
                       <a:schemeClr val="bg2">
@@ -38071,12 +38055,12 @@
             <a:effectLst/>
             <a:extLst>
               <a:ext uri="{909E8E84-426E-40dd-AFC4-6F175D3DCCD1}">
-                <a14:hiddenFill xmlns="" xmlns:a14="http://schemas.microsoft.com/office/drawing/2010/main">
+                <a14:hiddenFill xmlns:a14="http://schemas.microsoft.com/office/drawing/2010/main" xmlns="">
                   <a:noFill/>
                 </a14:hiddenFill>
               </a:ext>
               <a:ext uri="{AF507438-7753-43e0-B8FC-AC1667EBCBE1}">
-                <a14:hiddenEffects xmlns="" xmlns:a14="http://schemas.microsoft.com/office/drawing/2010/main">
+                <a14:hiddenEffects xmlns:a14="http://schemas.microsoft.com/office/drawing/2010/main" xmlns="">
                   <a:effectLst>
                     <a:outerShdw blurRad="63500" dist="38099" dir="2700000" algn="ctr" rotWithShape="0">
                       <a:schemeClr val="bg2">
@@ -38142,7 +38126,7 @@
               <a:effectLst/>
               <a:extLst>
                 <a:ext uri="{91240B29-F687-4f45-9708-019B960494DF}">
-                  <a14:hiddenLine xmlns="" xmlns:a14="http://schemas.microsoft.com/office/drawing/2010/main" w="9525">
+                  <a14:hiddenLine xmlns:a14="http://schemas.microsoft.com/office/drawing/2010/main" xmlns="" w="9525">
                     <a:solidFill>
                       <a:schemeClr val="tx1"/>
                     </a:solidFill>
@@ -38152,7 +38136,7 @@
                   </a14:hiddenLine>
                 </a:ext>
                 <a:ext uri="{AF507438-7753-43e0-B8FC-AC1667EBCBE1}">
-                  <a14:hiddenEffects xmlns="" xmlns:a14="http://schemas.microsoft.com/office/drawing/2010/main">
+                  <a14:hiddenEffects xmlns:a14="http://schemas.microsoft.com/office/drawing/2010/main" xmlns="">
                     <a:effectLst>
                       <a:outerShdw blurRad="63500" dist="38099" dir="2700000" algn="ctr" rotWithShape="0">
                         <a:schemeClr val="bg2">
@@ -38259,14 +38243,14 @@
               <a:effectLst/>
               <a:extLst>
                 <a:ext uri="{909E8E84-426E-40dd-AFC4-6F175D3DCCD1}">
-                  <a14:hiddenFill xmlns="" xmlns:a14="http://schemas.microsoft.com/office/drawing/2010/main">
+                  <a14:hiddenFill xmlns:a14="http://schemas.microsoft.com/office/drawing/2010/main" xmlns="">
                     <a:solidFill>
                       <a:schemeClr val="accent1"/>
                     </a:solidFill>
                   </a14:hiddenFill>
                 </a:ext>
                 <a:ext uri="{AF507438-7753-43e0-B8FC-AC1667EBCBE1}">
-                  <a14:hiddenEffects xmlns="" xmlns:a14="http://schemas.microsoft.com/office/drawing/2010/main">
+                  <a14:hiddenEffects xmlns:a14="http://schemas.microsoft.com/office/drawing/2010/main" xmlns="">
                     <a:effectLst>
                       <a:outerShdw dist="35921" dir="2700000" algn="ctr" rotWithShape="0">
                         <a:schemeClr val="bg2"/>
@@ -38365,14 +38349,14 @@
               <a:effectLst/>
               <a:extLst>
                 <a:ext uri="{909E8E84-426E-40dd-AFC4-6F175D3DCCD1}">
-                  <a14:hiddenFill xmlns="" xmlns:a14="http://schemas.microsoft.com/office/drawing/2010/main">
+                  <a14:hiddenFill xmlns:a14="http://schemas.microsoft.com/office/drawing/2010/main" xmlns="">
                     <a:solidFill>
                       <a:schemeClr val="accent1"/>
                     </a:solidFill>
                   </a14:hiddenFill>
                 </a:ext>
                 <a:ext uri="{AF507438-7753-43e0-B8FC-AC1667EBCBE1}">
-                  <a14:hiddenEffects xmlns="" xmlns:a14="http://schemas.microsoft.com/office/drawing/2010/main">
+                  <a14:hiddenEffects xmlns:a14="http://schemas.microsoft.com/office/drawing/2010/main" xmlns="">
                     <a:effectLst>
                       <a:outerShdw dist="35921" dir="2700000" algn="ctr" rotWithShape="0">
                         <a:schemeClr val="bg2"/>
@@ -38432,7 +38416,7 @@
               <a:effectLst/>
               <a:extLst>
                 <a:ext uri="{91240B29-F687-4f45-9708-019B960494DF}">
-                  <a14:hiddenLine xmlns="" xmlns:a14="http://schemas.microsoft.com/office/drawing/2010/main" w="9525">
+                  <a14:hiddenLine xmlns:a14="http://schemas.microsoft.com/office/drawing/2010/main" xmlns="" w="9525">
                     <a:solidFill>
                       <a:schemeClr val="tx1"/>
                     </a:solidFill>
@@ -38442,7 +38426,7 @@
                   </a14:hiddenLine>
                 </a:ext>
                 <a:ext uri="{AF507438-7753-43e0-B8FC-AC1667EBCBE1}">
-                  <a14:hiddenEffects xmlns="" xmlns:a14="http://schemas.microsoft.com/office/drawing/2010/main">
+                  <a14:hiddenEffects xmlns:a14="http://schemas.microsoft.com/office/drawing/2010/main" xmlns="">
                     <a:effectLst>
                       <a:outerShdw blurRad="63500" dist="38099" dir="2700000" algn="ctr" rotWithShape="0">
                         <a:schemeClr val="bg2">
@@ -38549,14 +38533,14 @@
               <a:effectLst/>
               <a:extLst>
                 <a:ext uri="{909E8E84-426E-40dd-AFC4-6F175D3DCCD1}">
-                  <a14:hiddenFill xmlns="" xmlns:a14="http://schemas.microsoft.com/office/drawing/2010/main">
+                  <a14:hiddenFill xmlns:a14="http://schemas.microsoft.com/office/drawing/2010/main" xmlns="">
                     <a:solidFill>
                       <a:schemeClr val="accent1"/>
                     </a:solidFill>
                   </a14:hiddenFill>
                 </a:ext>
                 <a:ext uri="{AF507438-7753-43e0-B8FC-AC1667EBCBE1}">
-                  <a14:hiddenEffects xmlns="" xmlns:a14="http://schemas.microsoft.com/office/drawing/2010/main">
+                  <a14:hiddenEffects xmlns:a14="http://schemas.microsoft.com/office/drawing/2010/main" xmlns="">
                     <a:effectLst>
                       <a:outerShdw dist="35921" dir="2700000" algn="ctr" rotWithShape="0">
                         <a:schemeClr val="bg2"/>
@@ -38655,14 +38639,14 @@
               <a:effectLst/>
               <a:extLst>
                 <a:ext uri="{909E8E84-426E-40dd-AFC4-6F175D3DCCD1}">
-                  <a14:hiddenFill xmlns="" xmlns:a14="http://schemas.microsoft.com/office/drawing/2010/main">
+                  <a14:hiddenFill xmlns:a14="http://schemas.microsoft.com/office/drawing/2010/main" xmlns="">
                     <a:solidFill>
                       <a:schemeClr val="accent1"/>
                     </a:solidFill>
                   </a14:hiddenFill>
                 </a:ext>
                 <a:ext uri="{AF507438-7753-43e0-B8FC-AC1667EBCBE1}">
-                  <a14:hiddenEffects xmlns="" xmlns:a14="http://schemas.microsoft.com/office/drawing/2010/main">
+                  <a14:hiddenEffects xmlns:a14="http://schemas.microsoft.com/office/drawing/2010/main" xmlns="">
                     <a:effectLst>
                       <a:outerShdw dist="35921" dir="2700000" algn="ctr" rotWithShape="0">
                         <a:schemeClr val="bg2"/>
@@ -38722,7 +38706,7 @@
               <a:effectLst/>
               <a:extLst>
                 <a:ext uri="{91240B29-F687-4f45-9708-019B960494DF}">
-                  <a14:hiddenLine xmlns="" xmlns:a14="http://schemas.microsoft.com/office/drawing/2010/main" w="9525">
+                  <a14:hiddenLine xmlns:a14="http://schemas.microsoft.com/office/drawing/2010/main" xmlns="" w="9525">
                     <a:solidFill>
                       <a:schemeClr val="tx1"/>
                     </a:solidFill>
@@ -38732,7 +38716,7 @@
                   </a14:hiddenLine>
                 </a:ext>
                 <a:ext uri="{AF507438-7753-43e0-B8FC-AC1667EBCBE1}">
-                  <a14:hiddenEffects xmlns="" xmlns:a14="http://schemas.microsoft.com/office/drawing/2010/main">
+                  <a14:hiddenEffects xmlns:a14="http://schemas.microsoft.com/office/drawing/2010/main" xmlns="">
                     <a:effectLst>
                       <a:outerShdw blurRad="63500" dist="38099" dir="2700000" algn="ctr" rotWithShape="0">
                         <a:schemeClr val="bg2">
@@ -38839,14 +38823,14 @@
               <a:effectLst/>
               <a:extLst>
                 <a:ext uri="{909E8E84-426E-40dd-AFC4-6F175D3DCCD1}">
-                  <a14:hiddenFill xmlns="" xmlns:a14="http://schemas.microsoft.com/office/drawing/2010/main">
+                  <a14:hiddenFill xmlns:a14="http://schemas.microsoft.com/office/drawing/2010/main" xmlns="">
                     <a:solidFill>
                       <a:schemeClr val="accent1"/>
                     </a:solidFill>
                   </a14:hiddenFill>
                 </a:ext>
                 <a:ext uri="{AF507438-7753-43e0-B8FC-AC1667EBCBE1}">
-                  <a14:hiddenEffects xmlns="" xmlns:a14="http://schemas.microsoft.com/office/drawing/2010/main">
+                  <a14:hiddenEffects xmlns:a14="http://schemas.microsoft.com/office/drawing/2010/main" xmlns="">
                     <a:effectLst>
                       <a:outerShdw dist="35921" dir="2700000" algn="ctr" rotWithShape="0">
                         <a:schemeClr val="bg2"/>
@@ -38945,14 +38929,14 @@
               <a:effectLst/>
               <a:extLst>
                 <a:ext uri="{909E8E84-426E-40dd-AFC4-6F175D3DCCD1}">
-                  <a14:hiddenFill xmlns="" xmlns:a14="http://schemas.microsoft.com/office/drawing/2010/main">
+                  <a14:hiddenFill xmlns:a14="http://schemas.microsoft.com/office/drawing/2010/main" xmlns="">
                     <a:solidFill>
                       <a:schemeClr val="accent1"/>
                     </a:solidFill>
                   </a14:hiddenFill>
                 </a:ext>
                 <a:ext uri="{AF507438-7753-43e0-B8FC-AC1667EBCBE1}">
-                  <a14:hiddenEffects xmlns="" xmlns:a14="http://schemas.microsoft.com/office/drawing/2010/main">
+                  <a14:hiddenEffects xmlns:a14="http://schemas.microsoft.com/office/drawing/2010/main" xmlns="">
                     <a:effectLst>
                       <a:outerShdw dist="35921" dir="2700000" algn="ctr" rotWithShape="0">
                         <a:schemeClr val="bg2"/>
@@ -39012,7 +38996,7 @@
               <a:effectLst/>
               <a:extLst>
                 <a:ext uri="{91240B29-F687-4f45-9708-019B960494DF}">
-                  <a14:hiddenLine xmlns="" xmlns:a14="http://schemas.microsoft.com/office/drawing/2010/main" w="9525">
+                  <a14:hiddenLine xmlns:a14="http://schemas.microsoft.com/office/drawing/2010/main" xmlns="" w="9525">
                     <a:solidFill>
                       <a:schemeClr val="tx1"/>
                     </a:solidFill>
@@ -39022,7 +39006,7 @@
                   </a14:hiddenLine>
                 </a:ext>
                 <a:ext uri="{AF507438-7753-43e0-B8FC-AC1667EBCBE1}">
-                  <a14:hiddenEffects xmlns="" xmlns:a14="http://schemas.microsoft.com/office/drawing/2010/main">
+                  <a14:hiddenEffects xmlns:a14="http://schemas.microsoft.com/office/drawing/2010/main" xmlns="">
                     <a:effectLst>
                       <a:outerShdw blurRad="63500" dist="38099" dir="2700000" algn="ctr" rotWithShape="0">
                         <a:schemeClr val="bg2">
@@ -39129,14 +39113,14 @@
               <a:effectLst/>
               <a:extLst>
                 <a:ext uri="{909E8E84-426E-40dd-AFC4-6F175D3DCCD1}">
-                  <a14:hiddenFill xmlns="" xmlns:a14="http://schemas.microsoft.com/office/drawing/2010/main">
+                  <a14:hiddenFill xmlns:a14="http://schemas.microsoft.com/office/drawing/2010/main" xmlns="">
                     <a:solidFill>
                       <a:schemeClr val="accent1"/>
                     </a:solidFill>
                   </a14:hiddenFill>
                 </a:ext>
                 <a:ext uri="{AF507438-7753-43e0-B8FC-AC1667EBCBE1}">
-                  <a14:hiddenEffects xmlns="" xmlns:a14="http://schemas.microsoft.com/office/drawing/2010/main">
+                  <a14:hiddenEffects xmlns:a14="http://schemas.microsoft.com/office/drawing/2010/main" xmlns="">
                     <a:effectLst>
                       <a:outerShdw dist="35921" dir="2700000" algn="ctr" rotWithShape="0">
                         <a:schemeClr val="bg2"/>
@@ -39235,14 +39219,14 @@
               <a:effectLst/>
               <a:extLst>
                 <a:ext uri="{909E8E84-426E-40dd-AFC4-6F175D3DCCD1}">
-                  <a14:hiddenFill xmlns="" xmlns:a14="http://schemas.microsoft.com/office/drawing/2010/main">
+                  <a14:hiddenFill xmlns:a14="http://schemas.microsoft.com/office/drawing/2010/main" xmlns="">
                     <a:solidFill>
                       <a:schemeClr val="accent1"/>
                     </a:solidFill>
                   </a14:hiddenFill>
                 </a:ext>
                 <a:ext uri="{AF507438-7753-43e0-B8FC-AC1667EBCBE1}">
-                  <a14:hiddenEffects xmlns="" xmlns:a14="http://schemas.microsoft.com/office/drawing/2010/main">
+                  <a14:hiddenEffects xmlns:a14="http://schemas.microsoft.com/office/drawing/2010/main" xmlns="">
                     <a:effectLst>
                       <a:outerShdw dist="35921" dir="2700000" algn="ctr" rotWithShape="0">
                         <a:schemeClr val="bg2"/>
@@ -39284,14 +39268,14 @@
             <a:effectLst/>
             <a:extLst>
               <a:ext uri="{909E8E84-426E-40dd-AFC4-6F175D3DCCD1}">
-                <a14:hiddenFill xmlns="" xmlns:a14="http://schemas.microsoft.com/office/drawing/2010/main">
+                <a14:hiddenFill xmlns:a14="http://schemas.microsoft.com/office/drawing/2010/main" xmlns="">
                   <a:solidFill>
                     <a:schemeClr val="accent1"/>
                   </a:solidFill>
                 </a14:hiddenFill>
               </a:ext>
               <a:ext uri="{91240B29-F687-4f45-9708-019B960494DF}">
-                <a14:hiddenLine xmlns="" xmlns:a14="http://schemas.microsoft.com/office/drawing/2010/main" w="9525">
+                <a14:hiddenLine xmlns:a14="http://schemas.microsoft.com/office/drawing/2010/main" xmlns="" w="9525">
                   <a:solidFill>
                     <a:schemeClr val="tx1"/>
                   </a:solidFill>
@@ -39301,7 +39285,7 @@
                 </a14:hiddenLine>
               </a:ext>
               <a:ext uri="{AF507438-7753-43e0-B8FC-AC1667EBCBE1}">
-                <a14:hiddenEffects xmlns="" xmlns:a14="http://schemas.microsoft.com/office/drawing/2010/main">
+                <a14:hiddenEffects xmlns:a14="http://schemas.microsoft.com/office/drawing/2010/main" xmlns="">
                   <a:effectLst>
                     <a:outerShdw blurRad="63500" dist="38099" dir="2700000" algn="ctr" rotWithShape="0">
                       <a:schemeClr val="bg2">
@@ -39461,14 +39445,14 @@
             <a:effectLst/>
             <a:extLst>
               <a:ext uri="{909E8E84-426E-40dd-AFC4-6F175D3DCCD1}">
-                <a14:hiddenFill xmlns="" xmlns:a14="http://schemas.microsoft.com/office/drawing/2010/main">
+                <a14:hiddenFill xmlns:a14="http://schemas.microsoft.com/office/drawing/2010/main" xmlns="">
                   <a:solidFill>
                     <a:schemeClr val="accent1"/>
                   </a:solidFill>
                 </a14:hiddenFill>
               </a:ext>
               <a:ext uri="{91240B29-F687-4f45-9708-019B960494DF}">
-                <a14:hiddenLine xmlns="" xmlns:a14="http://schemas.microsoft.com/office/drawing/2010/main" w="9525">
+                <a14:hiddenLine xmlns:a14="http://schemas.microsoft.com/office/drawing/2010/main" xmlns="" w="9525">
                   <a:solidFill>
                     <a:schemeClr val="tx1"/>
                   </a:solidFill>
@@ -39478,7 +39462,7 @@
                 </a14:hiddenLine>
               </a:ext>
               <a:ext uri="{AF507438-7753-43e0-B8FC-AC1667EBCBE1}">
-                <a14:hiddenEffects xmlns="" xmlns:a14="http://schemas.microsoft.com/office/drawing/2010/main">
+                <a14:hiddenEffects xmlns:a14="http://schemas.microsoft.com/office/drawing/2010/main" xmlns="">
                   <a:effectLst>
                     <a:outerShdw blurRad="63500" dist="38099" dir="2700000" algn="ctr" rotWithShape="0">
                       <a:schemeClr val="bg2">
@@ -39638,14 +39622,14 @@
             <a:effectLst/>
             <a:extLst>
               <a:ext uri="{909E8E84-426E-40dd-AFC4-6F175D3DCCD1}">
-                <a14:hiddenFill xmlns="" xmlns:a14="http://schemas.microsoft.com/office/drawing/2010/main">
+                <a14:hiddenFill xmlns:a14="http://schemas.microsoft.com/office/drawing/2010/main" xmlns="">
                   <a:solidFill>
                     <a:schemeClr val="accent1"/>
                   </a:solidFill>
                 </a14:hiddenFill>
               </a:ext>
               <a:ext uri="{91240B29-F687-4f45-9708-019B960494DF}">
-                <a14:hiddenLine xmlns="" xmlns:a14="http://schemas.microsoft.com/office/drawing/2010/main" w="9525">
+                <a14:hiddenLine xmlns:a14="http://schemas.microsoft.com/office/drawing/2010/main" xmlns="" w="9525">
                   <a:solidFill>
                     <a:schemeClr val="tx1"/>
                   </a:solidFill>
@@ -39655,7 +39639,7 @@
                 </a14:hiddenLine>
               </a:ext>
               <a:ext uri="{AF507438-7753-43e0-B8FC-AC1667EBCBE1}">
-                <a14:hiddenEffects xmlns="" xmlns:a14="http://schemas.microsoft.com/office/drawing/2010/main">
+                <a14:hiddenEffects xmlns:a14="http://schemas.microsoft.com/office/drawing/2010/main" xmlns="">
                   <a:effectLst>
                     <a:outerShdw blurRad="63500" dist="38099" dir="2700000" algn="ctr" rotWithShape="0">
                       <a:schemeClr val="bg2">
@@ -39893,14 +39877,14 @@
             </a:ln>
             <a:extLst>
               <a:ext uri="{909E8E84-426E-40dd-AFC4-6F175D3DCCD1}">
-                <a14:hiddenFill xmlns="" xmlns:a14="http://schemas.microsoft.com/office/drawing/2010/main">
+                <a14:hiddenFill xmlns:a14="http://schemas.microsoft.com/office/drawing/2010/main" xmlns="">
                   <a:solidFill>
                     <a:srgbClr val="FFFFFF"/>
                   </a:solidFill>
                 </a14:hiddenFill>
               </a:ext>
               <a:ext uri="{91240B29-F687-4f45-9708-019B960494DF}">
-                <a14:hiddenLine xmlns="" xmlns:a14="http://schemas.microsoft.com/office/drawing/2010/main" w="9525">
+                <a14:hiddenLine xmlns:a14="http://schemas.microsoft.com/office/drawing/2010/main" xmlns="" w="9525">
                   <a:solidFill>
                     <a:srgbClr val="000000"/>
                   </a:solidFill>
@@ -39947,14 +39931,14 @@
             </a:ln>
             <a:extLst>
               <a:ext uri="{909E8E84-426E-40dd-AFC4-6F175D3DCCD1}">
-                <a14:hiddenFill xmlns="" xmlns:a14="http://schemas.microsoft.com/office/drawing/2010/main">
+                <a14:hiddenFill xmlns:a14="http://schemas.microsoft.com/office/drawing/2010/main" xmlns="">
                   <a:solidFill>
                     <a:srgbClr val="FFFFFF"/>
                   </a:solidFill>
                 </a14:hiddenFill>
               </a:ext>
               <a:ext uri="{91240B29-F687-4f45-9708-019B960494DF}">
-                <a14:hiddenLine xmlns="" xmlns:a14="http://schemas.microsoft.com/office/drawing/2010/main" w="9525">
+                <a14:hiddenLine xmlns:a14="http://schemas.microsoft.com/office/drawing/2010/main" xmlns="" w="9525">
                   <a:solidFill>
                     <a:srgbClr val="000000"/>
                   </a:solidFill>
@@ -40018,14 +40002,14 @@
             </a:ln>
             <a:extLst>
               <a:ext uri="{909E8E84-426E-40dd-AFC4-6F175D3DCCD1}">
-                <a14:hiddenFill xmlns="" xmlns:a14="http://schemas.microsoft.com/office/drawing/2010/main">
+                <a14:hiddenFill xmlns:a14="http://schemas.microsoft.com/office/drawing/2010/main" xmlns="">
                   <a:solidFill>
                     <a:srgbClr val="FFFFFF"/>
                   </a:solidFill>
                 </a14:hiddenFill>
               </a:ext>
               <a:ext uri="{91240B29-F687-4f45-9708-019B960494DF}">
-                <a14:hiddenLine xmlns="" xmlns:a14="http://schemas.microsoft.com/office/drawing/2010/main" w="9525">
+                <a14:hiddenLine xmlns:a14="http://schemas.microsoft.com/office/drawing/2010/main" xmlns="" w="9525">
                   <a:solidFill>
                     <a:srgbClr val="000000"/>
                   </a:solidFill>
@@ -40072,14 +40056,14 @@
             </a:ln>
             <a:extLst>
               <a:ext uri="{909E8E84-426E-40dd-AFC4-6F175D3DCCD1}">
-                <a14:hiddenFill xmlns="" xmlns:a14="http://schemas.microsoft.com/office/drawing/2010/main">
+                <a14:hiddenFill xmlns:a14="http://schemas.microsoft.com/office/drawing/2010/main" xmlns="">
                   <a:solidFill>
                     <a:srgbClr val="FFFFFF"/>
                   </a:solidFill>
                 </a14:hiddenFill>
               </a:ext>
               <a:ext uri="{91240B29-F687-4f45-9708-019B960494DF}">
-                <a14:hiddenLine xmlns="" xmlns:a14="http://schemas.microsoft.com/office/drawing/2010/main" w="9525">
+                <a14:hiddenLine xmlns:a14="http://schemas.microsoft.com/office/drawing/2010/main" xmlns="" w="9525">
                   <a:solidFill>
                     <a:srgbClr val="000000"/>
                   </a:solidFill>
@@ -40143,14 +40127,14 @@
             </a:ln>
             <a:extLst>
               <a:ext uri="{909E8E84-426E-40dd-AFC4-6F175D3DCCD1}">
-                <a14:hiddenFill xmlns="" xmlns:a14="http://schemas.microsoft.com/office/drawing/2010/main">
+                <a14:hiddenFill xmlns:a14="http://schemas.microsoft.com/office/drawing/2010/main" xmlns="">
                   <a:solidFill>
                     <a:srgbClr val="FFFFFF"/>
                   </a:solidFill>
                 </a14:hiddenFill>
               </a:ext>
               <a:ext uri="{91240B29-F687-4f45-9708-019B960494DF}">
-                <a14:hiddenLine xmlns="" xmlns:a14="http://schemas.microsoft.com/office/drawing/2010/main" w="9525">
+                <a14:hiddenLine xmlns:a14="http://schemas.microsoft.com/office/drawing/2010/main" xmlns="" w="9525">
                   <a:solidFill>
                     <a:srgbClr val="000000"/>
                   </a:solidFill>
@@ -40197,14 +40181,14 @@
             </a:ln>
             <a:extLst>
               <a:ext uri="{909E8E84-426E-40dd-AFC4-6F175D3DCCD1}">
-                <a14:hiddenFill xmlns="" xmlns:a14="http://schemas.microsoft.com/office/drawing/2010/main">
+                <a14:hiddenFill xmlns:a14="http://schemas.microsoft.com/office/drawing/2010/main" xmlns="">
                   <a:solidFill>
                     <a:srgbClr val="FFFFFF"/>
                   </a:solidFill>
                 </a14:hiddenFill>
               </a:ext>
               <a:ext uri="{91240B29-F687-4f45-9708-019B960494DF}">
-                <a14:hiddenLine xmlns="" xmlns:a14="http://schemas.microsoft.com/office/drawing/2010/main" w="9525">
+                <a14:hiddenLine xmlns:a14="http://schemas.microsoft.com/office/drawing/2010/main" xmlns="" w="9525">
                   <a:solidFill>
                     <a:srgbClr val="000000"/>
                   </a:solidFill>
@@ -48275,14 +48259,14 @@
             </a:ln>
             <a:extLst>
               <a:ext uri="{909E8E84-426E-40dd-AFC4-6F175D3DCCD1}">
-                <a14:hiddenFill xmlns="" xmlns:a14="http://schemas.microsoft.com/office/drawing/2010/main">
+                <a14:hiddenFill xmlns:a14="http://schemas.microsoft.com/office/drawing/2010/main" xmlns="">
                   <a:solidFill>
                     <a:srgbClr val="FFFFFF"/>
                   </a:solidFill>
                 </a14:hiddenFill>
               </a:ext>
               <a:ext uri="{91240B29-F687-4f45-9708-019B960494DF}">
-                <a14:hiddenLine xmlns="" xmlns:a14="http://schemas.microsoft.com/office/drawing/2010/main" w="25400">
+                <a14:hiddenLine xmlns:a14="http://schemas.microsoft.com/office/drawing/2010/main" xmlns="" w="25400">
                   <a:solidFill>
                     <a:srgbClr val="000000"/>
                   </a:solidFill>
@@ -48485,14 +48469,14 @@
             </a:ln>
             <a:extLst>
               <a:ext uri="{909E8E84-426E-40dd-AFC4-6F175D3DCCD1}">
-                <a14:hiddenFill xmlns="" xmlns:a14="http://schemas.microsoft.com/office/drawing/2010/main">
+                <a14:hiddenFill xmlns:a14="http://schemas.microsoft.com/office/drawing/2010/main" xmlns="">
                   <a:solidFill>
                     <a:srgbClr val="FFFFFF"/>
                   </a:solidFill>
                 </a14:hiddenFill>
               </a:ext>
               <a:ext uri="{91240B29-F687-4f45-9708-019B960494DF}">
-                <a14:hiddenLine xmlns="" xmlns:a14="http://schemas.microsoft.com/office/drawing/2010/main" w="25400">
+                <a14:hiddenLine xmlns:a14="http://schemas.microsoft.com/office/drawing/2010/main" xmlns="" w="25400">
                   <a:solidFill>
                     <a:srgbClr val="000000"/>
                   </a:solidFill>
@@ -48692,14 +48676,14 @@
             </a:ln>
             <a:extLst>
               <a:ext uri="{909E8E84-426E-40dd-AFC4-6F175D3DCCD1}">
-                <a14:hiddenFill xmlns="" xmlns:a14="http://schemas.microsoft.com/office/drawing/2010/main">
+                <a14:hiddenFill xmlns:a14="http://schemas.microsoft.com/office/drawing/2010/main" xmlns="">
                   <a:solidFill>
                     <a:srgbClr val="FFFFFF"/>
                   </a:solidFill>
                 </a14:hiddenFill>
               </a:ext>
               <a:ext uri="{91240B29-F687-4f45-9708-019B960494DF}">
-                <a14:hiddenLine xmlns="" xmlns:a14="http://schemas.microsoft.com/office/drawing/2010/main" w="25400">
+                <a14:hiddenLine xmlns:a14="http://schemas.microsoft.com/office/drawing/2010/main" xmlns="" w="25400">
                   <a:solidFill>
                     <a:srgbClr val="000000"/>
                   </a:solidFill>
@@ -48899,14 +48883,14 @@
             </a:ln>
             <a:extLst>
               <a:ext uri="{909E8E84-426E-40dd-AFC4-6F175D3DCCD1}">
-                <a14:hiddenFill xmlns="" xmlns:a14="http://schemas.microsoft.com/office/drawing/2010/main">
+                <a14:hiddenFill xmlns:a14="http://schemas.microsoft.com/office/drawing/2010/main" xmlns="">
                   <a:solidFill>
                     <a:srgbClr val="FFFFFF"/>
                   </a:solidFill>
                 </a14:hiddenFill>
               </a:ext>
               <a:ext uri="{91240B29-F687-4f45-9708-019B960494DF}">
-                <a14:hiddenLine xmlns="" xmlns:a14="http://schemas.microsoft.com/office/drawing/2010/main" w="25400">
+                <a14:hiddenLine xmlns:a14="http://schemas.microsoft.com/office/drawing/2010/main" xmlns="" w="25400">
                   <a:solidFill>
                     <a:srgbClr val="000000"/>
                   </a:solidFill>
@@ -49106,14 +49090,14 @@
             </a:ln>
             <a:extLst>
               <a:ext uri="{909E8E84-426E-40dd-AFC4-6F175D3DCCD1}">
-                <a14:hiddenFill xmlns="" xmlns:a14="http://schemas.microsoft.com/office/drawing/2010/main">
+                <a14:hiddenFill xmlns:a14="http://schemas.microsoft.com/office/drawing/2010/main" xmlns="">
                   <a:solidFill>
                     <a:srgbClr val="FFFFFF"/>
                   </a:solidFill>
                 </a14:hiddenFill>
               </a:ext>
               <a:ext uri="{91240B29-F687-4f45-9708-019B960494DF}">
-                <a14:hiddenLine xmlns="" xmlns:a14="http://schemas.microsoft.com/office/drawing/2010/main" w="25400">
+                <a14:hiddenLine xmlns:a14="http://schemas.microsoft.com/office/drawing/2010/main" xmlns="" w="25400">
                   <a:solidFill>
                     <a:srgbClr val="000000"/>
                   </a:solidFill>
@@ -49274,14 +49258,14 @@
             </a:ln>
             <a:extLst>
               <a:ext uri="{909E8E84-426E-40dd-AFC4-6F175D3DCCD1}">
-                <a14:hiddenFill xmlns="" xmlns:a14="http://schemas.microsoft.com/office/drawing/2010/main">
+                <a14:hiddenFill xmlns:a14="http://schemas.microsoft.com/office/drawing/2010/main" xmlns="">
                   <a:solidFill>
                     <a:srgbClr val="FFFFFF"/>
                   </a:solidFill>
                 </a14:hiddenFill>
               </a:ext>
               <a:ext uri="{91240B29-F687-4f45-9708-019B960494DF}">
-                <a14:hiddenLine xmlns="" xmlns:a14="http://schemas.microsoft.com/office/drawing/2010/main" w="12700">
+                <a14:hiddenLine xmlns:a14="http://schemas.microsoft.com/office/drawing/2010/main" xmlns="" w="12700">
                   <a:solidFill>
                     <a:srgbClr val="000000"/>
                   </a:solidFill>
@@ -49499,14 +49483,14 @@
             </a:ln>
             <a:extLst>
               <a:ext uri="{909E8E84-426E-40dd-AFC4-6F175D3DCCD1}">
-                <a14:hiddenFill xmlns="" xmlns:a14="http://schemas.microsoft.com/office/drawing/2010/main">
+                <a14:hiddenFill xmlns:a14="http://schemas.microsoft.com/office/drawing/2010/main" xmlns="">
                   <a:solidFill>
                     <a:srgbClr val="FFFFFF"/>
                   </a:solidFill>
                 </a14:hiddenFill>
               </a:ext>
               <a:ext uri="{91240B29-F687-4f45-9708-019B960494DF}">
-                <a14:hiddenLine xmlns="" xmlns:a14="http://schemas.microsoft.com/office/drawing/2010/main" w="25400">
+                <a14:hiddenLine xmlns:a14="http://schemas.microsoft.com/office/drawing/2010/main" xmlns="" w="25400">
                   <a:solidFill>
                     <a:srgbClr val="000000"/>
                   </a:solidFill>
@@ -49709,14 +49693,14 @@
             </a:ln>
             <a:extLst>
               <a:ext uri="{909E8E84-426E-40dd-AFC4-6F175D3DCCD1}">
-                <a14:hiddenFill xmlns="" xmlns:a14="http://schemas.microsoft.com/office/drawing/2010/main">
+                <a14:hiddenFill xmlns:a14="http://schemas.microsoft.com/office/drawing/2010/main" xmlns="">
                   <a:solidFill>
                     <a:srgbClr val="FFFFFF"/>
                   </a:solidFill>
                 </a14:hiddenFill>
               </a:ext>
               <a:ext uri="{91240B29-F687-4f45-9708-019B960494DF}">
-                <a14:hiddenLine xmlns="" xmlns:a14="http://schemas.microsoft.com/office/drawing/2010/main" w="25400">
+                <a14:hiddenLine xmlns:a14="http://schemas.microsoft.com/office/drawing/2010/main" xmlns="" w="25400">
                   <a:solidFill>
                     <a:srgbClr val="000000"/>
                   </a:solidFill>
@@ -49916,14 +49900,14 @@
             </a:ln>
             <a:extLst>
               <a:ext uri="{909E8E84-426E-40dd-AFC4-6F175D3DCCD1}">
-                <a14:hiddenFill xmlns="" xmlns:a14="http://schemas.microsoft.com/office/drawing/2010/main">
+                <a14:hiddenFill xmlns:a14="http://schemas.microsoft.com/office/drawing/2010/main" xmlns="">
                   <a:solidFill>
                     <a:srgbClr val="FFFFFF"/>
                   </a:solidFill>
                 </a14:hiddenFill>
               </a:ext>
               <a:ext uri="{91240B29-F687-4f45-9708-019B960494DF}">
-                <a14:hiddenLine xmlns="" xmlns:a14="http://schemas.microsoft.com/office/drawing/2010/main" w="25400">
+                <a14:hiddenLine xmlns:a14="http://schemas.microsoft.com/office/drawing/2010/main" xmlns="" w="25400">
                   <a:solidFill>
                     <a:srgbClr val="000000"/>
                   </a:solidFill>
@@ -50123,14 +50107,14 @@
             </a:ln>
             <a:extLst>
               <a:ext uri="{909E8E84-426E-40dd-AFC4-6F175D3DCCD1}">
-                <a14:hiddenFill xmlns="" xmlns:a14="http://schemas.microsoft.com/office/drawing/2010/main">
+                <a14:hiddenFill xmlns:a14="http://schemas.microsoft.com/office/drawing/2010/main" xmlns="">
                   <a:solidFill>
                     <a:srgbClr val="FFFFFF"/>
                   </a:solidFill>
                 </a14:hiddenFill>
               </a:ext>
               <a:ext uri="{91240B29-F687-4f45-9708-019B960494DF}">
-                <a14:hiddenLine xmlns="" xmlns:a14="http://schemas.microsoft.com/office/drawing/2010/main" w="25400">
+                <a14:hiddenLine xmlns:a14="http://schemas.microsoft.com/office/drawing/2010/main" xmlns="" w="25400">
                   <a:solidFill>
                     <a:srgbClr val="000000"/>
                   </a:solidFill>
@@ -50330,14 +50314,14 @@
             </a:ln>
             <a:extLst>
               <a:ext uri="{909E8E84-426E-40dd-AFC4-6F175D3DCCD1}">
-                <a14:hiddenFill xmlns="" xmlns:a14="http://schemas.microsoft.com/office/drawing/2010/main">
+                <a14:hiddenFill xmlns:a14="http://schemas.microsoft.com/office/drawing/2010/main" xmlns="">
                   <a:solidFill>
                     <a:srgbClr val="FFFFFF"/>
                   </a:solidFill>
                 </a14:hiddenFill>
               </a:ext>
               <a:ext uri="{91240B29-F687-4f45-9708-019B960494DF}">
-                <a14:hiddenLine xmlns="" xmlns:a14="http://schemas.microsoft.com/office/drawing/2010/main" w="25400">
+                <a14:hiddenLine xmlns:a14="http://schemas.microsoft.com/office/drawing/2010/main" xmlns="" w="25400">
                   <a:solidFill>
                     <a:srgbClr val="000000"/>
                   </a:solidFill>
@@ -50498,14 +50482,14 @@
             </a:ln>
             <a:extLst>
               <a:ext uri="{909E8E84-426E-40dd-AFC4-6F175D3DCCD1}">
-                <a14:hiddenFill xmlns="" xmlns:a14="http://schemas.microsoft.com/office/drawing/2010/main">
+                <a14:hiddenFill xmlns:a14="http://schemas.microsoft.com/office/drawing/2010/main" xmlns="">
                   <a:solidFill>
                     <a:srgbClr val="FFFFFF"/>
                   </a:solidFill>
                 </a14:hiddenFill>
               </a:ext>
               <a:ext uri="{91240B29-F687-4f45-9708-019B960494DF}">
-                <a14:hiddenLine xmlns="" xmlns:a14="http://schemas.microsoft.com/office/drawing/2010/main" w="12700">
+                <a14:hiddenLine xmlns:a14="http://schemas.microsoft.com/office/drawing/2010/main" xmlns="" w="12700">
                   <a:solidFill>
                     <a:srgbClr val="000000"/>
                   </a:solidFill>
@@ -50723,14 +50707,14 @@
             </a:ln>
             <a:extLst>
               <a:ext uri="{909E8E84-426E-40dd-AFC4-6F175D3DCCD1}">
-                <a14:hiddenFill xmlns="" xmlns:a14="http://schemas.microsoft.com/office/drawing/2010/main">
+                <a14:hiddenFill xmlns:a14="http://schemas.microsoft.com/office/drawing/2010/main" xmlns="">
                   <a:solidFill>
                     <a:srgbClr val="FFFFFF"/>
                   </a:solidFill>
                 </a14:hiddenFill>
               </a:ext>
               <a:ext uri="{91240B29-F687-4f45-9708-019B960494DF}">
-                <a14:hiddenLine xmlns="" xmlns:a14="http://schemas.microsoft.com/office/drawing/2010/main" w="25400">
+                <a14:hiddenLine xmlns:a14="http://schemas.microsoft.com/office/drawing/2010/main" xmlns="" w="25400">
                   <a:solidFill>
                     <a:srgbClr val="000000"/>
                   </a:solidFill>
@@ -50930,14 +50914,14 @@
             </a:ln>
             <a:extLst>
               <a:ext uri="{909E8E84-426E-40dd-AFC4-6F175D3DCCD1}">
-                <a14:hiddenFill xmlns="" xmlns:a14="http://schemas.microsoft.com/office/drawing/2010/main">
+                <a14:hiddenFill xmlns:a14="http://schemas.microsoft.com/office/drawing/2010/main" xmlns="">
                   <a:solidFill>
                     <a:srgbClr val="FFFFFF"/>
                   </a:solidFill>
                 </a14:hiddenFill>
               </a:ext>
               <a:ext uri="{91240B29-F687-4f45-9708-019B960494DF}">
-                <a14:hiddenLine xmlns="" xmlns:a14="http://schemas.microsoft.com/office/drawing/2010/main" w="25400">
+                <a14:hiddenLine xmlns:a14="http://schemas.microsoft.com/office/drawing/2010/main" xmlns="" w="25400">
                   <a:solidFill>
                     <a:srgbClr val="000000"/>
                   </a:solidFill>
@@ -51137,14 +51121,14 @@
             </a:ln>
             <a:extLst>
               <a:ext uri="{909E8E84-426E-40dd-AFC4-6F175D3DCCD1}">
-                <a14:hiddenFill xmlns="" xmlns:a14="http://schemas.microsoft.com/office/drawing/2010/main">
+                <a14:hiddenFill xmlns:a14="http://schemas.microsoft.com/office/drawing/2010/main" xmlns="">
                   <a:solidFill>
                     <a:srgbClr val="FFFFFF"/>
                   </a:solidFill>
                 </a14:hiddenFill>
               </a:ext>
               <a:ext uri="{91240B29-F687-4f45-9708-019B960494DF}">
-                <a14:hiddenLine xmlns="" xmlns:a14="http://schemas.microsoft.com/office/drawing/2010/main" w="25400">
+                <a14:hiddenLine xmlns:a14="http://schemas.microsoft.com/office/drawing/2010/main" xmlns="" w="25400">
                   <a:solidFill>
                     <a:srgbClr val="000000"/>
                   </a:solidFill>
@@ -51310,7 +51294,7 @@
             </a:ln>
             <a:extLst>
               <a:ext uri="{909E8E84-426E-40dd-AFC4-6F175D3DCCD1}">
-                <a14:hiddenFill xmlns="" xmlns:a14="http://schemas.microsoft.com/office/drawing/2010/main">
+                <a14:hiddenFill xmlns:a14="http://schemas.microsoft.com/office/drawing/2010/main" xmlns="">
                   <a:noFill/>
                 </a14:hiddenFill>
               </a:ext>
@@ -51347,7 +51331,7 @@
             </a:ln>
             <a:extLst>
               <a:ext uri="{909E8E84-426E-40dd-AFC4-6F175D3DCCD1}">
-                <a14:hiddenFill xmlns="" xmlns:a14="http://schemas.microsoft.com/office/drawing/2010/main">
+                <a14:hiddenFill xmlns:a14="http://schemas.microsoft.com/office/drawing/2010/main" xmlns="">
                   <a:noFill/>
                 </a14:hiddenFill>
               </a:ext>
@@ -51384,7 +51368,7 @@
             </a:ln>
             <a:extLst>
               <a:ext uri="{909E8E84-426E-40dd-AFC4-6F175D3DCCD1}">
-                <a14:hiddenFill xmlns="" xmlns:a14="http://schemas.microsoft.com/office/drawing/2010/main">
+                <a14:hiddenFill xmlns:a14="http://schemas.microsoft.com/office/drawing/2010/main" xmlns="">
                   <a:noFill/>
                 </a14:hiddenFill>
               </a:ext>
@@ -51421,7 +51405,7 @@
             </a:ln>
             <a:extLst>
               <a:ext uri="{909E8E84-426E-40dd-AFC4-6F175D3DCCD1}">
-                <a14:hiddenFill xmlns="" xmlns:a14="http://schemas.microsoft.com/office/drawing/2010/main">
+                <a14:hiddenFill xmlns:a14="http://schemas.microsoft.com/office/drawing/2010/main" xmlns="">
                   <a:noFill/>
                 </a14:hiddenFill>
               </a:ext>
@@ -51458,7 +51442,7 @@
             </a:ln>
             <a:extLst>
               <a:ext uri="{909E8E84-426E-40dd-AFC4-6F175D3DCCD1}">
-                <a14:hiddenFill xmlns="" xmlns:a14="http://schemas.microsoft.com/office/drawing/2010/main">
+                <a14:hiddenFill xmlns:a14="http://schemas.microsoft.com/office/drawing/2010/main" xmlns="">
                   <a:noFill/>
                 </a14:hiddenFill>
               </a:ext>
@@ -51495,7 +51479,7 @@
             </a:ln>
             <a:extLst>
               <a:ext uri="{909E8E84-426E-40dd-AFC4-6F175D3DCCD1}">
-                <a14:hiddenFill xmlns="" xmlns:a14="http://schemas.microsoft.com/office/drawing/2010/main">
+                <a14:hiddenFill xmlns:a14="http://schemas.microsoft.com/office/drawing/2010/main" xmlns="">
                   <a:noFill/>
                 </a14:hiddenFill>
               </a:ext>
@@ -51532,7 +51516,7 @@
             </a:ln>
             <a:extLst>
               <a:ext uri="{909E8E84-426E-40dd-AFC4-6F175D3DCCD1}">
-                <a14:hiddenFill xmlns="" xmlns:a14="http://schemas.microsoft.com/office/drawing/2010/main">
+                <a14:hiddenFill xmlns:a14="http://schemas.microsoft.com/office/drawing/2010/main" xmlns="">
                   <a:noFill/>
                 </a14:hiddenFill>
               </a:ext>
@@ -51569,7 +51553,7 @@
             </a:ln>
             <a:extLst>
               <a:ext uri="{909E8E84-426E-40dd-AFC4-6F175D3DCCD1}">
-                <a14:hiddenFill xmlns="" xmlns:a14="http://schemas.microsoft.com/office/drawing/2010/main">
+                <a14:hiddenFill xmlns:a14="http://schemas.microsoft.com/office/drawing/2010/main" xmlns="">
                   <a:noFill/>
                 </a14:hiddenFill>
               </a:ext>
@@ -51598,14 +51582,14 @@
             </a:ln>
             <a:extLst>
               <a:ext uri="{909E8E84-426E-40dd-AFC4-6F175D3DCCD1}">
-                <a14:hiddenFill xmlns="" xmlns:a14="http://schemas.microsoft.com/office/drawing/2010/main">
+                <a14:hiddenFill xmlns:a14="http://schemas.microsoft.com/office/drawing/2010/main" xmlns="">
                   <a:solidFill>
                     <a:srgbClr val="FFFFFF"/>
                   </a:solidFill>
                 </a14:hiddenFill>
               </a:ext>
               <a:ext uri="{91240B29-F687-4f45-9708-019B960494DF}">
-                <a14:hiddenLine xmlns="" xmlns:a14="http://schemas.microsoft.com/office/drawing/2010/main" w="12700">
+                <a14:hiddenLine xmlns:a14="http://schemas.microsoft.com/office/drawing/2010/main" xmlns="" w="12700">
                   <a:solidFill>
                     <a:srgbClr val="000000"/>
                   </a:solidFill>
